--- a/ppt/Distributed-Computing-with-MPI.pptx
+++ b/ppt/Distributed-Computing-with-MPI.pptx
@@ -5,10 +5,10 @@
     <p:sldMasterId id="2147483648" r:id="rId1"/>
   </p:sldMasterIdLst>
   <p:notesMasterIdLst>
-    <p:notesMasterId r:id="rId13"/>
+    <p:notesMasterId r:id="rId14"/>
   </p:notesMasterIdLst>
   <p:handoutMasterIdLst>
-    <p:handoutMasterId r:id="rId14"/>
+    <p:handoutMasterId r:id="rId15"/>
   </p:handoutMasterIdLst>
   <p:sldIdLst>
     <p:sldId id="295" r:id="rId2"/>
@@ -17,11 +17,12 @@
     <p:sldId id="300" r:id="rId5"/>
     <p:sldId id="301" r:id="rId6"/>
     <p:sldId id="262" r:id="rId7"/>
-    <p:sldId id="303" r:id="rId8"/>
-    <p:sldId id="298" r:id="rId9"/>
-    <p:sldId id="299" r:id="rId10"/>
-    <p:sldId id="304" r:id="rId11"/>
-    <p:sldId id="296" r:id="rId12"/>
+    <p:sldId id="305" r:id="rId8"/>
+    <p:sldId id="306" r:id="rId9"/>
+    <p:sldId id="303" r:id="rId10"/>
+    <p:sldId id="298" r:id="rId11"/>
+    <p:sldId id="299" r:id="rId12"/>
+    <p:sldId id="296" r:id="rId13"/>
   </p:sldIdLst>
   <p:sldSz cx="12192000" cy="6858000"/>
   <p:notesSz cx="6858000" cy="9144000"/>
@@ -235,7 +236,7 @@
           <a:p>
             <a:fld id="{412A36AD-C140-47B5-A0AA-2808AF1C1C9D}" type="datetimeFigureOut">
               <a:rPr lang="en-AU" smtClean="0"/>
-              <a:t>10/2/2023</a:t>
+              <a:t>22/2/2023</a:t>
             </a:fld>
             <a:endParaRPr lang="en-AU"/>
           </a:p>
@@ -400,7 +401,7 @@
           <a:p>
             <a:fld id="{2763829E-EB69-4A98-9D54-8D6822520B27}" type="datetimeFigureOut">
               <a:rPr lang="en-AU" smtClean="0"/>
-              <a:t>10/2/2023</a:t>
+              <a:t>22/2/2023</a:t>
             </a:fld>
             <a:endParaRPr lang="en-AU"/>
           </a:p>
@@ -752,6 +753,90 @@
 </p:notes>
 </file>
 
+<file path=ppt/notesSlides/notesSlide2.xml><?xml version="1.0" encoding="utf-8"?>
+<p:notes xmlns:a="http://schemas.openxmlformats.org/drawingml/2006/main" xmlns:r="http://schemas.openxmlformats.org/officeDocument/2006/relationships" xmlns:p="http://schemas.openxmlformats.org/presentationml/2006/main">
+  <p:cSld>
+    <p:spTree>
+      <p:nvGrpSpPr>
+        <p:cNvPr id="1" name=""/>
+        <p:cNvGrpSpPr/>
+        <p:nvPr/>
+      </p:nvGrpSpPr>
+      <p:grpSpPr>
+        <a:xfrm>
+          <a:off x="0" y="0"/>
+          <a:ext cx="0" cy="0"/>
+          <a:chOff x="0" y="0"/>
+          <a:chExt cx="0" cy="0"/>
+        </a:xfrm>
+      </p:grpSpPr>
+      <p:sp>
+        <p:nvSpPr>
+          <p:cNvPr id="2" name="Slide Image Placeholder 1"/>
+          <p:cNvSpPr>
+            <a:spLocks noGrp="1" noRot="1" noChangeAspect="1"/>
+          </p:cNvSpPr>
+          <p:nvPr>
+            <p:ph type="sldImg"/>
+          </p:nvPr>
+        </p:nvSpPr>
+        <p:spPr/>
+      </p:sp>
+      <p:sp>
+        <p:nvSpPr>
+          <p:cNvPr id="3" name="Notes Placeholder 2"/>
+          <p:cNvSpPr>
+            <a:spLocks noGrp="1"/>
+          </p:cNvSpPr>
+          <p:nvPr>
+            <p:ph type="body" idx="1"/>
+          </p:nvPr>
+        </p:nvSpPr>
+        <p:spPr/>
+        <p:txBody>
+          <a:bodyPr/>
+          <a:lstStyle/>
+          <a:p>
+            <a:endParaRPr lang="en-US"/>
+          </a:p>
+        </p:txBody>
+      </p:sp>
+      <p:sp>
+        <p:nvSpPr>
+          <p:cNvPr id="4" name="Slide Number Placeholder 3"/>
+          <p:cNvSpPr>
+            <a:spLocks noGrp="1"/>
+          </p:cNvSpPr>
+          <p:nvPr>
+            <p:ph type="sldNum" sz="quarter" idx="10"/>
+          </p:nvPr>
+        </p:nvSpPr>
+        <p:spPr/>
+        <p:txBody>
+          <a:bodyPr/>
+          <a:lstStyle/>
+          <a:p>
+            <a:fld id="{0EF05BAA-92F6-4DEA-A832-E4B15A2F525C}" type="slidenum">
+              <a:rPr lang="en-AU" smtClean="0"/>
+              <a:t>7</a:t>
+            </a:fld>
+            <a:endParaRPr lang="en-AU"/>
+          </a:p>
+        </p:txBody>
+      </p:sp>
+    </p:spTree>
+    <p:extLst>
+      <p:ext uri="{BB962C8B-B14F-4D97-AF65-F5344CB8AC3E}">
+        <p14:creationId xmlns:p14="http://schemas.microsoft.com/office/powerpoint/2010/main" val="4137934440"/>
+      </p:ext>
+    </p:extLst>
+  </p:cSld>
+  <p:clrMapOvr>
+    <a:masterClrMapping/>
+  </p:clrMapOvr>
+</p:notes>
+</file>
+
 <file path=ppt/slideLayouts/slideLayout1.xml><?xml version="1.0" encoding="utf-8"?>
 <p:sldLayout xmlns:a="http://schemas.openxmlformats.org/drawingml/2006/main" xmlns:r="http://schemas.openxmlformats.org/officeDocument/2006/relationships" xmlns:p="http://schemas.openxmlformats.org/presentationml/2006/main" preserve="1" userDrawn="1">
   <p:cSld name="Opening Slide">
@@ -1045,11 +1130,11 @@
             </a:lvl1pPr>
           </a:lstStyle>
           <a:p>
-            <a:pPr algn="ctr"/>
-            <a:r>
-              <a:rPr lang="en-AU" dirty="0"/>
-              <a:t>Intro to PyTorch</a:t>
-            </a:r>
+            <a:r>
+              <a:rPr lang="en-AU"/>
+              <a:t>Massively parallel computing with MPI in Python</a:t>
+            </a:r>
+            <a:endParaRPr lang="en-AU" dirty="0"/>
           </a:p>
         </p:txBody>
       </p:sp>
@@ -1321,11 +1406,11 @@
           <a:bodyPr/>
           <a:lstStyle/>
           <a:p>
-            <a:pPr algn="ctr"/>
-            <a:r>
-              <a:rPr lang="en-AU" dirty="0"/>
-              <a:t>Intro to PyTorch</a:t>
-            </a:r>
+            <a:r>
+              <a:rPr lang="en-AU"/>
+              <a:t>Massively parallel computing with MPI in Python</a:t>
+            </a:r>
+            <a:endParaRPr lang="en-AU" dirty="0"/>
           </a:p>
         </p:txBody>
       </p:sp>
@@ -1702,11 +1787,11 @@
           <a:bodyPr/>
           <a:lstStyle/>
           <a:p>
-            <a:pPr algn="ctr"/>
-            <a:r>
-              <a:rPr lang="en-AU" dirty="0"/>
-              <a:t>Intro to PyTorch</a:t>
-            </a:r>
+            <a:r>
+              <a:rPr lang="en-AU"/>
+              <a:t>Massively parallel computing with MPI in Python</a:t>
+            </a:r>
+            <a:endParaRPr lang="en-AU" dirty="0"/>
           </a:p>
         </p:txBody>
       </p:sp>
@@ -3122,11 +3207,11 @@
           <a:bodyPr/>
           <a:lstStyle/>
           <a:p>
-            <a:pPr algn="ctr"/>
-            <a:r>
-              <a:rPr lang="en-AU" dirty="0"/>
-              <a:t>Intro to PyTorch</a:t>
-            </a:r>
+            <a:r>
+              <a:rPr lang="en-AU"/>
+              <a:t>Massively parallel computing with MPI in Python</a:t>
+            </a:r>
+            <a:endParaRPr lang="en-AU" dirty="0"/>
           </a:p>
         </p:txBody>
       </p:sp>
@@ -3499,11 +3584,11 @@
           <a:bodyPr/>
           <a:lstStyle/>
           <a:p>
-            <a:pPr algn="ctr"/>
-            <a:r>
-              <a:rPr lang="en-AU" dirty="0"/>
-              <a:t>Intro to PyTorch</a:t>
-            </a:r>
+            <a:r>
+              <a:rPr lang="en-AU"/>
+              <a:t>Massively parallel computing with MPI in Python</a:t>
+            </a:r>
+            <a:endParaRPr lang="en-AU" dirty="0"/>
           </a:p>
         </p:txBody>
       </p:sp>
@@ -3842,11 +3927,11 @@
           <a:bodyPr/>
           <a:lstStyle/>
           <a:p>
-            <a:pPr algn="ctr"/>
-            <a:r>
-              <a:rPr lang="en-AU" dirty="0"/>
-              <a:t>Intro to PyTorch</a:t>
-            </a:r>
+            <a:r>
+              <a:rPr lang="en-AU"/>
+              <a:t>Massively parallel computing with MPI in Python</a:t>
+            </a:r>
+            <a:endParaRPr lang="en-AU" dirty="0"/>
           </a:p>
         </p:txBody>
       </p:sp>
@@ -4758,11 +4843,11 @@
             </a:lvl1pPr>
           </a:lstStyle>
           <a:p>
-            <a:pPr algn="ctr"/>
-            <a:r>
-              <a:rPr lang="en-AU" dirty="0"/>
-              <a:t>Intro to PyTorch</a:t>
-            </a:r>
+            <a:r>
+              <a:rPr lang="en-AU"/>
+              <a:t>Massively parallel computing with MPI in Python</a:t>
+            </a:r>
+            <a:endParaRPr lang="en-AU" dirty="0"/>
           </a:p>
         </p:txBody>
       </p:sp>
@@ -6477,11 +6562,11 @@
             </a:lvl1pPr>
           </a:lstStyle>
           <a:p>
-            <a:pPr algn="ctr"/>
-            <a:r>
-              <a:rPr lang="en-AU" dirty="0"/>
-              <a:t>Intro to PyTorch</a:t>
-            </a:r>
+            <a:r>
+              <a:rPr lang="en-AU"/>
+              <a:t>Massively parallel computing with MPI in Python</a:t>
+            </a:r>
+            <a:endParaRPr lang="en-AU" dirty="0"/>
           </a:p>
         </p:txBody>
       </p:sp>
@@ -6692,11 +6777,11 @@
             </a:lvl1pPr>
           </a:lstStyle>
           <a:p>
-            <a:pPr algn="ctr"/>
-            <a:r>
-              <a:rPr lang="en-AU" dirty="0"/>
-              <a:t>Intro to PyTorch</a:t>
-            </a:r>
+            <a:r>
+              <a:rPr lang="en-AU"/>
+              <a:t>Massively parallel computing with MPI in Python</a:t>
+            </a:r>
+            <a:endParaRPr lang="en-AU" dirty="0"/>
           </a:p>
         </p:txBody>
       </p:sp>
@@ -7022,11 +7107,11 @@
             </a:lvl1pPr>
           </a:lstStyle>
           <a:p>
-            <a:pPr algn="ctr"/>
-            <a:r>
-              <a:rPr lang="en-AU" dirty="0"/>
-              <a:t>Intro to PyTorch</a:t>
-            </a:r>
+            <a:r>
+              <a:rPr lang="en-AU"/>
+              <a:t>Massively parallel computing with MPI in Python</a:t>
+            </a:r>
+            <a:endParaRPr lang="en-AU" dirty="0"/>
           </a:p>
         </p:txBody>
       </p:sp>
@@ -7235,11 +7320,11 @@
           <a:bodyPr/>
           <a:lstStyle/>
           <a:p>
-            <a:pPr algn="ctr"/>
-            <a:r>
-              <a:rPr lang="en-AU" dirty="0"/>
-              <a:t>Intro to PyTorch</a:t>
-            </a:r>
+            <a:r>
+              <a:rPr lang="en-AU"/>
+              <a:t>Massively parallel computing with MPI in Python</a:t>
+            </a:r>
+            <a:endParaRPr lang="en-AU" dirty="0"/>
           </a:p>
         </p:txBody>
       </p:sp>
@@ -7639,11 +7724,11 @@
             </a:lvl1pPr>
           </a:lstStyle>
           <a:p>
-            <a:pPr algn="ctr"/>
-            <a:r>
-              <a:rPr lang="en-AU" dirty="0"/>
-              <a:t>Intro to PyTorch</a:t>
-            </a:r>
+            <a:r>
+              <a:rPr lang="en-AU"/>
+              <a:t>Massively parallel computing with MPI in Python</a:t>
+            </a:r>
+            <a:endParaRPr lang="en-AU" dirty="0"/>
           </a:p>
         </p:txBody>
       </p:sp>
@@ -7992,11 +8077,11 @@
             </a:lvl1pPr>
           </a:lstStyle>
           <a:p>
-            <a:pPr algn="ctr"/>
-            <a:r>
-              <a:rPr lang="en-AU" dirty="0"/>
-              <a:t>Intro to PyTorch</a:t>
-            </a:r>
+            <a:r>
+              <a:rPr lang="en-AU"/>
+              <a:t>Massively parallel computing with MPI in Python</a:t>
+            </a:r>
+            <a:endParaRPr lang="en-AU" dirty="0"/>
           </a:p>
         </p:txBody>
       </p:sp>
@@ -8345,11 +8430,11 @@
             </a:lvl1pPr>
           </a:lstStyle>
           <a:p>
-            <a:pPr algn="ctr"/>
-            <a:r>
-              <a:rPr lang="en-AU" dirty="0"/>
-              <a:t>Intro to PyTorch</a:t>
-            </a:r>
+            <a:r>
+              <a:rPr lang="en-AU"/>
+              <a:t>Massively parallel computing with MPI in Python</a:t>
+            </a:r>
+            <a:endParaRPr lang="en-AU" dirty="0"/>
           </a:p>
         </p:txBody>
       </p:sp>
@@ -8711,11 +8796,11 @@
             </a:lvl1pPr>
           </a:lstStyle>
           <a:p>
-            <a:pPr algn="ctr"/>
-            <a:r>
-              <a:rPr lang="en-AU" dirty="0"/>
-              <a:t>Intro to PyTorch</a:t>
-            </a:r>
+            <a:r>
+              <a:rPr lang="en-AU"/>
+              <a:t>Massively parallel computing with MPI in Python</a:t>
+            </a:r>
+            <a:endParaRPr lang="en-AU" dirty="0"/>
           </a:p>
         </p:txBody>
       </p:sp>
@@ -9048,11 +9133,11 @@
           <a:bodyPr/>
           <a:lstStyle/>
           <a:p>
-            <a:pPr algn="ctr"/>
-            <a:r>
-              <a:rPr lang="en-AU" dirty="0"/>
-              <a:t>Intro to PyTorch</a:t>
-            </a:r>
+            <a:r>
+              <a:rPr lang="en-AU"/>
+              <a:t>Massively parallel computing with MPI in Python</a:t>
+            </a:r>
+            <a:endParaRPr lang="en-AU" dirty="0"/>
           </a:p>
         </p:txBody>
       </p:sp>
@@ -9449,11 +9534,11 @@
           <a:bodyPr/>
           <a:lstStyle/>
           <a:p>
-            <a:pPr algn="ctr"/>
-            <a:r>
-              <a:rPr lang="en-AU" dirty="0"/>
-              <a:t>Intro to PyTorch</a:t>
-            </a:r>
+            <a:r>
+              <a:rPr lang="en-AU"/>
+              <a:t>Massively parallel computing with MPI in Python</a:t>
+            </a:r>
+            <a:endParaRPr lang="en-AU" dirty="0"/>
           </a:p>
         </p:txBody>
       </p:sp>
@@ -9830,11 +9915,11 @@
           <a:bodyPr/>
           <a:lstStyle/>
           <a:p>
-            <a:pPr algn="ctr"/>
-            <a:r>
-              <a:rPr lang="en-AU" dirty="0"/>
-              <a:t>Intro to PyTorch</a:t>
-            </a:r>
+            <a:r>
+              <a:rPr lang="en-AU"/>
+              <a:t>Massively parallel computing with MPI in Python</a:t>
+            </a:r>
+            <a:endParaRPr lang="en-AU" dirty="0"/>
           </a:p>
         </p:txBody>
       </p:sp>
@@ -10107,7 +10192,7 @@
         <p:txBody>
           <a:bodyPr vert="horz" lIns="0" tIns="0" rIns="0" bIns="0" rtlCol="0" anchor="ctr"/>
           <a:lstStyle>
-            <a:lvl1pPr algn="l">
+            <a:lvl1pPr algn="ctr">
               <a:defRPr sz="1100" b="0" i="0">
                 <a:solidFill>
                   <a:schemeClr val="accent1"/>
@@ -10119,11 +10204,11 @@
             </a:lvl1pPr>
           </a:lstStyle>
           <a:p>
-            <a:pPr algn="ctr"/>
-            <a:r>
-              <a:rPr lang="en-AU" dirty="0"/>
-              <a:t>Intro to PyTorch</a:t>
-            </a:r>
+            <a:r>
+              <a:rPr lang="en-AU"/>
+              <a:t>Massively parallel computing with MPI in Python</a:t>
+            </a:r>
+            <a:endParaRPr lang="en-AU" dirty="0"/>
           </a:p>
         </p:txBody>
       </p:sp>
@@ -10588,7 +10673,7 @@
           <a:p>
             <a:r>
               <a:rPr lang="en-US" dirty="0"/>
-              <a:t>February 14, 2023</a:t>
+              <a:t>March 1, 2023</a:t>
             </a:r>
           </a:p>
         </p:txBody>
@@ -10614,11 +10699,11 @@
           <a:bodyPr/>
           <a:lstStyle/>
           <a:p>
-            <a:pPr algn="ctr"/>
-            <a:r>
-              <a:rPr lang="en-AU" dirty="0"/>
-              <a:t>Intro to PyTorch</a:t>
-            </a:r>
+            <a:r>
+              <a:rPr lang="en-AU"/>
+              <a:t>Massively parallel computing with MPI in Python</a:t>
+            </a:r>
+            <a:endParaRPr lang="en-AU" dirty="0"/>
           </a:p>
         </p:txBody>
       </p:sp>
@@ -10695,7 +10780,7 @@
           <p:cNvPr id="2" name="Content Placeholder 1">
             <a:extLst>
               <a:ext uri="{FF2B5EF4-FFF2-40B4-BE49-F238E27FC236}">
-                <a16:creationId xmlns:a16="http://schemas.microsoft.com/office/drawing/2014/main" id="{D47CAEB2-2A3D-DC5C-3574-8D79CBE07BB9}"/>
+                <a16:creationId xmlns:a16="http://schemas.microsoft.com/office/drawing/2014/main" id="{27BF64D7-8FF1-F778-4E25-BC990AAA8BEB}"/>
               </a:ext>
             </a:extLst>
           </p:cNvPr>
@@ -10706,86 +10791,123 @@
             <p:ph sz="quarter" idx="11"/>
           </p:nvPr>
         </p:nvSpPr>
-        <p:spPr/>
+        <p:spPr>
+          <a:xfrm>
+            <a:off x="381000" y="2365638"/>
+            <a:ext cx="11260891" cy="4127303"/>
+          </a:xfrm>
+        </p:spPr>
         <p:txBody>
-          <a:bodyPr>
-            <a:normAutofit fontScale="85000" lnSpcReduction="20000"/>
-          </a:bodyPr>
+          <a:bodyPr anchor="ctr"/>
           <a:lstStyle/>
           <a:p>
-            <a:pPr marL="0" indent="0">
-              <a:buNone/>
-            </a:pPr>
+            <a:pPr marL="457200" indent="-457200"/>
+            <a:r>
+              <a:rPr lang="en-US" dirty="0">
+                <a:solidFill>
+                  <a:schemeClr val="accent6">
+                    <a:lumMod val="50000"/>
+                  </a:schemeClr>
+                </a:solidFill>
+              </a:rPr>
+              <a:t>Basic </a:t>
+            </a:r>
+            <a:r>
+              <a:rPr lang="en-US" dirty="0">
+                <a:latin typeface="National 2 Medium" panose="020B0504030502020203" pitchFamily="34" charset="77"/>
+              </a:rPr>
+              <a:t>concepts</a:t>
+            </a:r>
             <a:r>
               <a:rPr lang="en-US" dirty="0"/>
-              <a:t>Project website:</a:t>
-            </a:r>
-            <a:endParaRPr lang="en-US" dirty="0">
-              <a:hlinkClick r:id="rId2"/>
-            </a:endParaRPr>
-          </a:p>
-          <a:p>
-            <a:pPr marL="0" indent="0" algn="ctr">
-              <a:buNone/>
-            </a:pPr>
+              <a:t> </a:t>
+            </a:r>
             <a:r>
               <a:rPr lang="en-US" dirty="0">
-                <a:hlinkClick r:id="rId3"/>
+                <a:solidFill>
+                  <a:schemeClr val="accent6">
+                    <a:lumMod val="50000"/>
+                  </a:schemeClr>
+                </a:solidFill>
               </a:rPr>
-              <a:t>https://pytorch.org/</a:t>
-            </a:r>
-            <a:endParaRPr lang="en-US" dirty="0"/>
+              <a:t>of MPI</a:t>
+            </a:r>
           </a:p>
           <a:p>
             <a:pPr marL="457200" indent="-457200"/>
             <a:r>
-              <a:rPr lang="en-US" dirty="0"/>
-              <a:t>Installation guide</a:t>
+              <a:rPr lang="en-US" dirty="0">
+                <a:latin typeface="National 2 Medium" panose="020B0504030502020203" pitchFamily="34" charset="77"/>
+              </a:rPr>
+              <a:t>Core communication paradigms:</a:t>
+            </a:r>
+          </a:p>
+          <a:p>
+            <a:pPr marL="914400" lvl="1" indent="-457200"/>
+            <a:r>
+              <a:rPr lang="en-US" sz="2000" dirty="0">
+                <a:solidFill>
+                  <a:schemeClr val="accent6">
+                    <a:lumMod val="50000"/>
+                  </a:schemeClr>
+                </a:solidFill>
+              </a:rPr>
+              <a:t>One-to-one, one-to-many, many-to-one</a:t>
             </a:r>
           </a:p>
           <a:p>
             <a:pPr marL="457200" indent="-457200"/>
             <a:r>
-              <a:rPr lang="en-US" dirty="0"/>
-              <a:t>Good tutorials (sometimes outdated)</a:t>
+              <a:rPr lang="en-US" dirty="0">
+                <a:solidFill>
+                  <a:schemeClr val="accent6">
+                    <a:lumMod val="50000"/>
+                  </a:schemeClr>
+                </a:solidFill>
+              </a:rPr>
+              <a:t>How to run MPI-powered programs on </a:t>
+            </a:r>
+            <a:r>
+              <a:rPr lang="en-US" dirty="0">
+                <a:latin typeface="National 2 Medium" panose="020B0504030502020203" pitchFamily="34" charset="77"/>
+              </a:rPr>
+              <a:t>Discovery</a:t>
             </a:r>
           </a:p>
           <a:p>
             <a:pPr marL="457200" indent="-457200"/>
             <a:r>
-              <a:rPr lang="en-US" dirty="0"/>
-              <a:t>API reference</a:t>
-            </a:r>
-          </a:p>
-          <a:p>
-            <a:pPr marL="457200" indent="-457200"/>
-            <a:r>
-              <a:rPr lang="en-US" dirty="0"/>
-              <a:t>Examples</a:t>
-            </a:r>
-          </a:p>
-          <a:p>
-            <a:pPr marL="457200" indent="-457200"/>
-            <a:r>
-              <a:rPr lang="en-US" dirty="0"/>
-              <a:t>Community</a:t>
-            </a:r>
-          </a:p>
-          <a:p>
-            <a:pPr marL="457200" indent="-457200"/>
-            <a:r>
-              <a:rPr lang="en-US" dirty="0"/>
-              <a:t>…</a:t>
-            </a:r>
-          </a:p>
-          <a:p>
-            <a:pPr marL="0" indent="0" algn="ctr">
-              <a:buNone/>
-            </a:pPr>
-            <a:endParaRPr lang="en-US" dirty="0"/>
-          </a:p>
-          <a:p>
-            <a:endParaRPr lang="en-US" dirty="0"/>
+              <a:rPr lang="en-US" dirty="0">
+                <a:solidFill>
+                  <a:schemeClr val="accent6">
+                    <a:lumMod val="50000"/>
+                  </a:schemeClr>
+                </a:solidFill>
+              </a:rPr>
+              <a:t>Some</a:t>
+            </a:r>
+            <a:r>
+              <a:rPr lang="en-US" dirty="0">
+                <a:latin typeface="National 2 Medium" panose="020B0504030502020203" pitchFamily="34" charset="77"/>
+              </a:rPr>
+              <a:t> Pitfalls </a:t>
+            </a:r>
+            <a:r>
+              <a:rPr lang="en-US" dirty="0">
+                <a:solidFill>
+                  <a:schemeClr val="accent6">
+                    <a:lumMod val="50000"/>
+                  </a:schemeClr>
+                </a:solidFill>
+              </a:rPr>
+              <a:t>and</a:t>
+            </a:r>
+            <a:r>
+              <a:rPr lang="en-US" dirty="0">
+                <a:latin typeface="National 2 Medium" panose="020B0504030502020203" pitchFamily="34" charset="77"/>
+              </a:rPr>
+              <a:t> good practices</a:t>
+            </a:r>
           </a:p>
         </p:txBody>
       </p:sp>
@@ -10794,7 +10916,7 @@
           <p:cNvPr id="3" name="Title 2">
             <a:extLst>
               <a:ext uri="{FF2B5EF4-FFF2-40B4-BE49-F238E27FC236}">
-                <a16:creationId xmlns:a16="http://schemas.microsoft.com/office/drawing/2014/main" id="{56133F61-F965-7D00-90B8-B15BAE9FDF66}"/>
+                <a16:creationId xmlns:a16="http://schemas.microsoft.com/office/drawing/2014/main" id="{E1596C84-A306-B189-CDA1-74458B43CBD8}"/>
               </a:ext>
             </a:extLst>
           </p:cNvPr>
@@ -10811,12 +10933,8 @@
           <a:lstStyle/>
           <a:p>
             <a:r>
-              <a:rPr lang="en-US" dirty="0" err="1"/>
-              <a:t>PyTorch</a:t>
-            </a:r>
-            <a:r>
               <a:rPr lang="en-US" dirty="0"/>
-              <a:t> at a glance</a:t>
+              <a:t>What you will learn in this workshop</a:t>
             </a:r>
           </a:p>
         </p:txBody>
@@ -10826,7 +10944,7 @@
           <p:cNvPr id="4" name="Footer Placeholder 3">
             <a:extLst>
               <a:ext uri="{FF2B5EF4-FFF2-40B4-BE49-F238E27FC236}">
-                <a16:creationId xmlns:a16="http://schemas.microsoft.com/office/drawing/2014/main" id="{81469498-3274-9CE5-0E60-8E948217173C}"/>
+                <a16:creationId xmlns:a16="http://schemas.microsoft.com/office/drawing/2014/main" id="{8AB0CDEB-4997-14D9-3B11-92B6181671E9}"/>
               </a:ext>
             </a:extLst>
           </p:cNvPr>
@@ -10842,11 +10960,11 @@
           <a:bodyPr/>
           <a:lstStyle/>
           <a:p>
-            <a:pPr algn="ctr"/>
-            <a:r>
-              <a:rPr lang="en-AU" dirty="0"/>
-              <a:t>Intro to PyTorch</a:t>
-            </a:r>
+            <a:r>
+              <a:rPr lang="en-AU"/>
+              <a:t>Massively parallel computing with MPI in Python</a:t>
+            </a:r>
+            <a:endParaRPr lang="en-AU" dirty="0"/>
           </a:p>
         </p:txBody>
       </p:sp>
@@ -10855,7 +10973,7 @@
           <p:cNvPr id="5" name="Slide Number Placeholder 4">
             <a:extLst>
               <a:ext uri="{FF2B5EF4-FFF2-40B4-BE49-F238E27FC236}">
-                <a16:creationId xmlns:a16="http://schemas.microsoft.com/office/drawing/2014/main" id="{E3369252-1038-5180-4BA4-C479494753E0}"/>
+                <a16:creationId xmlns:a16="http://schemas.microsoft.com/office/drawing/2014/main" id="{FD2F5860-3C05-603D-96AF-B25858484956}"/>
               </a:ext>
             </a:extLst>
           </p:cNvPr>
@@ -10883,7 +11001,7 @@
     </p:spTree>
     <p:extLst>
       <p:ext uri="{BB962C8B-B14F-4D97-AF65-F5344CB8AC3E}">
-        <p14:creationId xmlns:p14="http://schemas.microsoft.com/office/powerpoint/2010/main" val="2818603005"/>
+        <p14:creationId xmlns:p14="http://schemas.microsoft.com/office/powerpoint/2010/main" val="3807905586"/>
       </p:ext>
     </p:extLst>
   </p:cSld>
@@ -10893,10 +11011,1008 @@
   <p:transition spd="slow">
     <p:push dir="u"/>
   </p:transition>
+  <p:timing>
+    <p:tnLst>
+      <p:par>
+        <p:cTn id="1" dur="indefinite" restart="never" nodeType="tmRoot">
+          <p:childTnLst>
+            <p:seq concurrent="1" nextAc="seek">
+              <p:cTn id="2" dur="indefinite" nodeType="mainSeq">
+                <p:childTnLst>
+                  <p:par>
+                    <p:cTn id="3" fill="hold">
+                      <p:stCondLst>
+                        <p:cond delay="indefinite"/>
+                      </p:stCondLst>
+                      <p:childTnLst>
+                        <p:par>
+                          <p:cTn id="4" fill="hold">
+                            <p:stCondLst>
+                              <p:cond delay="0"/>
+                            </p:stCondLst>
+                            <p:childTnLst>
+                              <p:par>
+                                <p:cTn id="5" presetID="10" presetClass="entr" presetSubtype="0" fill="hold" grpId="0" nodeType="clickEffect">
+                                  <p:stCondLst>
+                                    <p:cond delay="0"/>
+                                  </p:stCondLst>
+                                  <p:childTnLst>
+                                    <p:set>
+                                      <p:cBhvr>
+                                        <p:cTn id="6" dur="1" fill="hold">
+                                          <p:stCondLst>
+                                            <p:cond delay="0"/>
+                                          </p:stCondLst>
+                                        </p:cTn>
+                                        <p:tgtEl>
+                                          <p:spTgt spid="2">
+                                            <p:txEl>
+                                              <p:pRg st="0" end="0"/>
+                                            </p:txEl>
+                                          </p:spTgt>
+                                        </p:tgtEl>
+                                        <p:attrNameLst>
+                                          <p:attrName>style.visibility</p:attrName>
+                                        </p:attrNameLst>
+                                      </p:cBhvr>
+                                      <p:to>
+                                        <p:strVal val="visible"/>
+                                      </p:to>
+                                    </p:set>
+                                    <p:animEffect transition="in" filter="fade">
+                                      <p:cBhvr>
+                                        <p:cTn id="7" dur="500"/>
+                                        <p:tgtEl>
+                                          <p:spTgt spid="2">
+                                            <p:txEl>
+                                              <p:pRg st="0" end="0"/>
+                                            </p:txEl>
+                                          </p:spTgt>
+                                        </p:tgtEl>
+                                      </p:cBhvr>
+                                    </p:animEffect>
+                                  </p:childTnLst>
+                                </p:cTn>
+                              </p:par>
+                            </p:childTnLst>
+                          </p:cTn>
+                        </p:par>
+                      </p:childTnLst>
+                    </p:cTn>
+                  </p:par>
+                  <p:par>
+                    <p:cTn id="8" fill="hold">
+                      <p:stCondLst>
+                        <p:cond delay="indefinite"/>
+                      </p:stCondLst>
+                      <p:childTnLst>
+                        <p:par>
+                          <p:cTn id="9" fill="hold">
+                            <p:stCondLst>
+                              <p:cond delay="0"/>
+                            </p:stCondLst>
+                            <p:childTnLst>
+                              <p:par>
+                                <p:cTn id="10" presetID="10" presetClass="entr" presetSubtype="0" fill="hold" grpId="0" nodeType="clickEffect">
+                                  <p:stCondLst>
+                                    <p:cond delay="0"/>
+                                  </p:stCondLst>
+                                  <p:childTnLst>
+                                    <p:set>
+                                      <p:cBhvr>
+                                        <p:cTn id="11" dur="1" fill="hold">
+                                          <p:stCondLst>
+                                            <p:cond delay="0"/>
+                                          </p:stCondLst>
+                                        </p:cTn>
+                                        <p:tgtEl>
+                                          <p:spTgt spid="2">
+                                            <p:txEl>
+                                              <p:pRg st="1" end="1"/>
+                                            </p:txEl>
+                                          </p:spTgt>
+                                        </p:tgtEl>
+                                        <p:attrNameLst>
+                                          <p:attrName>style.visibility</p:attrName>
+                                        </p:attrNameLst>
+                                      </p:cBhvr>
+                                      <p:to>
+                                        <p:strVal val="visible"/>
+                                      </p:to>
+                                    </p:set>
+                                    <p:animEffect transition="in" filter="fade">
+                                      <p:cBhvr>
+                                        <p:cTn id="12" dur="500"/>
+                                        <p:tgtEl>
+                                          <p:spTgt spid="2">
+                                            <p:txEl>
+                                              <p:pRg st="1" end="1"/>
+                                            </p:txEl>
+                                          </p:spTgt>
+                                        </p:tgtEl>
+                                      </p:cBhvr>
+                                    </p:animEffect>
+                                  </p:childTnLst>
+                                </p:cTn>
+                              </p:par>
+                              <p:par>
+                                <p:cTn id="13" presetID="10" presetClass="entr" presetSubtype="0" fill="hold" grpId="0" nodeType="withEffect">
+                                  <p:stCondLst>
+                                    <p:cond delay="0"/>
+                                  </p:stCondLst>
+                                  <p:childTnLst>
+                                    <p:set>
+                                      <p:cBhvr>
+                                        <p:cTn id="14" dur="1" fill="hold">
+                                          <p:stCondLst>
+                                            <p:cond delay="0"/>
+                                          </p:stCondLst>
+                                        </p:cTn>
+                                        <p:tgtEl>
+                                          <p:spTgt spid="2">
+                                            <p:txEl>
+                                              <p:pRg st="2" end="2"/>
+                                            </p:txEl>
+                                          </p:spTgt>
+                                        </p:tgtEl>
+                                        <p:attrNameLst>
+                                          <p:attrName>style.visibility</p:attrName>
+                                        </p:attrNameLst>
+                                      </p:cBhvr>
+                                      <p:to>
+                                        <p:strVal val="visible"/>
+                                      </p:to>
+                                    </p:set>
+                                    <p:animEffect transition="in" filter="fade">
+                                      <p:cBhvr>
+                                        <p:cTn id="15" dur="500"/>
+                                        <p:tgtEl>
+                                          <p:spTgt spid="2">
+                                            <p:txEl>
+                                              <p:pRg st="2" end="2"/>
+                                            </p:txEl>
+                                          </p:spTgt>
+                                        </p:tgtEl>
+                                      </p:cBhvr>
+                                    </p:animEffect>
+                                  </p:childTnLst>
+                                </p:cTn>
+                              </p:par>
+                            </p:childTnLst>
+                          </p:cTn>
+                        </p:par>
+                      </p:childTnLst>
+                    </p:cTn>
+                  </p:par>
+                  <p:par>
+                    <p:cTn id="16" fill="hold">
+                      <p:stCondLst>
+                        <p:cond delay="indefinite"/>
+                      </p:stCondLst>
+                      <p:childTnLst>
+                        <p:par>
+                          <p:cTn id="17" fill="hold">
+                            <p:stCondLst>
+                              <p:cond delay="0"/>
+                            </p:stCondLst>
+                            <p:childTnLst>
+                              <p:par>
+                                <p:cTn id="18" presetID="10" presetClass="entr" presetSubtype="0" fill="hold" grpId="0" nodeType="clickEffect">
+                                  <p:stCondLst>
+                                    <p:cond delay="0"/>
+                                  </p:stCondLst>
+                                  <p:childTnLst>
+                                    <p:set>
+                                      <p:cBhvr>
+                                        <p:cTn id="19" dur="1" fill="hold">
+                                          <p:stCondLst>
+                                            <p:cond delay="0"/>
+                                          </p:stCondLst>
+                                        </p:cTn>
+                                        <p:tgtEl>
+                                          <p:spTgt spid="2">
+                                            <p:txEl>
+                                              <p:pRg st="3" end="3"/>
+                                            </p:txEl>
+                                          </p:spTgt>
+                                        </p:tgtEl>
+                                        <p:attrNameLst>
+                                          <p:attrName>style.visibility</p:attrName>
+                                        </p:attrNameLst>
+                                      </p:cBhvr>
+                                      <p:to>
+                                        <p:strVal val="visible"/>
+                                      </p:to>
+                                    </p:set>
+                                    <p:animEffect transition="in" filter="fade">
+                                      <p:cBhvr>
+                                        <p:cTn id="20" dur="500"/>
+                                        <p:tgtEl>
+                                          <p:spTgt spid="2">
+                                            <p:txEl>
+                                              <p:pRg st="3" end="3"/>
+                                            </p:txEl>
+                                          </p:spTgt>
+                                        </p:tgtEl>
+                                      </p:cBhvr>
+                                    </p:animEffect>
+                                  </p:childTnLst>
+                                </p:cTn>
+                              </p:par>
+                            </p:childTnLst>
+                          </p:cTn>
+                        </p:par>
+                      </p:childTnLst>
+                    </p:cTn>
+                  </p:par>
+                  <p:par>
+                    <p:cTn id="21" fill="hold">
+                      <p:stCondLst>
+                        <p:cond delay="indefinite"/>
+                      </p:stCondLst>
+                      <p:childTnLst>
+                        <p:par>
+                          <p:cTn id="22" fill="hold">
+                            <p:stCondLst>
+                              <p:cond delay="0"/>
+                            </p:stCondLst>
+                            <p:childTnLst>
+                              <p:par>
+                                <p:cTn id="23" presetID="10" presetClass="entr" presetSubtype="0" fill="hold" grpId="0" nodeType="clickEffect">
+                                  <p:stCondLst>
+                                    <p:cond delay="0"/>
+                                  </p:stCondLst>
+                                  <p:childTnLst>
+                                    <p:set>
+                                      <p:cBhvr>
+                                        <p:cTn id="24" dur="1" fill="hold">
+                                          <p:stCondLst>
+                                            <p:cond delay="0"/>
+                                          </p:stCondLst>
+                                        </p:cTn>
+                                        <p:tgtEl>
+                                          <p:spTgt spid="2">
+                                            <p:txEl>
+                                              <p:pRg st="4" end="4"/>
+                                            </p:txEl>
+                                          </p:spTgt>
+                                        </p:tgtEl>
+                                        <p:attrNameLst>
+                                          <p:attrName>style.visibility</p:attrName>
+                                        </p:attrNameLst>
+                                      </p:cBhvr>
+                                      <p:to>
+                                        <p:strVal val="visible"/>
+                                      </p:to>
+                                    </p:set>
+                                    <p:animEffect transition="in" filter="fade">
+                                      <p:cBhvr>
+                                        <p:cTn id="25" dur="500"/>
+                                        <p:tgtEl>
+                                          <p:spTgt spid="2">
+                                            <p:txEl>
+                                              <p:pRg st="4" end="4"/>
+                                            </p:txEl>
+                                          </p:spTgt>
+                                        </p:tgtEl>
+                                      </p:cBhvr>
+                                    </p:animEffect>
+                                  </p:childTnLst>
+                                </p:cTn>
+                              </p:par>
+                            </p:childTnLst>
+                          </p:cTn>
+                        </p:par>
+                      </p:childTnLst>
+                    </p:cTn>
+                  </p:par>
+                </p:childTnLst>
+              </p:cTn>
+              <p:prevCondLst>
+                <p:cond evt="onPrev" delay="0">
+                  <p:tgtEl>
+                    <p:sldTgt/>
+                  </p:tgtEl>
+                </p:cond>
+              </p:prevCondLst>
+              <p:nextCondLst>
+                <p:cond evt="onNext" delay="0">
+                  <p:tgtEl>
+                    <p:sldTgt/>
+                  </p:tgtEl>
+                </p:cond>
+              </p:nextCondLst>
+            </p:seq>
+          </p:childTnLst>
+        </p:cTn>
+      </p:par>
+    </p:tnLst>
+    <p:bldLst>
+      <p:bldP spid="2" grpId="0" build="p"/>
+    </p:bldLst>
+  </p:timing>
 </p:sld>
 </file>
 
 <file path=ppt/slides/slide11.xml><?xml version="1.0" encoding="utf-8"?>
+<p:sld xmlns:a="http://schemas.openxmlformats.org/drawingml/2006/main" xmlns:r="http://schemas.openxmlformats.org/officeDocument/2006/relationships" xmlns:p="http://schemas.openxmlformats.org/presentationml/2006/main">
+  <p:cSld>
+    <p:spTree>
+      <p:nvGrpSpPr>
+        <p:cNvPr id="1" name=""/>
+        <p:cNvGrpSpPr/>
+        <p:nvPr/>
+      </p:nvGrpSpPr>
+      <p:grpSpPr>
+        <a:xfrm>
+          <a:off x="0" y="0"/>
+          <a:ext cx="0" cy="0"/>
+          <a:chOff x="0" y="0"/>
+          <a:chExt cx="0" cy="0"/>
+        </a:xfrm>
+      </p:grpSpPr>
+      <p:sp>
+        <p:nvSpPr>
+          <p:cNvPr id="2" name="Content Placeholder 1">
+            <a:extLst>
+              <a:ext uri="{FF2B5EF4-FFF2-40B4-BE49-F238E27FC236}">
+                <a16:creationId xmlns:a16="http://schemas.microsoft.com/office/drawing/2014/main" id="{27BF64D7-8FF1-F778-4E25-BC990AAA8BEB}"/>
+              </a:ext>
+            </a:extLst>
+          </p:cNvPr>
+          <p:cNvSpPr>
+            <a:spLocks noGrp="1"/>
+          </p:cNvSpPr>
+          <p:nvPr>
+            <p:ph sz="quarter" idx="11"/>
+          </p:nvPr>
+        </p:nvSpPr>
+        <p:spPr>
+          <a:xfrm>
+            <a:off x="321509" y="2365638"/>
+            <a:ext cx="5514184" cy="4127303"/>
+          </a:xfrm>
+        </p:spPr>
+        <p:txBody>
+          <a:bodyPr/>
+          <a:lstStyle/>
+          <a:p>
+            <a:pPr marL="457200" indent="-457200"/>
+            <a:r>
+              <a:rPr lang="en-US" dirty="0">
+                <a:solidFill>
+                  <a:schemeClr val="accent6">
+                    <a:lumMod val="50000"/>
+                  </a:schemeClr>
+                </a:solidFill>
+              </a:rPr>
+              <a:t>We will use the </a:t>
+            </a:r>
+            <a:br>
+              <a:rPr lang="en-US" dirty="0">
+                <a:solidFill>
+                  <a:schemeClr val="accent6">
+                    <a:lumMod val="50000"/>
+                  </a:schemeClr>
+                </a:solidFill>
+              </a:rPr>
+            </a:br>
+            <a:r>
+              <a:rPr lang="en-US" dirty="0">
+                <a:latin typeface="National 2 Medium" panose="020B0504030502020203" pitchFamily="34" charset="77"/>
+              </a:rPr>
+              <a:t>Python wrapper mpi4py </a:t>
+            </a:r>
+            <a:r>
+              <a:rPr lang="en-US" dirty="0">
+                <a:solidFill>
+                  <a:schemeClr val="accent6">
+                    <a:lumMod val="50000"/>
+                  </a:schemeClr>
+                </a:solidFill>
+              </a:rPr>
+              <a:t>(around </a:t>
+            </a:r>
+            <a:r>
+              <a:rPr lang="en-US" dirty="0" err="1">
+                <a:solidFill>
+                  <a:schemeClr val="accent6">
+                    <a:lumMod val="50000"/>
+                  </a:schemeClr>
+                </a:solidFill>
+              </a:rPr>
+              <a:t>OpenMPI</a:t>
+            </a:r>
+            <a:r>
+              <a:rPr lang="en-US" dirty="0">
+                <a:solidFill>
+                  <a:schemeClr val="accent6">
+                    <a:lumMod val="50000"/>
+                  </a:schemeClr>
+                </a:solidFill>
+              </a:rPr>
+              <a:t>)</a:t>
+            </a:r>
+          </a:p>
+          <a:p>
+            <a:pPr marL="457200" indent="-457200"/>
+            <a:r>
+              <a:rPr lang="en-US" dirty="0">
+                <a:solidFill>
+                  <a:schemeClr val="accent6">
+                    <a:lumMod val="50000"/>
+                  </a:schemeClr>
+                </a:solidFill>
+              </a:rPr>
+              <a:t>Run on </a:t>
+            </a:r>
+            <a:r>
+              <a:rPr lang="en-US" dirty="0">
+                <a:latin typeface="National 2 Medium" panose="020B0504030502020203" pitchFamily="34" charset="77"/>
+              </a:rPr>
+              <a:t>Dartmouth’s Discovery </a:t>
+            </a:r>
+            <a:r>
+              <a:rPr lang="en-US" dirty="0">
+                <a:solidFill>
+                  <a:schemeClr val="accent6">
+                    <a:lumMod val="50000"/>
+                  </a:schemeClr>
+                </a:solidFill>
+              </a:rPr>
+              <a:t>cluster</a:t>
+            </a:r>
+          </a:p>
+          <a:p>
+            <a:pPr marL="457200" indent="-457200"/>
+            <a:r>
+              <a:rPr lang="en-US" dirty="0">
+                <a:solidFill>
+                  <a:schemeClr val="accent6">
+                    <a:lumMod val="50000"/>
+                  </a:schemeClr>
+                </a:solidFill>
+              </a:rPr>
+              <a:t>Focus on </a:t>
+            </a:r>
+            <a:r>
+              <a:rPr lang="en-US" dirty="0">
+                <a:latin typeface="National 2 Medium" panose="020B0504030502020203" pitchFamily="34" charset="77"/>
+              </a:rPr>
+              <a:t>concepts</a:t>
+            </a:r>
+            <a:r>
+              <a:rPr lang="en-US" dirty="0">
+                <a:solidFill>
+                  <a:schemeClr val="accent6">
+                    <a:lumMod val="50000"/>
+                  </a:schemeClr>
+                </a:solidFill>
+              </a:rPr>
+              <a:t> over implementation details</a:t>
+            </a:r>
+          </a:p>
+          <a:p>
+            <a:pPr marL="457200" indent="-457200"/>
+            <a:endParaRPr lang="en-US" dirty="0"/>
+          </a:p>
+        </p:txBody>
+      </p:sp>
+      <p:sp>
+        <p:nvSpPr>
+          <p:cNvPr id="3" name="Title 2">
+            <a:extLst>
+              <a:ext uri="{FF2B5EF4-FFF2-40B4-BE49-F238E27FC236}">
+                <a16:creationId xmlns:a16="http://schemas.microsoft.com/office/drawing/2014/main" id="{E1596C84-A306-B189-CDA1-74458B43CBD8}"/>
+              </a:ext>
+            </a:extLst>
+          </p:cNvPr>
+          <p:cNvSpPr>
+            <a:spLocks noGrp="1"/>
+          </p:cNvSpPr>
+          <p:nvPr>
+            <p:ph type="title"/>
+          </p:nvPr>
+        </p:nvSpPr>
+        <p:spPr/>
+        <p:txBody>
+          <a:bodyPr/>
+          <a:lstStyle/>
+          <a:p>
+            <a:r>
+              <a:rPr lang="en-US" dirty="0"/>
+              <a:t>What we will work with in this workshop</a:t>
+            </a:r>
+          </a:p>
+        </p:txBody>
+      </p:sp>
+      <p:sp>
+        <p:nvSpPr>
+          <p:cNvPr id="4" name="Footer Placeholder 3">
+            <a:extLst>
+              <a:ext uri="{FF2B5EF4-FFF2-40B4-BE49-F238E27FC236}">
+                <a16:creationId xmlns:a16="http://schemas.microsoft.com/office/drawing/2014/main" id="{8AB0CDEB-4997-14D9-3B11-92B6181671E9}"/>
+              </a:ext>
+            </a:extLst>
+          </p:cNvPr>
+          <p:cNvSpPr>
+            <a:spLocks noGrp="1"/>
+          </p:cNvSpPr>
+          <p:nvPr>
+            <p:ph type="ftr" sz="quarter" idx="12"/>
+          </p:nvPr>
+        </p:nvSpPr>
+        <p:spPr/>
+        <p:txBody>
+          <a:bodyPr/>
+          <a:lstStyle/>
+          <a:p>
+            <a:r>
+              <a:rPr lang="en-AU"/>
+              <a:t>Massively parallel computing with MPI in Python</a:t>
+            </a:r>
+            <a:endParaRPr lang="en-AU" dirty="0"/>
+          </a:p>
+        </p:txBody>
+      </p:sp>
+      <p:sp>
+        <p:nvSpPr>
+          <p:cNvPr id="5" name="Slide Number Placeholder 4">
+            <a:extLst>
+              <a:ext uri="{FF2B5EF4-FFF2-40B4-BE49-F238E27FC236}">
+                <a16:creationId xmlns:a16="http://schemas.microsoft.com/office/drawing/2014/main" id="{FD2F5860-3C05-603D-96AF-B25858484956}"/>
+              </a:ext>
+            </a:extLst>
+          </p:cNvPr>
+          <p:cNvSpPr>
+            <a:spLocks noGrp="1"/>
+          </p:cNvSpPr>
+          <p:nvPr>
+            <p:ph type="sldNum" sz="quarter" idx="13"/>
+          </p:nvPr>
+        </p:nvSpPr>
+        <p:spPr/>
+        <p:txBody>
+          <a:bodyPr/>
+          <a:lstStyle/>
+          <a:p>
+            <a:fld id="{E917DE0E-AFB1-41FD-BC35-27DB61CA125F}" type="slidenum">
+              <a:rPr lang="en-AU" smtClean="0"/>
+              <a:pPr/>
+              <a:t>11</a:t>
+            </a:fld>
+            <a:endParaRPr lang="en-AU" dirty="0"/>
+          </a:p>
+        </p:txBody>
+      </p:sp>
+      <p:pic>
+        <p:nvPicPr>
+          <p:cNvPr id="10" name="Picture 9">
+            <a:extLst>
+              <a:ext uri="{FF2B5EF4-FFF2-40B4-BE49-F238E27FC236}">
+                <a16:creationId xmlns:a16="http://schemas.microsoft.com/office/drawing/2014/main" id="{24BECAAE-AACA-A31F-8366-040E3F54D9CC}"/>
+              </a:ext>
+            </a:extLst>
+          </p:cNvPr>
+          <p:cNvPicPr>
+            <a:picLocks noChangeAspect="1"/>
+          </p:cNvPicPr>
+          <p:nvPr/>
+        </p:nvPicPr>
+        <p:blipFill>
+          <a:blip r:embed="rId2"/>
+          <a:stretch>
+            <a:fillRect/>
+          </a:stretch>
+        </p:blipFill>
+        <p:spPr>
+          <a:xfrm>
+            <a:off x="7239000" y="2400142"/>
+            <a:ext cx="2517652" cy="747428"/>
+          </a:xfrm>
+          <a:prstGeom prst="rect">
+            <a:avLst/>
+          </a:prstGeom>
+        </p:spPr>
+      </p:pic>
+      <p:pic>
+        <p:nvPicPr>
+          <p:cNvPr id="8" name="Picture 7" descr="Icon&#10;&#10;Description automatically generated">
+            <a:extLst>
+              <a:ext uri="{FF2B5EF4-FFF2-40B4-BE49-F238E27FC236}">
+                <a16:creationId xmlns:a16="http://schemas.microsoft.com/office/drawing/2014/main" id="{D06E2087-D0D2-BC08-A2C9-9B475D40F652}"/>
+              </a:ext>
+            </a:extLst>
+          </p:cNvPr>
+          <p:cNvPicPr>
+            <a:picLocks noChangeAspect="1"/>
+          </p:cNvPicPr>
+          <p:nvPr/>
+        </p:nvPicPr>
+        <p:blipFill>
+          <a:blip r:embed="rId3"/>
+          <a:stretch>
+            <a:fillRect/>
+          </a:stretch>
+        </p:blipFill>
+        <p:spPr>
+          <a:xfrm>
+            <a:off x="8001000" y="3420369"/>
+            <a:ext cx="998339" cy="990600"/>
+          </a:xfrm>
+          <a:prstGeom prst="rect">
+            <a:avLst/>
+          </a:prstGeom>
+        </p:spPr>
+      </p:pic>
+      <p:pic>
+        <p:nvPicPr>
+          <p:cNvPr id="9" name="Picture 8">
+            <a:extLst>
+              <a:ext uri="{FF2B5EF4-FFF2-40B4-BE49-F238E27FC236}">
+                <a16:creationId xmlns:a16="http://schemas.microsoft.com/office/drawing/2014/main" id="{07EC7CAC-5C1D-ED88-C941-B0C9B50BC1DA}"/>
+              </a:ext>
+            </a:extLst>
+          </p:cNvPr>
+          <p:cNvPicPr>
+            <a:picLocks noChangeAspect="1"/>
+          </p:cNvPicPr>
+          <p:nvPr/>
+        </p:nvPicPr>
+        <p:blipFill>
+          <a:blip r:embed="rId4"/>
+          <a:stretch>
+            <a:fillRect/>
+          </a:stretch>
+        </p:blipFill>
+        <p:spPr>
+          <a:xfrm>
+            <a:off x="9001002" y="4683768"/>
+            <a:ext cx="1511300" cy="546100"/>
+          </a:xfrm>
+          <a:prstGeom prst="rect">
+            <a:avLst/>
+          </a:prstGeom>
+        </p:spPr>
+      </p:pic>
+    </p:spTree>
+    <p:extLst>
+      <p:ext uri="{BB962C8B-B14F-4D97-AF65-F5344CB8AC3E}">
+        <p14:creationId xmlns:p14="http://schemas.microsoft.com/office/powerpoint/2010/main" val="2796429274"/>
+      </p:ext>
+    </p:extLst>
+  </p:cSld>
+  <p:clrMapOvr>
+    <a:masterClrMapping/>
+  </p:clrMapOvr>
+  <p:transition spd="slow">
+    <p:push dir="u"/>
+  </p:transition>
+  <p:timing>
+    <p:tnLst>
+      <p:par>
+        <p:cTn id="1" dur="indefinite" restart="never" nodeType="tmRoot">
+          <p:childTnLst>
+            <p:seq concurrent="1" nextAc="seek">
+              <p:cTn id="2" dur="indefinite" nodeType="mainSeq">
+                <p:childTnLst>
+                  <p:par>
+                    <p:cTn id="3" fill="hold">
+                      <p:stCondLst>
+                        <p:cond delay="indefinite"/>
+                      </p:stCondLst>
+                      <p:childTnLst>
+                        <p:par>
+                          <p:cTn id="4" fill="hold">
+                            <p:stCondLst>
+                              <p:cond delay="0"/>
+                            </p:stCondLst>
+                            <p:childTnLst>
+                              <p:par>
+                                <p:cTn id="5" presetID="10" presetClass="entr" presetSubtype="0" fill="hold" grpId="0" nodeType="clickEffect">
+                                  <p:stCondLst>
+                                    <p:cond delay="0"/>
+                                  </p:stCondLst>
+                                  <p:childTnLst>
+                                    <p:set>
+                                      <p:cBhvr>
+                                        <p:cTn id="6" dur="1" fill="hold">
+                                          <p:stCondLst>
+                                            <p:cond delay="0"/>
+                                          </p:stCondLst>
+                                        </p:cTn>
+                                        <p:tgtEl>
+                                          <p:spTgt spid="2">
+                                            <p:txEl>
+                                              <p:pRg st="0" end="0"/>
+                                            </p:txEl>
+                                          </p:spTgt>
+                                        </p:tgtEl>
+                                        <p:attrNameLst>
+                                          <p:attrName>style.visibility</p:attrName>
+                                        </p:attrNameLst>
+                                      </p:cBhvr>
+                                      <p:to>
+                                        <p:strVal val="visible"/>
+                                      </p:to>
+                                    </p:set>
+                                    <p:animEffect transition="in" filter="fade">
+                                      <p:cBhvr>
+                                        <p:cTn id="7" dur="500"/>
+                                        <p:tgtEl>
+                                          <p:spTgt spid="2">
+                                            <p:txEl>
+                                              <p:pRg st="0" end="0"/>
+                                            </p:txEl>
+                                          </p:spTgt>
+                                        </p:tgtEl>
+                                      </p:cBhvr>
+                                    </p:animEffect>
+                                  </p:childTnLst>
+                                </p:cTn>
+                              </p:par>
+                              <p:par>
+                                <p:cTn id="8" presetID="10" presetClass="entr" presetSubtype="0" fill="hold" nodeType="withEffect">
+                                  <p:stCondLst>
+                                    <p:cond delay="0"/>
+                                  </p:stCondLst>
+                                  <p:childTnLst>
+                                    <p:set>
+                                      <p:cBhvr>
+                                        <p:cTn id="9" dur="1" fill="hold">
+                                          <p:stCondLst>
+                                            <p:cond delay="0"/>
+                                          </p:stCondLst>
+                                        </p:cTn>
+                                        <p:tgtEl>
+                                          <p:spTgt spid="10"/>
+                                        </p:tgtEl>
+                                        <p:attrNameLst>
+                                          <p:attrName>style.visibility</p:attrName>
+                                        </p:attrNameLst>
+                                      </p:cBhvr>
+                                      <p:to>
+                                        <p:strVal val="visible"/>
+                                      </p:to>
+                                    </p:set>
+                                    <p:animEffect transition="in" filter="fade">
+                                      <p:cBhvr>
+                                        <p:cTn id="10" dur="500"/>
+                                        <p:tgtEl>
+                                          <p:spTgt spid="10"/>
+                                        </p:tgtEl>
+                                      </p:cBhvr>
+                                    </p:animEffect>
+                                  </p:childTnLst>
+                                </p:cTn>
+                              </p:par>
+                              <p:par>
+                                <p:cTn id="11" presetID="10" presetClass="entr" presetSubtype="0" fill="hold" nodeType="withEffect">
+                                  <p:stCondLst>
+                                    <p:cond delay="0"/>
+                                  </p:stCondLst>
+                                  <p:childTnLst>
+                                    <p:set>
+                                      <p:cBhvr>
+                                        <p:cTn id="12" dur="1" fill="hold">
+                                          <p:stCondLst>
+                                            <p:cond delay="0"/>
+                                          </p:stCondLst>
+                                        </p:cTn>
+                                        <p:tgtEl>
+                                          <p:spTgt spid="8"/>
+                                        </p:tgtEl>
+                                        <p:attrNameLst>
+                                          <p:attrName>style.visibility</p:attrName>
+                                        </p:attrNameLst>
+                                      </p:cBhvr>
+                                      <p:to>
+                                        <p:strVal val="visible"/>
+                                      </p:to>
+                                    </p:set>
+                                    <p:animEffect transition="in" filter="fade">
+                                      <p:cBhvr>
+                                        <p:cTn id="13" dur="500"/>
+                                        <p:tgtEl>
+                                          <p:spTgt spid="8"/>
+                                        </p:tgtEl>
+                                      </p:cBhvr>
+                                    </p:animEffect>
+                                  </p:childTnLst>
+                                </p:cTn>
+                              </p:par>
+                            </p:childTnLst>
+                          </p:cTn>
+                        </p:par>
+                      </p:childTnLst>
+                    </p:cTn>
+                  </p:par>
+                  <p:par>
+                    <p:cTn id="14" fill="hold">
+                      <p:stCondLst>
+                        <p:cond delay="indefinite"/>
+                      </p:stCondLst>
+                      <p:childTnLst>
+                        <p:par>
+                          <p:cTn id="15" fill="hold">
+                            <p:stCondLst>
+                              <p:cond delay="0"/>
+                            </p:stCondLst>
+                            <p:childTnLst>
+                              <p:par>
+                                <p:cTn id="16" presetID="10" presetClass="entr" presetSubtype="0" fill="hold" grpId="0" nodeType="clickEffect">
+                                  <p:stCondLst>
+                                    <p:cond delay="0"/>
+                                  </p:stCondLst>
+                                  <p:childTnLst>
+                                    <p:set>
+                                      <p:cBhvr>
+                                        <p:cTn id="17" dur="1" fill="hold">
+                                          <p:stCondLst>
+                                            <p:cond delay="0"/>
+                                          </p:stCondLst>
+                                        </p:cTn>
+                                        <p:tgtEl>
+                                          <p:spTgt spid="2">
+                                            <p:txEl>
+                                              <p:pRg st="1" end="1"/>
+                                            </p:txEl>
+                                          </p:spTgt>
+                                        </p:tgtEl>
+                                        <p:attrNameLst>
+                                          <p:attrName>style.visibility</p:attrName>
+                                        </p:attrNameLst>
+                                      </p:cBhvr>
+                                      <p:to>
+                                        <p:strVal val="visible"/>
+                                      </p:to>
+                                    </p:set>
+                                    <p:animEffect transition="in" filter="fade">
+                                      <p:cBhvr>
+                                        <p:cTn id="18" dur="500"/>
+                                        <p:tgtEl>
+                                          <p:spTgt spid="2">
+                                            <p:txEl>
+                                              <p:pRg st="1" end="1"/>
+                                            </p:txEl>
+                                          </p:spTgt>
+                                        </p:tgtEl>
+                                      </p:cBhvr>
+                                    </p:animEffect>
+                                  </p:childTnLst>
+                                </p:cTn>
+                              </p:par>
+                              <p:par>
+                                <p:cTn id="19" presetID="10" presetClass="entr" presetSubtype="0" fill="hold" nodeType="withEffect">
+                                  <p:stCondLst>
+                                    <p:cond delay="0"/>
+                                  </p:stCondLst>
+                                  <p:childTnLst>
+                                    <p:set>
+                                      <p:cBhvr>
+                                        <p:cTn id="20" dur="1" fill="hold">
+                                          <p:stCondLst>
+                                            <p:cond delay="0"/>
+                                          </p:stCondLst>
+                                        </p:cTn>
+                                        <p:tgtEl>
+                                          <p:spTgt spid="9"/>
+                                        </p:tgtEl>
+                                        <p:attrNameLst>
+                                          <p:attrName>style.visibility</p:attrName>
+                                        </p:attrNameLst>
+                                      </p:cBhvr>
+                                      <p:to>
+                                        <p:strVal val="visible"/>
+                                      </p:to>
+                                    </p:set>
+                                    <p:animEffect transition="in" filter="fade">
+                                      <p:cBhvr>
+                                        <p:cTn id="21" dur="500"/>
+                                        <p:tgtEl>
+                                          <p:spTgt spid="9"/>
+                                        </p:tgtEl>
+                                      </p:cBhvr>
+                                    </p:animEffect>
+                                  </p:childTnLst>
+                                </p:cTn>
+                              </p:par>
+                            </p:childTnLst>
+                          </p:cTn>
+                        </p:par>
+                      </p:childTnLst>
+                    </p:cTn>
+                  </p:par>
+                  <p:par>
+                    <p:cTn id="22" fill="hold">
+                      <p:stCondLst>
+                        <p:cond delay="indefinite"/>
+                      </p:stCondLst>
+                      <p:childTnLst>
+                        <p:par>
+                          <p:cTn id="23" fill="hold">
+                            <p:stCondLst>
+                              <p:cond delay="0"/>
+                            </p:stCondLst>
+                            <p:childTnLst>
+                              <p:par>
+                                <p:cTn id="24" presetID="10" presetClass="entr" presetSubtype="0" fill="hold" grpId="0" nodeType="clickEffect">
+                                  <p:stCondLst>
+                                    <p:cond delay="0"/>
+                                  </p:stCondLst>
+                                  <p:childTnLst>
+                                    <p:set>
+                                      <p:cBhvr>
+                                        <p:cTn id="25" dur="1" fill="hold">
+                                          <p:stCondLst>
+                                            <p:cond delay="0"/>
+                                          </p:stCondLst>
+                                        </p:cTn>
+                                        <p:tgtEl>
+                                          <p:spTgt spid="2">
+                                            <p:txEl>
+                                              <p:pRg st="2" end="2"/>
+                                            </p:txEl>
+                                          </p:spTgt>
+                                        </p:tgtEl>
+                                        <p:attrNameLst>
+                                          <p:attrName>style.visibility</p:attrName>
+                                        </p:attrNameLst>
+                                      </p:cBhvr>
+                                      <p:to>
+                                        <p:strVal val="visible"/>
+                                      </p:to>
+                                    </p:set>
+                                    <p:animEffect transition="in" filter="fade">
+                                      <p:cBhvr>
+                                        <p:cTn id="26" dur="500"/>
+                                        <p:tgtEl>
+                                          <p:spTgt spid="2">
+                                            <p:txEl>
+                                              <p:pRg st="2" end="2"/>
+                                            </p:txEl>
+                                          </p:spTgt>
+                                        </p:tgtEl>
+                                      </p:cBhvr>
+                                    </p:animEffect>
+                                  </p:childTnLst>
+                                </p:cTn>
+                              </p:par>
+                            </p:childTnLst>
+                          </p:cTn>
+                        </p:par>
+                      </p:childTnLst>
+                    </p:cTn>
+                  </p:par>
+                </p:childTnLst>
+              </p:cTn>
+              <p:prevCondLst>
+                <p:cond evt="onPrev" delay="0">
+                  <p:tgtEl>
+                    <p:sldTgt/>
+                  </p:tgtEl>
+                </p:cond>
+              </p:prevCondLst>
+              <p:nextCondLst>
+                <p:cond evt="onNext" delay="0">
+                  <p:tgtEl>
+                    <p:sldTgt/>
+                  </p:tgtEl>
+                </p:cond>
+              </p:nextCondLst>
+            </p:seq>
+          </p:childTnLst>
+        </p:cTn>
+      </p:par>
+    </p:tnLst>
+    <p:bldLst>
+      <p:bldP spid="2" grpId="0" uiExpand="1" build="p"/>
+    </p:bldLst>
+  </p:timing>
+</p:sld>
+</file>
+
+<file path=ppt/slides/slide12.xml><?xml version="1.0" encoding="utf-8"?>
 <p:sld xmlns:a="http://schemas.openxmlformats.org/drawingml/2006/main" xmlns:r="http://schemas.openxmlformats.org/officeDocument/2006/relationships" xmlns:p="http://schemas.openxmlformats.org/presentationml/2006/main">
   <p:cSld>
     <p:spTree>
@@ -10968,11 +12084,11 @@
           <a:bodyPr/>
           <a:lstStyle/>
           <a:p>
-            <a:pPr algn="ctr"/>
-            <a:r>
-              <a:rPr lang="en-AU" dirty="0"/>
-              <a:t>Intro to PyTorch</a:t>
-            </a:r>
+            <a:r>
+              <a:rPr lang="en-AU"/>
+              <a:t>Massively parallel computing with MPI in Python</a:t>
+            </a:r>
+            <a:endParaRPr lang="en-AU" dirty="0"/>
           </a:p>
         </p:txBody>
       </p:sp>
@@ -11000,7 +12116,7 @@
             <a:fld id="{E917DE0E-AFB1-41FD-BC35-27DB61CA125F}" type="slidenum">
               <a:rPr lang="en-AU" smtClean="0"/>
               <a:pPr/>
-              <a:t>11</a:t>
+              <a:t>12</a:t>
             </a:fld>
             <a:endParaRPr lang="en-AU" dirty="0"/>
           </a:p>
@@ -11062,8 +12178,15 @@
           <a:lstStyle/>
           <a:p>
             <a:r>
-              <a:rPr lang="en-AU" sz="7200" dirty="0"/>
-              <a:t>Intro to PyTorch</a:t>
+              <a:rPr lang="en-AU" sz="4400" dirty="0"/>
+              <a:t>Massively parallel computing </a:t>
+            </a:r>
+            <a:br>
+              <a:rPr lang="en-AU" sz="4400" dirty="0"/>
+            </a:br>
+            <a:r>
+              <a:rPr lang="en-AU" sz="4400" dirty="0"/>
+              <a:t>with MPI in Python</a:t>
             </a:r>
           </a:p>
         </p:txBody>
@@ -11159,8 +12282,8 @@
         </p:nvSpPr>
         <p:spPr>
           <a:xfrm>
-            <a:off x="359010" y="3357634"/>
-            <a:ext cx="10461390" cy="1519166"/>
+            <a:off x="359010" y="3657600"/>
+            <a:ext cx="10461390" cy="1219200"/>
           </a:xfrm>
           <a:prstGeom prst="rect">
             <a:avLst/>
@@ -11395,35 +12518,6 @@
       </p:pic>
       <p:sp>
         <p:nvSpPr>
-          <p:cNvPr id="7" name="Footer Placeholder 6">
-            <a:extLst>
-              <a:ext uri="{FF2B5EF4-FFF2-40B4-BE49-F238E27FC236}">
-                <a16:creationId xmlns:a16="http://schemas.microsoft.com/office/drawing/2014/main" id="{63C3E765-C255-B2E0-4BE1-90BF14E1F293}"/>
-              </a:ext>
-            </a:extLst>
-          </p:cNvPr>
-          <p:cNvSpPr>
-            <a:spLocks noGrp="1"/>
-          </p:cNvSpPr>
-          <p:nvPr>
-            <p:ph type="ftr" sz="quarter" idx="11"/>
-          </p:nvPr>
-        </p:nvSpPr>
-        <p:spPr/>
-        <p:txBody>
-          <a:bodyPr/>
-          <a:lstStyle/>
-          <a:p>
-            <a:pPr algn="ctr"/>
-            <a:r>
-              <a:rPr lang="en-AU" dirty="0"/>
-              <a:t>Intro to PyTorch</a:t>
-            </a:r>
-          </a:p>
-        </p:txBody>
-      </p:sp>
-      <p:sp>
-        <p:nvSpPr>
           <p:cNvPr id="8" name="Slide Number Placeholder 7">
             <a:extLst>
               <a:ext uri="{FF2B5EF4-FFF2-40B4-BE49-F238E27FC236}">
@@ -11897,10 +12991,9 @@
           <a:bodyPr/>
           <a:lstStyle/>
           <a:p>
-            <a:pPr algn="ctr"/>
             <a:r>
               <a:rPr lang="en-AU" dirty="0"/>
-              <a:t>Intro to PyTorch</a:t>
+              <a:t>Massively parallel computing with MPI in Python</a:t>
             </a:r>
           </a:p>
         </p:txBody>
@@ -12840,11 +13933,11 @@
           <a:bodyPr/>
           <a:lstStyle/>
           <a:p>
-            <a:pPr algn="ctr"/>
-            <a:r>
-              <a:rPr lang="en-AU" dirty="0"/>
-              <a:t>Intro to PyTorch</a:t>
-            </a:r>
+            <a:r>
+              <a:rPr lang="en-AU"/>
+              <a:t>Massively parallel computing with MPI in Python</a:t>
+            </a:r>
+            <a:endParaRPr lang="en-AU" dirty="0"/>
           </a:p>
         </p:txBody>
       </p:sp>
@@ -14190,11 +15283,11 @@
           <a:bodyPr/>
           <a:lstStyle/>
           <a:p>
-            <a:pPr algn="ctr"/>
-            <a:r>
-              <a:rPr lang="en-AU" dirty="0"/>
-              <a:t>Intro to PyTorch</a:t>
-            </a:r>
+            <a:r>
+              <a:rPr lang="en-AU"/>
+              <a:t>Massively parallel computing with MPI in Python</a:t>
+            </a:r>
+            <a:endParaRPr lang="en-AU" dirty="0"/>
           </a:p>
         </p:txBody>
       </p:sp>
@@ -14935,18 +16028,18 @@
             <a:spLocks noGrp="1"/>
           </p:cNvSpPr>
           <p:nvPr>
-            <p:ph sz="quarter" idx="11"/>
+            <p:ph sz="half" idx="1"/>
           </p:nvPr>
         </p:nvSpPr>
         <p:spPr>
           <a:xfrm>
-            <a:off x="321508" y="2365638"/>
-            <a:ext cx="11546007" cy="4308101"/>
+            <a:off x="321510" y="1990836"/>
+            <a:ext cx="5012490" cy="4502105"/>
           </a:xfrm>
         </p:spPr>
         <p:txBody>
           <a:bodyPr>
-            <a:normAutofit fontScale="85000" lnSpcReduction="20000"/>
+            <a:normAutofit/>
           </a:bodyPr>
           <a:lstStyle/>
           <a:p>
@@ -14957,280 +16050,120 @@
               <a:rPr lang="en-AU" dirty="0">
                 <a:latin typeface="National 2 Medium" panose="020B0504030502020203" pitchFamily="34" charset="77"/>
               </a:rPr>
-              <a:t>PyTorch:</a:t>
-            </a:r>
-          </a:p>
-          <a:p>
-            <a:pPr marL="342900" indent="-342900">
-              <a:buSzPct val="75000"/>
-              <a:buFont typeface=".Apple Color Emoji UI"/>
-              <a:buChar char="💪"/>
+              <a:t>Task:</a:t>
+            </a:r>
+          </a:p>
+          <a:p>
+            <a:pPr marL="0" lvl="0" indent="0">
+              <a:buNone/>
             </a:pPr>
             <a:r>
-              <a:rPr lang="en-AU" dirty="0">
-                <a:solidFill>
-                  <a:schemeClr val="accent6">
-                    <a:lumMod val="50000"/>
-                  </a:schemeClr>
-                </a:solidFill>
-              </a:rPr>
-              <a:t>Powerful</a:t>
-            </a:r>
-            <a:r>
               <a:rPr lang="en-AU" dirty="0"/>
-              <a:t> </a:t>
-            </a:r>
+              <a:t>	Find Waldo as fast as possible!</a:t>
+            </a:r>
+          </a:p>
+          <a:p>
+            <a:pPr marL="0" lvl="0" indent="0">
+              <a:buNone/>
+            </a:pPr>
+            <a:endParaRPr lang="en-AU" dirty="0">
+              <a:latin typeface="National 2 Medium" panose="020B0504030502020203" pitchFamily="34" charset="77"/>
+            </a:endParaRPr>
+          </a:p>
+          <a:p>
+            <a:pPr marL="0" lvl="0" indent="0">
+              <a:buNone/>
+            </a:pPr>
             <a:r>
               <a:rPr lang="en-AU" dirty="0">
                 <a:latin typeface="National 2 Medium" panose="020B0504030502020203" pitchFamily="34" charset="77"/>
               </a:rPr>
-              <a:t>framework</a:t>
-            </a:r>
+              <a:t>Resources:</a:t>
+            </a:r>
+          </a:p>
+          <a:p>
+            <a:pPr marL="285750" lvl="0" indent="-285750">
+              <a:buFont typeface=".Apple Color Emoji UI"/>
+              <a:buChar char="👥"/>
+            </a:pPr>
             <a:r>
               <a:rPr lang="en-AU" dirty="0"/>
-              <a:t> </a:t>
-            </a:r>
-            <a:r>
-              <a:rPr lang="en-AU" dirty="0">
-                <a:solidFill>
-                  <a:schemeClr val="accent6">
-                    <a:lumMod val="50000"/>
-                  </a:schemeClr>
-                </a:solidFill>
-              </a:rPr>
-              <a:t>written with a </a:t>
-            </a:r>
+              <a:t>8 people in the same room</a:t>
+            </a:r>
+          </a:p>
+          <a:p>
+            <a:pPr marL="285750" lvl="0" indent="-285750">
+              <a:buFont typeface=".Apple Color Emoji UI"/>
+              <a:buChar char="💻"/>
+            </a:pPr>
+            <a:r>
+              <a:rPr lang="en-AU" dirty="0"/>
+              <a:t>1 laptop</a:t>
+            </a:r>
+          </a:p>
+          <a:p>
+            <a:pPr marL="285750" lvl="0" indent="-285750">
+              <a:buFontTx/>
+              <a:buChar char="-"/>
+            </a:pPr>
+            <a:endParaRPr lang="en-AU" dirty="0"/>
+          </a:p>
+          <a:p>
+            <a:pPr marL="0" lvl="0" indent="0">
+              <a:buNone/>
+            </a:pPr>
             <a:r>
               <a:rPr lang="en-AU" dirty="0">
                 <a:latin typeface="National 2 Medium" panose="020B0504030502020203" pitchFamily="34" charset="77"/>
               </a:rPr>
-              <a:t>Python</a:t>
-            </a:r>
-            <a:r>
-              <a:rPr lang="en-AU" dirty="0"/>
-              <a:t> </a:t>
-            </a:r>
+              <a:t>What would be a good strategy to perform this task?</a:t>
+            </a:r>
+          </a:p>
+          <a:p>
+            <a:pPr marL="285750" indent="-285750">
+              <a:buFont typeface=".Apple Color Emoji UI"/>
+              <a:buChar char="🔎"/>
+            </a:pPr>
             <a:r>
               <a:rPr lang="en-AU" dirty="0">
-                <a:solidFill>
-                  <a:schemeClr val="accent6">
-                    <a:lumMod val="50000"/>
-                  </a:schemeClr>
-                </a:solidFill>
+                <a:latin typeface="National 2" panose="020B0504030502020203" pitchFamily="34" charset="77"/>
               </a:rPr>
-              <a:t>frontend</a:t>
-            </a:r>
-          </a:p>
-          <a:p>
-            <a:pPr marL="342900" indent="-342900">
-              <a:buSzPct val="75000"/>
-              <a:buFont typeface=".Apple Color Emoji UI"/>
-              <a:buChar char="🛠"/>
-            </a:pPr>
-            <a:r>
-              <a:rPr lang="en-AU" dirty="0">
-                <a:solidFill>
-                  <a:schemeClr val="accent6">
-                    <a:lumMod val="50000"/>
-                  </a:schemeClr>
-                </a:solidFill>
-              </a:rPr>
-              <a:t>Contains a vast number of </a:t>
-            </a:r>
-            <a:r>
-              <a:rPr lang="en-AU" dirty="0">
-                <a:latin typeface="National 2 Medium" panose="020B0504030502020203" pitchFamily="34" charset="77"/>
-              </a:rPr>
-              <a:t>popular</a:t>
-            </a:r>
-            <a:r>
-              <a:rPr lang="en-AU" dirty="0"/>
-              <a:t> </a:t>
-            </a:r>
-            <a:r>
-              <a:rPr lang="en-AU" dirty="0">
-                <a:latin typeface="National 2 Medium" panose="020B0504030502020203" pitchFamily="34" charset="77"/>
-              </a:rPr>
-              <a:t>network layers</a:t>
-            </a:r>
-            <a:r>
-              <a:rPr lang="en-AU" dirty="0"/>
-              <a:t> </a:t>
-            </a:r>
-            <a:endParaRPr lang="en-AU" dirty="0">
-              <a:solidFill>
-                <a:schemeClr val="accent6">
-                  <a:lumMod val="50000"/>
-                </a:schemeClr>
-              </a:solidFill>
-            </a:endParaRPr>
-          </a:p>
-          <a:p>
-            <a:pPr marL="347663" indent="-347663">
-              <a:buSzPct val="75000"/>
-              <a:buFont typeface=".Apple Color Emoji UI"/>
-              <a:buChar char="😫"/>
-            </a:pPr>
-            <a:r>
-              <a:rPr lang="en-AU" dirty="0">
-                <a:solidFill>
-                  <a:schemeClr val="accent6">
-                    <a:lumMod val="50000"/>
-                  </a:schemeClr>
-                </a:solidFill>
-              </a:rPr>
-              <a:t>Very little </a:t>
-            </a:r>
-            <a:r>
-              <a:rPr lang="en-AU" dirty="0">
-                <a:latin typeface="National 2 Medium" panose="020B0504030502020203" pitchFamily="34" charset="77"/>
-              </a:rPr>
-              <a:t>evaluation</a:t>
-            </a:r>
-            <a:r>
-              <a:rPr lang="en-AU" dirty="0"/>
-              <a:t> </a:t>
-            </a:r>
-            <a:r>
-              <a:rPr lang="en-AU" dirty="0">
-                <a:latin typeface="National 2 Medium" panose="020B0504030502020203" pitchFamily="34" charset="77"/>
-              </a:rPr>
-              <a:t>and</a:t>
-            </a:r>
-            <a:r>
-              <a:rPr lang="en-AU" dirty="0"/>
-              <a:t> </a:t>
-            </a:r>
-            <a:r>
-              <a:rPr lang="en-AU" dirty="0">
-                <a:latin typeface="National 2 Medium" panose="020B0504030502020203" pitchFamily="34" charset="77"/>
-              </a:rPr>
-              <a:t>reporting</a:t>
-            </a:r>
-            <a:r>
-              <a:rPr lang="en-AU" dirty="0"/>
-              <a:t> </a:t>
-            </a:r>
-            <a:r>
-              <a:rPr lang="en-AU" dirty="0">
-                <a:solidFill>
-                  <a:schemeClr val="accent6">
-                    <a:lumMod val="50000"/>
-                  </a:schemeClr>
-                </a:solidFill>
-              </a:rPr>
-              <a:t>functionalities built-in</a:t>
-            </a:r>
-          </a:p>
-          <a:p>
-            <a:pPr marL="800100" lvl="1" indent="-342900">
-              <a:buSzPct val="75000"/>
-              <a:buFont typeface=".Apple Color Emoji UI"/>
-              <a:buChar char="📈"/>
-            </a:pPr>
-            <a:r>
-              <a:rPr lang="en-AU" dirty="0">
-                <a:solidFill>
-                  <a:schemeClr val="accent6">
-                    <a:lumMod val="50000"/>
-                  </a:schemeClr>
-                </a:solidFill>
-              </a:rPr>
-              <a:t>…but integrates nicely with TensorFlow’s </a:t>
-            </a:r>
-            <a:r>
-              <a:rPr lang="en-AU" dirty="0" err="1">
-                <a:latin typeface="National 2 Medium" panose="020B0504030502020203" pitchFamily="34" charset="77"/>
-              </a:rPr>
-              <a:t>TensorBoard</a:t>
-            </a:r>
-            <a:r>
-              <a:rPr lang="en-AU" dirty="0">
-                <a:solidFill>
-                  <a:schemeClr val="accent6">
-                    <a:lumMod val="50000"/>
-                  </a:schemeClr>
-                </a:solidFill>
-              </a:rPr>
-              <a:t>!</a:t>
-            </a:r>
-          </a:p>
-          <a:p>
-            <a:pPr marL="342900" indent="-342900">
-              <a:buSzPct val="75000"/>
-              <a:buFont typeface=".Apple Color Emoji UI"/>
-              <a:buChar char="🧩"/>
-            </a:pPr>
-            <a:r>
-              <a:rPr lang="en-AU" dirty="0">
-                <a:solidFill>
-                  <a:schemeClr val="accent6">
-                    <a:lumMod val="50000"/>
-                  </a:schemeClr>
-                </a:solidFill>
-              </a:rPr>
-              <a:t>Easily </a:t>
-            </a:r>
-            <a:r>
-              <a:rPr lang="en-AU" dirty="0">
-                <a:latin typeface="National 2 Medium" panose="020B0504030502020203" pitchFamily="34" charset="77"/>
-              </a:rPr>
-              <a:t>extendable</a:t>
-            </a:r>
-          </a:p>
-          <a:p>
-            <a:pPr marL="347663" indent="-347663">
-              <a:buSzPct val="75000"/>
-              <a:buFont typeface=".Apple Color Emoji UI"/>
-              <a:buChar char="🤗"/>
-            </a:pPr>
-            <a:r>
-              <a:rPr lang="en-AU" sz="2900" dirty="0">
-                <a:solidFill>
-                  <a:schemeClr val="accent6">
-                    <a:lumMod val="50000"/>
-                  </a:schemeClr>
-                </a:solidFill>
-              </a:rPr>
-              <a:t>Plays nicely with </a:t>
-            </a:r>
-            <a:r>
-              <a:rPr lang="en-AU" sz="2900" dirty="0">
-                <a:latin typeface="National 2 Medium" panose="020B0504030502020203" pitchFamily="34" charset="77"/>
-              </a:rPr>
-              <a:t>Hugging Face</a:t>
-            </a:r>
-            <a:r>
-              <a:rPr lang="en-AU" dirty="0">
-                <a:latin typeface="National 2 Medium" panose="020B0504030502020203" pitchFamily="34" charset="77"/>
-              </a:rPr>
-              <a:t>: Models, datasets, case studies…</a:t>
-            </a:r>
-            <a:endParaRPr lang="en-AU" dirty="0"/>
-          </a:p>
-          <a:p>
-            <a:pPr marL="0" indent="0">
-              <a:buNone/>
-            </a:pPr>
-            <a:endParaRPr lang="en-AU" sz="1900" dirty="0"/>
-          </a:p>
-          <a:p>
-            <a:pPr marL="0" indent="0">
-              <a:buNone/>
-            </a:pPr>
-            <a:r>
-              <a:rPr lang="en-AU" sz="1900" dirty="0"/>
-              <a:t>Quick poll: “Neural Network Experience”</a:t>
-            </a:r>
-          </a:p>
-          <a:p>
-            <a:pPr lvl="0"/>
-            <a:endParaRPr lang="en-AU" dirty="0">
-              <a:latin typeface="National 2 Medium" panose="020B0504030502020203" pitchFamily="34" charset="77"/>
-            </a:endParaRPr>
+              <a:t>Have each person focus on one section of the image</a:t>
+            </a:r>
           </a:p>
         </p:txBody>
       </p:sp>
+      <p:pic>
+        <p:nvPicPr>
+          <p:cNvPr id="5" name="Picture 4" descr="A picture containing bedclothes&#10;&#10;Description automatically generated">
+            <a:extLst>
+              <a:ext uri="{FF2B5EF4-FFF2-40B4-BE49-F238E27FC236}">
+                <a16:creationId xmlns:a16="http://schemas.microsoft.com/office/drawing/2014/main" id="{1D6D9818-81A1-7376-9397-EEC92A40D779}"/>
+              </a:ext>
+            </a:extLst>
+          </p:cNvPr>
+          <p:cNvPicPr>
+            <a:picLocks noChangeAspect="1"/>
+          </p:cNvPicPr>
+          <p:nvPr/>
+        </p:nvPicPr>
+        <p:blipFill>
+          <a:blip r:embed="rId3"/>
+          <a:stretch>
+            <a:fillRect/>
+          </a:stretch>
+        </p:blipFill>
+        <p:spPr>
+          <a:xfrm>
+            <a:off x="5368281" y="1990836"/>
+            <a:ext cx="6499690" cy="4127303"/>
+          </a:xfrm>
+          <a:prstGeom prst="rect">
+            <a:avLst/>
+          </a:prstGeom>
+          <a:noFill/>
+        </p:spPr>
+      </p:pic>
       <p:sp>
         <p:nvSpPr>
           <p:cNvPr id="2" name="Title 1"/>
@@ -15241,14 +16174,21 @@
             <p:ph type="title"/>
           </p:nvPr>
         </p:nvSpPr>
-        <p:spPr/>
+        <p:spPr>
+          <a:xfrm>
+            <a:off x="336425" y="1391441"/>
+            <a:ext cx="4341744" cy="513560"/>
+          </a:xfrm>
+        </p:spPr>
         <p:txBody>
-          <a:bodyPr/>
+          <a:bodyPr anchor="t">
+            <a:normAutofit/>
+          </a:bodyPr>
           <a:lstStyle/>
           <a:p>
             <a:r>
               <a:rPr lang="en-AU" dirty="0"/>
-              <a:t>Neural networks for everyone!</a:t>
+              <a:t>Thought experiment I</a:t>
             </a:r>
           </a:p>
         </p:txBody>
@@ -15266,17 +16206,29 @@
             <a:spLocks noGrp="1"/>
           </p:cNvSpPr>
           <p:nvPr>
-            <p:ph type="ftr" sz="quarter" idx="12"/>
+            <p:ph type="ftr" sz="quarter" idx="11"/>
           </p:nvPr>
         </p:nvSpPr>
-        <p:spPr/>
+        <p:spPr>
+          <a:xfrm>
+            <a:off x="2383047" y="184261"/>
+            <a:ext cx="7425906" cy="217125"/>
+          </a:xfrm>
+        </p:spPr>
         <p:txBody>
-          <a:bodyPr/>
+          <a:bodyPr anchor="ctr">
+            <a:normAutofit/>
+          </a:bodyPr>
           <a:lstStyle/>
           <a:p>
-            <a:r>
-              <a:rPr lang="en-AU" dirty="0"/>
-              <a:t>Intro to PyTorch</a:t>
+            <a:pPr>
+              <a:spcAft>
+                <a:spcPts val="600"/>
+              </a:spcAft>
+            </a:pPr>
+            <a:r>
+              <a:rPr lang="en-AU"/>
+              <a:t>Massively parallel computing with MPI in Python</a:t>
             </a:r>
           </a:p>
         </p:txBody>
@@ -15294,23 +16246,653 @@
             <a:spLocks noGrp="1"/>
           </p:cNvSpPr>
           <p:nvPr>
-            <p:ph type="sldNum" sz="quarter" idx="13"/>
+            <p:ph type="sldNum" sz="quarter" idx="12"/>
           </p:nvPr>
         </p:nvSpPr>
-        <p:spPr/>
+        <p:spPr>
+          <a:xfrm>
+            <a:off x="11341686" y="6551473"/>
+            <a:ext cx="523374" cy="217125"/>
+          </a:xfrm>
+        </p:spPr>
         <p:txBody>
-          <a:bodyPr/>
+          <a:bodyPr anchor="ctr">
+            <a:normAutofit/>
+          </a:bodyPr>
           <a:lstStyle/>
           <a:p>
+            <a:pPr>
+              <a:spcAft>
+                <a:spcPts val="600"/>
+              </a:spcAft>
+            </a:pPr>
             <a:fld id="{E917DE0E-AFB1-41FD-BC35-27DB61CA125F}" type="slidenum">
               <a:rPr lang="en-AU" smtClean="0"/>
-              <a:pPr/>
+              <a:pPr>
+                <a:spcAft>
+                  <a:spcPts val="600"/>
+                </a:spcAft>
+              </a:pPr>
               <a:t>6</a:t>
             </a:fld>
-            <a:endParaRPr lang="en-AU" dirty="0"/>
+            <a:endParaRPr lang="en-AU"/>
           </a:p>
         </p:txBody>
       </p:sp>
+      <p:graphicFrame>
+        <p:nvGraphicFramePr>
+          <p:cNvPr id="8" name="Table 8">
+            <a:extLst>
+              <a:ext uri="{FF2B5EF4-FFF2-40B4-BE49-F238E27FC236}">
+                <a16:creationId xmlns:a16="http://schemas.microsoft.com/office/drawing/2014/main" id="{F7E46FC4-8D77-8386-D848-772A7AEC3A68}"/>
+              </a:ext>
+            </a:extLst>
+          </p:cNvPr>
+          <p:cNvGraphicFramePr>
+            <a:graphicFrameLocks noGrp="1"/>
+          </p:cNvGraphicFramePr>
+          <p:nvPr>
+            <p:extLst>
+              <p:ext uri="{D42A27DB-BD31-4B8C-83A1-F6EECF244321}">
+                <p14:modId xmlns:p14="http://schemas.microsoft.com/office/powerpoint/2010/main" val="284404125"/>
+              </p:ext>
+            </p:extLst>
+          </p:nvPr>
+        </p:nvGraphicFramePr>
+        <p:xfrm>
+          <a:off x="5368280" y="1990836"/>
+          <a:ext cx="6496780" cy="4127304"/>
+        </p:xfrm>
+        <a:graphic>
+          <a:graphicData uri="http://schemas.openxmlformats.org/drawingml/2006/table">
+            <a:tbl>
+              <a:tblPr firstRow="1" bandRow="1">
+                <a:tableStyleId>{2D5ABB26-0587-4C30-8999-92F81FD0307C}</a:tableStyleId>
+              </a:tblPr>
+              <a:tblGrid>
+                <a:gridCol w="1624195">
+                  <a:extLst>
+                    <a:ext uri="{9D8B030D-6E8A-4147-A177-3AD203B41FA5}">
+                      <a16:colId xmlns:a16="http://schemas.microsoft.com/office/drawing/2014/main" val="963249483"/>
+                    </a:ext>
+                  </a:extLst>
+                </a:gridCol>
+                <a:gridCol w="1624195">
+                  <a:extLst>
+                    <a:ext uri="{9D8B030D-6E8A-4147-A177-3AD203B41FA5}">
+                      <a16:colId xmlns:a16="http://schemas.microsoft.com/office/drawing/2014/main" val="3062077476"/>
+                    </a:ext>
+                  </a:extLst>
+                </a:gridCol>
+                <a:gridCol w="1624195">
+                  <a:extLst>
+                    <a:ext uri="{9D8B030D-6E8A-4147-A177-3AD203B41FA5}">
+                      <a16:colId xmlns:a16="http://schemas.microsoft.com/office/drawing/2014/main" val="2017479907"/>
+                    </a:ext>
+                  </a:extLst>
+                </a:gridCol>
+                <a:gridCol w="1624195">
+                  <a:extLst>
+                    <a:ext uri="{9D8B030D-6E8A-4147-A177-3AD203B41FA5}">
+                      <a16:colId xmlns:a16="http://schemas.microsoft.com/office/drawing/2014/main" val="2451446805"/>
+                    </a:ext>
+                  </a:extLst>
+                </a:gridCol>
+              </a:tblGrid>
+              <a:tr h="2063652">
+                <a:tc>
+                  <a:txBody>
+                    <a:bodyPr/>
+                    <a:lstStyle/>
+                    <a:p>
+                      <a:pPr marL="0" algn="ctr" defTabSz="642974" rtl="0" eaLnBrk="1" latinLnBrk="0" hangingPunct="1"/>
+                      <a:r>
+                        <a:rPr lang="en-US" sz="4400" b="1" i="0" kern="1200" dirty="0">
+                          <a:solidFill>
+                            <a:sysClr val="windowText" lastClr="000000"/>
+                          </a:solidFill>
+                          <a:latin typeface="National 2" panose="020B0504030502020203" pitchFamily="34" charset="77"/>
+                          <a:ea typeface="+mn-ea"/>
+                          <a:cs typeface="+mn-cs"/>
+                        </a:rPr>
+                        <a:t>P0</a:t>
+                      </a:r>
+                    </a:p>
+                  </a:txBody>
+                  <a:tcPr anchor="ctr">
+                    <a:lnL w="12700" cap="flat" cmpd="sng" algn="ctr">
+                      <a:solidFill>
+                        <a:schemeClr val="tx1"/>
+                      </a:solidFill>
+                      <a:prstDash val="solid"/>
+                      <a:round/>
+                      <a:headEnd type="none" w="med" len="med"/>
+                      <a:tailEnd type="none" w="med" len="med"/>
+                    </a:lnL>
+                    <a:lnR w="12700" cap="flat" cmpd="sng" algn="ctr">
+                      <a:solidFill>
+                        <a:schemeClr val="tx1"/>
+                      </a:solidFill>
+                      <a:prstDash val="solid"/>
+                      <a:round/>
+                      <a:headEnd type="none" w="med" len="med"/>
+                      <a:tailEnd type="none" w="med" len="med"/>
+                    </a:lnR>
+                    <a:lnT w="12700" cap="flat" cmpd="sng" algn="ctr">
+                      <a:solidFill>
+                        <a:schemeClr val="tx1"/>
+                      </a:solidFill>
+                      <a:prstDash val="solid"/>
+                      <a:round/>
+                      <a:headEnd type="none" w="med" len="med"/>
+                      <a:tailEnd type="none" w="med" len="med"/>
+                    </a:lnT>
+                    <a:lnB w="12700" cap="flat" cmpd="sng" algn="ctr">
+                      <a:solidFill>
+                        <a:schemeClr val="tx1"/>
+                      </a:solidFill>
+                      <a:prstDash val="solid"/>
+                      <a:round/>
+                      <a:headEnd type="none" w="med" len="med"/>
+                      <a:tailEnd type="none" w="med" len="med"/>
+                    </a:lnB>
+                    <a:noFill/>
+                  </a:tcPr>
+                </a:tc>
+                <a:tc>
+                  <a:txBody>
+                    <a:bodyPr/>
+                    <a:lstStyle/>
+                    <a:p>
+                      <a:pPr marL="0" marR="0" lvl="0" indent="0" algn="ctr" defTabSz="642974" rtl="0" eaLnBrk="1" fontAlgn="auto" latinLnBrk="0" hangingPunct="1">
+                        <a:lnSpc>
+                          <a:spcPct val="100000"/>
+                        </a:lnSpc>
+                        <a:spcBef>
+                          <a:spcPts val="0"/>
+                        </a:spcBef>
+                        <a:spcAft>
+                          <a:spcPts val="0"/>
+                        </a:spcAft>
+                        <a:buClrTx/>
+                        <a:buSzTx/>
+                        <a:buFontTx/>
+                        <a:buNone/>
+                        <a:tabLst/>
+                        <a:defRPr/>
+                      </a:pPr>
+                      <a:r>
+                        <a:rPr lang="en-US" sz="4400" b="1" i="0" kern="1200" dirty="0">
+                          <a:solidFill>
+                            <a:sysClr val="windowText" lastClr="000000"/>
+                          </a:solidFill>
+                          <a:latin typeface="National 2" panose="020B0504030502020203" pitchFamily="34" charset="77"/>
+                          <a:ea typeface="+mn-ea"/>
+                          <a:cs typeface="+mn-cs"/>
+                        </a:rPr>
+                        <a:t>P1</a:t>
+                      </a:r>
+                    </a:p>
+                  </a:txBody>
+                  <a:tcPr anchor="ctr">
+                    <a:lnL w="12700" cap="flat" cmpd="sng" algn="ctr">
+                      <a:solidFill>
+                        <a:schemeClr val="tx1"/>
+                      </a:solidFill>
+                      <a:prstDash val="solid"/>
+                      <a:round/>
+                      <a:headEnd type="none" w="med" len="med"/>
+                      <a:tailEnd type="none" w="med" len="med"/>
+                    </a:lnL>
+                    <a:lnR w="12700" cap="flat" cmpd="sng" algn="ctr">
+                      <a:solidFill>
+                        <a:schemeClr val="tx1"/>
+                      </a:solidFill>
+                      <a:prstDash val="solid"/>
+                      <a:round/>
+                      <a:headEnd type="none" w="med" len="med"/>
+                      <a:tailEnd type="none" w="med" len="med"/>
+                    </a:lnR>
+                    <a:lnT w="12700" cap="flat" cmpd="sng" algn="ctr">
+                      <a:solidFill>
+                        <a:schemeClr val="tx1"/>
+                      </a:solidFill>
+                      <a:prstDash val="solid"/>
+                      <a:round/>
+                      <a:headEnd type="none" w="med" len="med"/>
+                      <a:tailEnd type="none" w="med" len="med"/>
+                    </a:lnT>
+                    <a:lnB w="12700" cap="flat" cmpd="sng" algn="ctr">
+                      <a:solidFill>
+                        <a:schemeClr val="tx1"/>
+                      </a:solidFill>
+                      <a:prstDash val="solid"/>
+                      <a:round/>
+                      <a:headEnd type="none" w="med" len="med"/>
+                      <a:tailEnd type="none" w="med" len="med"/>
+                    </a:lnB>
+                    <a:noFill/>
+                  </a:tcPr>
+                </a:tc>
+                <a:tc>
+                  <a:txBody>
+                    <a:bodyPr/>
+                    <a:lstStyle/>
+                    <a:p>
+                      <a:pPr marL="0" algn="ctr" defTabSz="642974" rtl="0" eaLnBrk="1" latinLnBrk="0" hangingPunct="1"/>
+                      <a:r>
+                        <a:rPr lang="en-US" sz="4400" b="1" i="0" kern="1200" dirty="0">
+                          <a:solidFill>
+                            <a:sysClr val="windowText" lastClr="000000"/>
+                          </a:solidFill>
+                          <a:latin typeface="National 2" panose="020B0504030502020203" pitchFamily="34" charset="77"/>
+                          <a:ea typeface="+mn-ea"/>
+                          <a:cs typeface="+mn-cs"/>
+                        </a:rPr>
+                        <a:t>P2</a:t>
+                      </a:r>
+                    </a:p>
+                  </a:txBody>
+                  <a:tcPr anchor="ctr">
+                    <a:lnL w="12700" cap="flat" cmpd="sng" algn="ctr">
+                      <a:solidFill>
+                        <a:schemeClr val="tx1"/>
+                      </a:solidFill>
+                      <a:prstDash val="solid"/>
+                      <a:round/>
+                      <a:headEnd type="none" w="med" len="med"/>
+                      <a:tailEnd type="none" w="med" len="med"/>
+                    </a:lnL>
+                    <a:lnR w="12700" cap="flat" cmpd="sng" algn="ctr">
+                      <a:solidFill>
+                        <a:schemeClr val="tx1"/>
+                      </a:solidFill>
+                      <a:prstDash val="solid"/>
+                      <a:round/>
+                      <a:headEnd type="none" w="med" len="med"/>
+                      <a:tailEnd type="none" w="med" len="med"/>
+                    </a:lnR>
+                    <a:lnT w="12700" cap="flat" cmpd="sng" algn="ctr">
+                      <a:solidFill>
+                        <a:schemeClr val="tx1"/>
+                      </a:solidFill>
+                      <a:prstDash val="solid"/>
+                      <a:round/>
+                      <a:headEnd type="none" w="med" len="med"/>
+                      <a:tailEnd type="none" w="med" len="med"/>
+                    </a:lnT>
+                    <a:lnB w="12700" cap="flat" cmpd="sng" algn="ctr">
+                      <a:solidFill>
+                        <a:schemeClr val="tx1"/>
+                      </a:solidFill>
+                      <a:prstDash val="solid"/>
+                      <a:round/>
+                      <a:headEnd type="none" w="med" len="med"/>
+                      <a:tailEnd type="none" w="med" len="med"/>
+                    </a:lnB>
+                    <a:noFill/>
+                  </a:tcPr>
+                </a:tc>
+                <a:tc>
+                  <a:txBody>
+                    <a:bodyPr/>
+                    <a:lstStyle/>
+                    <a:p>
+                      <a:pPr marL="0" algn="ctr" defTabSz="642974" rtl="0" eaLnBrk="1" latinLnBrk="0" hangingPunct="1"/>
+                      <a:r>
+                        <a:rPr lang="en-US" sz="4400" b="1" i="0" kern="1200" dirty="0">
+                          <a:solidFill>
+                            <a:sysClr val="windowText" lastClr="000000"/>
+                          </a:solidFill>
+                          <a:latin typeface="National 2" panose="020B0504030502020203" pitchFamily="34" charset="77"/>
+                          <a:ea typeface="+mn-ea"/>
+                          <a:cs typeface="+mn-cs"/>
+                        </a:rPr>
+                        <a:t>P3</a:t>
+                      </a:r>
+                    </a:p>
+                  </a:txBody>
+                  <a:tcPr anchor="ctr">
+                    <a:lnL w="12700" cap="flat" cmpd="sng" algn="ctr">
+                      <a:solidFill>
+                        <a:schemeClr val="tx1"/>
+                      </a:solidFill>
+                      <a:prstDash val="solid"/>
+                      <a:round/>
+                      <a:headEnd type="none" w="med" len="med"/>
+                      <a:tailEnd type="none" w="med" len="med"/>
+                    </a:lnL>
+                    <a:lnR w="12700" cap="flat" cmpd="sng" algn="ctr">
+                      <a:solidFill>
+                        <a:schemeClr val="tx1"/>
+                      </a:solidFill>
+                      <a:prstDash val="solid"/>
+                      <a:round/>
+                      <a:headEnd type="none" w="med" len="med"/>
+                      <a:tailEnd type="none" w="med" len="med"/>
+                    </a:lnR>
+                    <a:lnT w="12700" cap="flat" cmpd="sng" algn="ctr">
+                      <a:solidFill>
+                        <a:schemeClr val="tx1"/>
+                      </a:solidFill>
+                      <a:prstDash val="solid"/>
+                      <a:round/>
+                      <a:headEnd type="none" w="med" len="med"/>
+                      <a:tailEnd type="none" w="med" len="med"/>
+                    </a:lnT>
+                    <a:lnB w="12700" cap="flat" cmpd="sng" algn="ctr">
+                      <a:solidFill>
+                        <a:schemeClr val="tx1"/>
+                      </a:solidFill>
+                      <a:prstDash val="solid"/>
+                      <a:round/>
+                      <a:headEnd type="none" w="med" len="med"/>
+                      <a:tailEnd type="none" w="med" len="med"/>
+                    </a:lnB>
+                    <a:noFill/>
+                  </a:tcPr>
+                </a:tc>
+                <a:extLst>
+                  <a:ext uri="{0D108BD9-81ED-4DB2-BD59-A6C34878D82A}">
+                    <a16:rowId xmlns:a16="http://schemas.microsoft.com/office/drawing/2014/main" val="1607431528"/>
+                  </a:ext>
+                </a:extLst>
+              </a:tr>
+              <a:tr h="2063652">
+                <a:tc>
+                  <a:txBody>
+                    <a:bodyPr/>
+                    <a:lstStyle/>
+                    <a:p>
+                      <a:pPr marL="0" marR="0" lvl="0" indent="0" algn="ctr" defTabSz="642974" rtl="0" eaLnBrk="1" fontAlgn="auto" latinLnBrk="0" hangingPunct="1">
+                        <a:lnSpc>
+                          <a:spcPct val="100000"/>
+                        </a:lnSpc>
+                        <a:spcBef>
+                          <a:spcPts val="0"/>
+                        </a:spcBef>
+                        <a:spcAft>
+                          <a:spcPts val="0"/>
+                        </a:spcAft>
+                        <a:buClrTx/>
+                        <a:buSzTx/>
+                        <a:buFontTx/>
+                        <a:buNone/>
+                        <a:tabLst/>
+                        <a:defRPr/>
+                      </a:pPr>
+                      <a:r>
+                        <a:rPr lang="en-US" sz="4400" b="1" i="0" kern="1200" dirty="0">
+                          <a:solidFill>
+                            <a:sysClr val="windowText" lastClr="000000"/>
+                          </a:solidFill>
+                          <a:latin typeface="National 2" panose="020B0504030502020203" pitchFamily="34" charset="77"/>
+                          <a:ea typeface="+mn-ea"/>
+                          <a:cs typeface="+mn-cs"/>
+                        </a:rPr>
+                        <a:t>P4</a:t>
+                      </a:r>
+                    </a:p>
+                  </a:txBody>
+                  <a:tcPr anchor="ctr">
+                    <a:lnL w="12700" cap="flat" cmpd="sng" algn="ctr">
+                      <a:solidFill>
+                        <a:schemeClr val="tx1"/>
+                      </a:solidFill>
+                      <a:prstDash val="solid"/>
+                      <a:round/>
+                      <a:headEnd type="none" w="med" len="med"/>
+                      <a:tailEnd type="none" w="med" len="med"/>
+                    </a:lnL>
+                    <a:lnR w="12700" cap="flat" cmpd="sng" algn="ctr">
+                      <a:solidFill>
+                        <a:schemeClr val="tx1"/>
+                      </a:solidFill>
+                      <a:prstDash val="solid"/>
+                      <a:round/>
+                      <a:headEnd type="none" w="med" len="med"/>
+                      <a:tailEnd type="none" w="med" len="med"/>
+                    </a:lnR>
+                    <a:lnT w="12700" cap="flat" cmpd="sng" algn="ctr">
+                      <a:solidFill>
+                        <a:schemeClr val="tx1"/>
+                      </a:solidFill>
+                      <a:prstDash val="solid"/>
+                      <a:round/>
+                      <a:headEnd type="none" w="med" len="med"/>
+                      <a:tailEnd type="none" w="med" len="med"/>
+                    </a:lnT>
+                    <a:lnB w="12700" cap="flat" cmpd="sng" algn="ctr">
+                      <a:solidFill>
+                        <a:schemeClr val="tx1"/>
+                      </a:solidFill>
+                      <a:prstDash val="solid"/>
+                      <a:round/>
+                      <a:headEnd type="none" w="med" len="med"/>
+                      <a:tailEnd type="none" w="med" len="med"/>
+                    </a:lnB>
+                    <a:noFill/>
+                  </a:tcPr>
+                </a:tc>
+                <a:tc>
+                  <a:txBody>
+                    <a:bodyPr/>
+                    <a:lstStyle/>
+                    <a:p>
+                      <a:pPr marL="0" marR="0" lvl="0" indent="0" algn="ctr" defTabSz="642974" rtl="0" eaLnBrk="1" fontAlgn="auto" latinLnBrk="0" hangingPunct="1">
+                        <a:lnSpc>
+                          <a:spcPct val="100000"/>
+                        </a:lnSpc>
+                        <a:spcBef>
+                          <a:spcPts val="0"/>
+                        </a:spcBef>
+                        <a:spcAft>
+                          <a:spcPts val="0"/>
+                        </a:spcAft>
+                        <a:buClrTx/>
+                        <a:buSzTx/>
+                        <a:buFontTx/>
+                        <a:buNone/>
+                        <a:tabLst/>
+                        <a:defRPr/>
+                      </a:pPr>
+                      <a:r>
+                        <a:rPr lang="en-US" sz="4400" b="1" i="0" kern="1200" dirty="0">
+                          <a:solidFill>
+                            <a:sysClr val="windowText" lastClr="000000"/>
+                          </a:solidFill>
+                          <a:latin typeface="National 2" panose="020B0504030502020203" pitchFamily="34" charset="77"/>
+                          <a:ea typeface="+mn-ea"/>
+                          <a:cs typeface="+mn-cs"/>
+                        </a:rPr>
+                        <a:t>P5</a:t>
+                      </a:r>
+                    </a:p>
+                  </a:txBody>
+                  <a:tcPr anchor="ctr">
+                    <a:lnL w="12700" cap="flat" cmpd="sng" algn="ctr">
+                      <a:solidFill>
+                        <a:schemeClr val="tx1"/>
+                      </a:solidFill>
+                      <a:prstDash val="solid"/>
+                      <a:round/>
+                      <a:headEnd type="none" w="med" len="med"/>
+                      <a:tailEnd type="none" w="med" len="med"/>
+                    </a:lnL>
+                    <a:lnR w="12700" cap="flat" cmpd="sng" algn="ctr">
+                      <a:solidFill>
+                        <a:schemeClr val="tx1"/>
+                      </a:solidFill>
+                      <a:prstDash val="solid"/>
+                      <a:round/>
+                      <a:headEnd type="none" w="med" len="med"/>
+                      <a:tailEnd type="none" w="med" len="med"/>
+                    </a:lnR>
+                    <a:lnT w="12700" cap="flat" cmpd="sng" algn="ctr">
+                      <a:solidFill>
+                        <a:schemeClr val="tx1"/>
+                      </a:solidFill>
+                      <a:prstDash val="solid"/>
+                      <a:round/>
+                      <a:headEnd type="none" w="med" len="med"/>
+                      <a:tailEnd type="none" w="med" len="med"/>
+                    </a:lnT>
+                    <a:lnB w="12700" cap="flat" cmpd="sng" algn="ctr">
+                      <a:solidFill>
+                        <a:schemeClr val="tx1"/>
+                      </a:solidFill>
+                      <a:prstDash val="solid"/>
+                      <a:round/>
+                      <a:headEnd type="none" w="med" len="med"/>
+                      <a:tailEnd type="none" w="med" len="med"/>
+                    </a:lnB>
+                    <a:noFill/>
+                  </a:tcPr>
+                </a:tc>
+                <a:tc>
+                  <a:txBody>
+                    <a:bodyPr/>
+                    <a:lstStyle/>
+                    <a:p>
+                      <a:pPr marL="0" marR="0" lvl="0" indent="0" algn="ctr" defTabSz="642974" rtl="0" eaLnBrk="1" fontAlgn="auto" latinLnBrk="0" hangingPunct="1">
+                        <a:lnSpc>
+                          <a:spcPct val="100000"/>
+                        </a:lnSpc>
+                        <a:spcBef>
+                          <a:spcPts val="0"/>
+                        </a:spcBef>
+                        <a:spcAft>
+                          <a:spcPts val="0"/>
+                        </a:spcAft>
+                        <a:buClrTx/>
+                        <a:buSzTx/>
+                        <a:buFontTx/>
+                        <a:buNone/>
+                        <a:tabLst/>
+                        <a:defRPr/>
+                      </a:pPr>
+                      <a:r>
+                        <a:rPr lang="en-US" sz="4400" b="1" i="0" kern="1200" dirty="0">
+                          <a:solidFill>
+                            <a:sysClr val="windowText" lastClr="000000"/>
+                          </a:solidFill>
+                          <a:latin typeface="National 2" panose="020B0504030502020203" pitchFamily="34" charset="77"/>
+                          <a:ea typeface="+mn-ea"/>
+                          <a:cs typeface="+mn-cs"/>
+                        </a:rPr>
+                        <a:t>P6</a:t>
+                      </a:r>
+                    </a:p>
+                  </a:txBody>
+                  <a:tcPr anchor="ctr">
+                    <a:lnL w="12700" cap="flat" cmpd="sng" algn="ctr">
+                      <a:solidFill>
+                        <a:schemeClr val="tx1"/>
+                      </a:solidFill>
+                      <a:prstDash val="solid"/>
+                      <a:round/>
+                      <a:headEnd type="none" w="med" len="med"/>
+                      <a:tailEnd type="none" w="med" len="med"/>
+                    </a:lnL>
+                    <a:lnR w="12700" cap="flat" cmpd="sng" algn="ctr">
+                      <a:solidFill>
+                        <a:schemeClr val="tx1"/>
+                      </a:solidFill>
+                      <a:prstDash val="solid"/>
+                      <a:round/>
+                      <a:headEnd type="none" w="med" len="med"/>
+                      <a:tailEnd type="none" w="med" len="med"/>
+                    </a:lnR>
+                    <a:lnT w="12700" cap="flat" cmpd="sng" algn="ctr">
+                      <a:solidFill>
+                        <a:schemeClr val="tx1"/>
+                      </a:solidFill>
+                      <a:prstDash val="solid"/>
+                      <a:round/>
+                      <a:headEnd type="none" w="med" len="med"/>
+                      <a:tailEnd type="none" w="med" len="med"/>
+                    </a:lnT>
+                    <a:lnB w="12700" cap="flat" cmpd="sng" algn="ctr">
+                      <a:solidFill>
+                        <a:schemeClr val="tx1"/>
+                      </a:solidFill>
+                      <a:prstDash val="solid"/>
+                      <a:round/>
+                      <a:headEnd type="none" w="med" len="med"/>
+                      <a:tailEnd type="none" w="med" len="med"/>
+                    </a:lnB>
+                    <a:noFill/>
+                  </a:tcPr>
+                </a:tc>
+                <a:tc>
+                  <a:txBody>
+                    <a:bodyPr/>
+                    <a:lstStyle/>
+                    <a:p>
+                      <a:pPr marL="0" algn="ctr" defTabSz="642974" rtl="0" eaLnBrk="1" latinLnBrk="0" hangingPunct="1"/>
+                      <a:r>
+                        <a:rPr lang="en-US" sz="4400" b="1" i="0" kern="1200" dirty="0">
+                          <a:solidFill>
+                            <a:sysClr val="windowText" lastClr="000000"/>
+                          </a:solidFill>
+                          <a:latin typeface="National 2" panose="020B0504030502020203" pitchFamily="34" charset="77"/>
+                          <a:ea typeface="+mn-ea"/>
+                          <a:cs typeface="+mn-cs"/>
+                        </a:rPr>
+                        <a:t>P7</a:t>
+                      </a:r>
+                    </a:p>
+                  </a:txBody>
+                  <a:tcPr anchor="ctr">
+                    <a:lnL w="12700" cap="flat" cmpd="sng" algn="ctr">
+                      <a:solidFill>
+                        <a:schemeClr val="tx1"/>
+                      </a:solidFill>
+                      <a:prstDash val="solid"/>
+                      <a:round/>
+                      <a:headEnd type="none" w="med" len="med"/>
+                      <a:tailEnd type="none" w="med" len="med"/>
+                    </a:lnL>
+                    <a:lnR w="12700" cap="flat" cmpd="sng" algn="ctr">
+                      <a:solidFill>
+                        <a:schemeClr val="tx1"/>
+                      </a:solidFill>
+                      <a:prstDash val="solid"/>
+                      <a:round/>
+                      <a:headEnd type="none" w="med" len="med"/>
+                      <a:tailEnd type="none" w="med" len="med"/>
+                    </a:lnR>
+                    <a:lnT w="12700" cap="flat" cmpd="sng" algn="ctr">
+                      <a:solidFill>
+                        <a:schemeClr val="tx1"/>
+                      </a:solidFill>
+                      <a:prstDash val="solid"/>
+                      <a:round/>
+                      <a:headEnd type="none" w="med" len="med"/>
+                      <a:tailEnd type="none" w="med" len="med"/>
+                    </a:lnT>
+                    <a:lnB w="12700" cap="flat" cmpd="sng" algn="ctr">
+                      <a:solidFill>
+                        <a:schemeClr val="tx1"/>
+                      </a:solidFill>
+                      <a:prstDash val="solid"/>
+                      <a:round/>
+                      <a:headEnd type="none" w="med" len="med"/>
+                      <a:tailEnd type="none" w="med" len="med"/>
+                    </a:lnB>
+                    <a:noFill/>
+                  </a:tcPr>
+                </a:tc>
+                <a:extLst>
+                  <a:ext uri="{0D108BD9-81ED-4DB2-BD59-A6C34878D82A}">
+                    <a16:rowId xmlns:a16="http://schemas.microsoft.com/office/drawing/2014/main" val="1969198021"/>
+                  </a:ext>
+                </a:extLst>
+              </a:tr>
+            </a:tbl>
+          </a:graphicData>
+        </a:graphic>
+      </p:graphicFrame>
     </p:spTree>
     <p:extLst>
       <p:ext uri="{BB962C8B-B14F-4D97-AF65-F5344CB8AC3E}">
@@ -15448,43 +17030,21 @@
                                   </p:childTnLst>
                                 </p:cTn>
                               </p:par>
-                            </p:childTnLst>
-                          </p:cTn>
-                        </p:par>
-                      </p:childTnLst>
-                    </p:cTn>
-                  </p:par>
-                  <p:par>
-                    <p:cTn id="13" fill="hold">
-                      <p:stCondLst>
-                        <p:cond delay="indefinite"/>
-                      </p:stCondLst>
-                      <p:childTnLst>
-                        <p:par>
-                          <p:cTn id="14" fill="hold">
-                            <p:stCondLst>
-                              <p:cond delay="0"/>
-                            </p:stCondLst>
-                            <p:childTnLst>
                               <p:par>
-                                <p:cTn id="15" presetID="10" presetClass="entr" presetSubtype="0" fill="hold" grpId="0" nodeType="clickEffect">
+                                <p:cTn id="13" presetID="10" presetClass="entr" presetSubtype="0" fill="hold" nodeType="withEffect">
                                   <p:stCondLst>
                                     <p:cond delay="0"/>
                                   </p:stCondLst>
                                   <p:childTnLst>
                                     <p:set>
                                       <p:cBhvr>
-                                        <p:cTn id="16" dur="1" fill="hold">
+                                        <p:cTn id="14" dur="1" fill="hold">
                                           <p:stCondLst>
                                             <p:cond delay="0"/>
                                           </p:stCondLst>
                                         </p:cTn>
                                         <p:tgtEl>
-                                          <p:spTgt spid="3">
-                                            <p:txEl>
-                                              <p:pRg st="2" end="2"/>
-                                            </p:txEl>
-                                          </p:spTgt>
+                                          <p:spTgt spid="5"/>
                                         </p:tgtEl>
                                         <p:attrNameLst>
                                           <p:attrName>style.visibility</p:attrName>
@@ -15496,13 +17056,9 @@
                                     </p:set>
                                     <p:animEffect transition="in" filter="fade">
                                       <p:cBhvr>
-                                        <p:cTn id="17" dur="500"/>
+                                        <p:cTn id="15" dur="500"/>
                                         <p:tgtEl>
-                                          <p:spTgt spid="3">
-                                            <p:txEl>
-                                              <p:pRg st="2" end="2"/>
-                                            </p:txEl>
-                                          </p:spTgt>
+                                          <p:spTgt spid="5"/>
                                         </p:tgtEl>
                                       </p:cBhvr>
                                     </p:animEffect>
@@ -15516,26 +17072,26 @@
                     </p:cTn>
                   </p:par>
                   <p:par>
-                    <p:cTn id="18" fill="hold">
+                    <p:cTn id="16" fill="hold">
                       <p:stCondLst>
                         <p:cond delay="indefinite"/>
                       </p:stCondLst>
                       <p:childTnLst>
                         <p:par>
-                          <p:cTn id="19" fill="hold">
+                          <p:cTn id="17" fill="hold">
                             <p:stCondLst>
                               <p:cond delay="0"/>
                             </p:stCondLst>
                             <p:childTnLst>
                               <p:par>
-                                <p:cTn id="20" presetID="10" presetClass="entr" presetSubtype="0" fill="hold" grpId="0" nodeType="clickEffect">
+                                <p:cTn id="18" presetID="10" presetClass="entr" presetSubtype="0" fill="hold" grpId="0" nodeType="clickEffect">
                                   <p:stCondLst>
                                     <p:cond delay="0"/>
                                   </p:stCondLst>
                                   <p:childTnLst>
                                     <p:set>
                                       <p:cBhvr>
-                                        <p:cTn id="21" dur="1" fill="hold">
+                                        <p:cTn id="19" dur="1" fill="hold">
                                           <p:stCondLst>
                                             <p:cond delay="0"/>
                                           </p:stCondLst>
@@ -15557,7 +17113,7 @@
                                     </p:set>
                                     <p:animEffect transition="in" filter="fade">
                                       <p:cBhvr>
-                                        <p:cTn id="22" dur="500"/>
+                                        <p:cTn id="20" dur="500"/>
                                         <p:tgtEl>
                                           <p:spTgt spid="3">
                                             <p:txEl>
@@ -15570,8 +17126,26 @@
                                   </p:childTnLst>
                                 </p:cTn>
                               </p:par>
+                            </p:childTnLst>
+                          </p:cTn>
+                        </p:par>
+                      </p:childTnLst>
+                    </p:cTn>
+                  </p:par>
+                  <p:par>
+                    <p:cTn id="21" fill="hold">
+                      <p:stCondLst>
+                        <p:cond delay="indefinite"/>
+                      </p:stCondLst>
+                      <p:childTnLst>
+                        <p:par>
+                          <p:cTn id="22" fill="hold">
+                            <p:stCondLst>
+                              <p:cond delay="0"/>
+                            </p:stCondLst>
+                            <p:childTnLst>
                               <p:par>
-                                <p:cTn id="23" presetID="10" presetClass="entr" presetSubtype="0" fill="hold" grpId="0" nodeType="withEffect">
+                                <p:cTn id="23" presetID="10" presetClass="entr" presetSubtype="0" fill="hold" grpId="0" nodeType="clickEffect">
                                   <p:stCondLst>
                                     <p:cond delay="0"/>
                                   </p:stCondLst>
@@ -15708,7 +17282,7 @@
                                         <p:tgtEl>
                                           <p:spTgt spid="3">
                                             <p:txEl>
-                                              <p:pRg st="6" end="6"/>
+                                              <p:pRg st="7" end="7"/>
                                             </p:txEl>
                                           </p:spTgt>
                                         </p:tgtEl>
@@ -15726,7 +17300,7 @@
                                         <p:tgtEl>
                                           <p:spTgt spid="3">
                                             <p:txEl>
-                                              <p:pRg st="6" end="6"/>
+                                              <p:pRg st="7" end="7"/>
                                             </p:txEl>
                                           </p:spTgt>
                                         </p:tgtEl>
@@ -15802,6 +17376,59 @@
                       </p:childTnLst>
                     </p:cTn>
                   </p:par>
+                  <p:par>
+                    <p:cTn id="41" fill="hold">
+                      <p:stCondLst>
+                        <p:cond delay="indefinite"/>
+                      </p:stCondLst>
+                      <p:childTnLst>
+                        <p:par>
+                          <p:cTn id="42" fill="hold">
+                            <p:stCondLst>
+                              <p:cond delay="0"/>
+                            </p:stCondLst>
+                            <p:childTnLst>
+                              <p:par>
+                                <p:cTn id="43" presetID="10" presetClass="entr" presetSubtype="0" fill="hold" nodeType="clickEffect">
+                                  <p:stCondLst>
+                                    <p:cond delay="0"/>
+                                  </p:stCondLst>
+                                  <p:childTnLst>
+                                    <p:set>
+                                      <p:cBhvr>
+                                        <p:cTn id="44" dur="1" fill="hold">
+                                          <p:stCondLst>
+                                            <p:cond delay="0"/>
+                                          </p:stCondLst>
+                                        </p:cTn>
+                                        <p:tgtEl>
+                                          <p:spTgt spid="8"/>
+                                        </p:tgtEl>
+                                        <p:attrNameLst>
+                                          <p:attrName>style.visibility</p:attrName>
+                                        </p:attrNameLst>
+                                      </p:cBhvr>
+                                      <p:to>
+                                        <p:strVal val="visible"/>
+                                      </p:to>
+                                    </p:set>
+                                    <p:animEffect transition="in" filter="fade">
+                                      <p:cBhvr>
+                                        <p:cTn id="45" dur="500"/>
+                                        <p:tgtEl>
+                                          <p:spTgt spid="8"/>
+                                        </p:tgtEl>
+                                      </p:cBhvr>
+                                    </p:animEffect>
+                                  </p:childTnLst>
+                                </p:cTn>
+                              </p:par>
+                            </p:childTnLst>
+                          </p:cTn>
+                        </p:par>
+                      </p:childTnLst>
+                    </p:cTn>
+                  </p:par>
                 </p:childTnLst>
               </p:cTn>
               <p:prevCondLst>
@@ -15824,7 +17451,7 @@
       </p:par>
     </p:tnLst>
     <p:bldLst>
-      <p:bldP spid="3" grpId="0" build="p"/>
+      <p:bldP spid="3" grpId="0" uiExpand="1" build="p"/>
     </p:bldLst>
   </p:timing>
 </p:sld>
@@ -15849,10 +17476,206 @@
       </p:grpSpPr>
       <p:sp>
         <p:nvSpPr>
-          <p:cNvPr id="2" name="Content Placeholder 1">
+          <p:cNvPr id="3" name="Content Placeholder 2"/>
+          <p:cNvSpPr>
+            <a:spLocks noGrp="1"/>
+          </p:cNvSpPr>
+          <p:nvPr>
+            <p:ph sz="half" idx="1"/>
+          </p:nvPr>
+        </p:nvSpPr>
+        <p:spPr>
+          <a:xfrm>
+            <a:off x="321510" y="1990836"/>
+            <a:ext cx="5012490" cy="4502105"/>
+          </a:xfrm>
+        </p:spPr>
+        <p:txBody>
+          <a:bodyPr>
+            <a:normAutofit fontScale="92500" lnSpcReduction="10000"/>
+          </a:bodyPr>
+          <a:lstStyle/>
+          <a:p>
+            <a:pPr marL="0" lvl="0" indent="0">
+              <a:buNone/>
+            </a:pPr>
+            <a:r>
+              <a:rPr lang="en-AU" dirty="0">
+                <a:latin typeface="National 2 Medium" panose="020B0504030502020203" pitchFamily="34" charset="77"/>
+              </a:rPr>
+              <a:t>Task:</a:t>
+            </a:r>
+          </a:p>
+          <a:p>
+            <a:pPr marL="0" lvl="0" indent="0">
+              <a:buNone/>
+            </a:pPr>
+            <a:r>
+              <a:rPr lang="en-AU" dirty="0"/>
+              <a:t>	Find Waldo as fast as possible!</a:t>
+            </a:r>
+          </a:p>
+          <a:p>
+            <a:pPr marL="0" lvl="0" indent="0">
+              <a:buNone/>
+            </a:pPr>
+            <a:endParaRPr lang="en-AU" dirty="0">
+              <a:latin typeface="National 2 Medium" panose="020B0504030502020203" pitchFamily="34" charset="77"/>
+            </a:endParaRPr>
+          </a:p>
+          <a:p>
+            <a:pPr marL="0" lvl="0" indent="0">
+              <a:buNone/>
+            </a:pPr>
+            <a:r>
+              <a:rPr lang="en-AU" dirty="0">
+                <a:latin typeface="National 2 Medium" panose="020B0504030502020203" pitchFamily="34" charset="77"/>
+              </a:rPr>
+              <a:t>Resources:</a:t>
+            </a:r>
+          </a:p>
+          <a:p>
+            <a:pPr marL="285750" lvl="0" indent="-285750">
+              <a:buFont typeface=".Apple Color Emoji UI"/>
+              <a:buChar char="👥"/>
+            </a:pPr>
+            <a:r>
+              <a:rPr lang="en-AU" dirty="0"/>
+              <a:t>64 people in 64 different places</a:t>
+            </a:r>
+          </a:p>
+          <a:p>
+            <a:pPr marL="285750" lvl="0" indent="-285750">
+              <a:buFont typeface=".Apple Color Emoji UI"/>
+              <a:buChar char="💻"/>
+            </a:pPr>
+            <a:r>
+              <a:rPr lang="en-AU" dirty="0"/>
+              <a:t>64 laptops</a:t>
+            </a:r>
+          </a:p>
+          <a:p>
+            <a:pPr marL="285750" lvl="0" indent="-285750">
+              <a:buFontTx/>
+              <a:buChar char="-"/>
+            </a:pPr>
+            <a:endParaRPr lang="en-AU" dirty="0"/>
+          </a:p>
+          <a:p>
+            <a:pPr marL="0" lvl="0" indent="0">
+              <a:buNone/>
+            </a:pPr>
+            <a:r>
+              <a:rPr lang="en-AU" dirty="0">
+                <a:latin typeface="National 2 Medium" panose="020B0504030502020203" pitchFamily="34" charset="77"/>
+              </a:rPr>
+              <a:t>What would be a good strategy to perform this task?</a:t>
+            </a:r>
+          </a:p>
+          <a:p>
+            <a:pPr marL="285750" indent="-285750">
+              <a:buFont typeface=".Apple Color Emoji UI"/>
+              <a:buChar char="✉️"/>
+            </a:pPr>
+            <a:r>
+              <a:rPr lang="en-AU" dirty="0">
+                <a:latin typeface="National 2" panose="020B0504030502020203" pitchFamily="34" charset="77"/>
+              </a:rPr>
+              <a:t>Send each person a section of the image</a:t>
+            </a:r>
+          </a:p>
+          <a:p>
+            <a:pPr marL="285750" indent="-285750">
+              <a:buFont typeface=".Apple Color Emoji UI"/>
+              <a:buChar char="🔎"/>
+            </a:pPr>
+            <a:r>
+              <a:rPr lang="en-AU" dirty="0">
+                <a:latin typeface="National 2" panose="020B0504030502020203" pitchFamily="34" charset="77"/>
+              </a:rPr>
+              <a:t>Have each person search through their section</a:t>
+            </a:r>
+          </a:p>
+          <a:p>
+            <a:pPr marL="285750" indent="-285750">
+              <a:buFont typeface=".Apple Color Emoji UI"/>
+              <a:buChar char="📨"/>
+            </a:pPr>
+            <a:r>
+              <a:rPr lang="en-AU" dirty="0">
+                <a:latin typeface="National 2" panose="020B0504030502020203" pitchFamily="34" charset="77"/>
+              </a:rPr>
+              <a:t>Wait for the results to come back</a:t>
+            </a:r>
+          </a:p>
+        </p:txBody>
+      </p:sp>
+      <p:pic>
+        <p:nvPicPr>
+          <p:cNvPr id="5" name="Picture 4" descr="A picture containing bedclothes&#10;&#10;Description automatically generated">
             <a:extLst>
               <a:ext uri="{FF2B5EF4-FFF2-40B4-BE49-F238E27FC236}">
-                <a16:creationId xmlns:a16="http://schemas.microsoft.com/office/drawing/2014/main" id="{74DDB33E-DB0A-06D7-B778-D0D01BB6ED7C}"/>
+                <a16:creationId xmlns:a16="http://schemas.microsoft.com/office/drawing/2014/main" id="{1D6D9818-81A1-7376-9397-EEC92A40D779}"/>
+              </a:ext>
+            </a:extLst>
+          </p:cNvPr>
+          <p:cNvPicPr>
+            <a:picLocks noChangeAspect="1"/>
+          </p:cNvPicPr>
+          <p:nvPr/>
+        </p:nvPicPr>
+        <p:blipFill>
+          <a:blip r:embed="rId3"/>
+          <a:stretch>
+            <a:fillRect/>
+          </a:stretch>
+        </p:blipFill>
+        <p:spPr>
+          <a:xfrm>
+            <a:off x="5368281" y="1990836"/>
+            <a:ext cx="6499690" cy="4127303"/>
+          </a:xfrm>
+          <a:prstGeom prst="rect">
+            <a:avLst/>
+          </a:prstGeom>
+          <a:noFill/>
+        </p:spPr>
+      </p:pic>
+      <p:sp>
+        <p:nvSpPr>
+          <p:cNvPr id="2" name="Title 1"/>
+          <p:cNvSpPr>
+            <a:spLocks noGrp="1"/>
+          </p:cNvSpPr>
+          <p:nvPr>
+            <p:ph type="title"/>
+          </p:nvPr>
+        </p:nvSpPr>
+        <p:spPr>
+          <a:xfrm>
+            <a:off x="336425" y="1391441"/>
+            <a:ext cx="4341744" cy="513560"/>
+          </a:xfrm>
+        </p:spPr>
+        <p:txBody>
+          <a:bodyPr anchor="t">
+            <a:normAutofit/>
+          </a:bodyPr>
+          <a:lstStyle/>
+          <a:p>
+            <a:r>
+              <a:rPr lang="en-AU" dirty="0"/>
+              <a:t>Thought experiment II</a:t>
+            </a:r>
+          </a:p>
+        </p:txBody>
+      </p:sp>
+      <p:sp>
+        <p:nvSpPr>
+          <p:cNvPr id="6" name="Footer Placeholder 5">
+            <a:extLst>
+              <a:ext uri="{FF2B5EF4-FFF2-40B4-BE49-F238E27FC236}">
+                <a16:creationId xmlns:a16="http://schemas.microsoft.com/office/drawing/2014/main" id="{DCB5ABB7-5588-42EF-8D92-0F30E41B7854}"/>
               </a:ext>
             </a:extLst>
           </p:cNvPr>
@@ -15860,122 +17683,39 @@
             <a:spLocks noGrp="1"/>
           </p:cNvSpPr>
           <p:nvPr>
-            <p:ph sz="quarter" idx="11"/>
+            <p:ph type="ftr" sz="quarter" idx="11"/>
           </p:nvPr>
         </p:nvSpPr>
-        <p:spPr/>
+        <p:spPr>
+          <a:xfrm>
+            <a:off x="2383047" y="184261"/>
+            <a:ext cx="7425906" cy="217125"/>
+          </a:xfrm>
+        </p:spPr>
         <p:txBody>
           <a:bodyPr anchor="ctr">
             <a:normAutofit/>
           </a:bodyPr>
           <a:lstStyle/>
           <a:p>
-            <a:pPr marL="400050" indent="-395288">
-              <a:buSzPct val="75000"/>
-              <a:buFont typeface=".Apple Color Emoji UI"/>
-              <a:buChar char="🤓"/>
+            <a:pPr>
+              <a:spcAft>
+                <a:spcPts val="600"/>
+              </a:spcAft>
             </a:pPr>
             <a:r>
-              <a:rPr lang="en-US" dirty="0">
-                <a:solidFill>
-                  <a:schemeClr val="accent6">
-                    <a:lumMod val="50000"/>
-                  </a:schemeClr>
-                </a:solidFill>
-              </a:rPr>
-              <a:t>Algorithms are very computationally and/or conceptually</a:t>
-            </a:r>
-            <a:r>
-              <a:rPr lang="en-US" dirty="0"/>
-              <a:t> </a:t>
-            </a:r>
-            <a:r>
-              <a:rPr lang="en-US" dirty="0">
-                <a:latin typeface="National 2 Medium" panose="020B0504030502020203" pitchFamily="34" charset="77"/>
-              </a:rPr>
-              <a:t>complex</a:t>
-            </a:r>
-          </a:p>
-          <a:p>
-            <a:pPr marL="409575" indent="-406400">
-              <a:buSzPct val="75000"/>
-              <a:buFont typeface=".Apple Color Emoji UI"/>
-              <a:buChar char="🚀"/>
-            </a:pPr>
-            <a:r>
-              <a:rPr lang="en-US" dirty="0">
-                <a:solidFill>
-                  <a:schemeClr val="accent6">
-                    <a:lumMod val="50000"/>
-                  </a:schemeClr>
-                </a:solidFill>
-              </a:rPr>
-              <a:t>The</a:t>
-            </a:r>
-            <a:r>
-              <a:rPr lang="en-US" dirty="0">
-                <a:latin typeface="National 2 Medium" panose="020B0504030502020203" pitchFamily="34" charset="77"/>
-              </a:rPr>
-              <a:t> field moves too quickly </a:t>
-            </a:r>
-            <a:r>
-              <a:rPr lang="en-US" dirty="0">
-                <a:solidFill>
-                  <a:schemeClr val="accent6">
-                    <a:lumMod val="50000"/>
-                  </a:schemeClr>
-                </a:solidFill>
-              </a:rPr>
-              <a:t>to implement everything yourself</a:t>
-            </a:r>
-          </a:p>
-          <a:p>
-            <a:pPr marL="400050" indent="-395288">
-              <a:buSzPct val="75000"/>
-              <a:buFont typeface=".Apple Color Emoji UI"/>
-              <a:buChar char="🧩"/>
-            </a:pPr>
-            <a:r>
-              <a:rPr lang="en-US" dirty="0">
-                <a:solidFill>
-                  <a:schemeClr val="accent6">
-                    <a:lumMod val="50000"/>
-                  </a:schemeClr>
-                </a:solidFill>
-              </a:rPr>
-              <a:t>Use a framework to harness </a:t>
-            </a:r>
-            <a:r>
-              <a:rPr lang="en-US" dirty="0">
-                <a:latin typeface="National 2 Medium" panose="020B0504030502020203" pitchFamily="34" charset="77"/>
-              </a:rPr>
-              <a:t>efficient implementations </a:t>
-            </a:r>
-            <a:r>
-              <a:rPr lang="en-US" dirty="0">
-                <a:solidFill>
-                  <a:schemeClr val="accent6">
-                    <a:lumMod val="50000"/>
-                  </a:schemeClr>
-                </a:solidFill>
-              </a:rPr>
-              <a:t>and </a:t>
-            </a:r>
-            <a:r>
-              <a:rPr lang="en-US" dirty="0">
-                <a:latin typeface="National 2 Medium" panose="020B0504030502020203" pitchFamily="34" charset="77"/>
-              </a:rPr>
-              <a:t>modular code design</a:t>
+              <a:rPr lang="en-AU"/>
+              <a:t>Massively parallel computing with MPI in Python</a:t>
             </a:r>
           </a:p>
         </p:txBody>
       </p:sp>
       <p:sp>
         <p:nvSpPr>
-          <p:cNvPr id="3" name="Title 2">
+          <p:cNvPr id="7" name="Slide Number Placeholder 6">
             <a:extLst>
               <a:ext uri="{FF2B5EF4-FFF2-40B4-BE49-F238E27FC236}">
-                <a16:creationId xmlns:a16="http://schemas.microsoft.com/office/drawing/2014/main" id="{D6C3D70B-F697-CE72-CC1A-0129AD1DD7A9}"/>
+                <a16:creationId xmlns:a16="http://schemas.microsoft.com/office/drawing/2014/main" id="{DA580B98-D3D9-4A36-AB55-82F72DC4C9C5}"/>
               </a:ext>
             </a:extLst>
           </p:cNvPr>
@@ -15983,84 +17723,3255 @@
             <a:spLocks noGrp="1"/>
           </p:cNvSpPr>
           <p:nvPr>
-            <p:ph type="title"/>
+            <p:ph type="sldNum" sz="quarter" idx="12"/>
           </p:nvPr>
         </p:nvSpPr>
-        <p:spPr/>
+        <p:spPr>
+          <a:xfrm>
+            <a:off x="11341686" y="6551473"/>
+            <a:ext cx="523374" cy="217125"/>
+          </a:xfrm>
+        </p:spPr>
         <p:txBody>
-          <a:bodyPr/>
+          <a:bodyPr anchor="ctr">
+            <a:normAutofit/>
+          </a:bodyPr>
           <a:lstStyle/>
           <a:p>
-            <a:r>
-              <a:rPr lang="en-US" dirty="0"/>
-              <a:t>Why use a framework for neural networks?</a:t>
-            </a:r>
+            <a:pPr>
+              <a:spcAft>
+                <a:spcPts val="600"/>
+              </a:spcAft>
+            </a:pPr>
+            <a:fld id="{E917DE0E-AFB1-41FD-BC35-27DB61CA125F}" type="slidenum">
+              <a:rPr lang="en-AU" smtClean="0"/>
+              <a:pPr>
+                <a:spcAft>
+                  <a:spcPts val="600"/>
+                </a:spcAft>
+              </a:pPr>
+              <a:t>7</a:t>
+            </a:fld>
+            <a:endParaRPr lang="en-AU"/>
           </a:p>
         </p:txBody>
       </p:sp>
-      <p:sp>
-        <p:nvSpPr>
-          <p:cNvPr id="4" name="Footer Placeholder 3">
+      <p:graphicFrame>
+        <p:nvGraphicFramePr>
+          <p:cNvPr id="9" name="Table 9">
             <a:extLst>
               <a:ext uri="{FF2B5EF4-FFF2-40B4-BE49-F238E27FC236}">
-                <a16:creationId xmlns:a16="http://schemas.microsoft.com/office/drawing/2014/main" id="{8AD73267-12C3-5AF1-40CD-D6E195026C3C}"/>
+                <a16:creationId xmlns:a16="http://schemas.microsoft.com/office/drawing/2014/main" id="{32EC83A2-E5A6-295A-66DB-FCB75CA4AEF3}"/>
               </a:ext>
             </a:extLst>
           </p:cNvPr>
-          <p:cNvSpPr>
-            <a:spLocks noGrp="1"/>
-          </p:cNvSpPr>
+          <p:cNvGraphicFramePr>
+            <a:graphicFrameLocks noGrp="1"/>
+          </p:cNvGraphicFramePr>
           <p:nvPr>
-            <p:ph type="ftr" sz="quarter" idx="12"/>
+            <p:extLst>
+              <p:ext uri="{D42A27DB-BD31-4B8C-83A1-F6EECF244321}">
+                <p14:modId xmlns:p14="http://schemas.microsoft.com/office/powerpoint/2010/main" val="659682141"/>
+              </p:ext>
+            </p:extLst>
           </p:nvPr>
-        </p:nvSpPr>
-        <p:spPr/>
-        <p:txBody>
-          <a:bodyPr/>
-          <a:lstStyle/>
-          <a:p>
-            <a:pPr algn="ctr"/>
-            <a:r>
-              <a:rPr lang="en-AU" dirty="0"/>
-              <a:t>Intro to PyTorch</a:t>
-            </a:r>
-          </a:p>
-        </p:txBody>
-      </p:sp>
+        </p:nvGraphicFramePr>
+        <p:xfrm>
+          <a:off x="5368281" y="1990835"/>
+          <a:ext cx="6496776" cy="4127304"/>
+        </p:xfrm>
+        <a:graphic>
+          <a:graphicData uri="http://schemas.openxmlformats.org/drawingml/2006/table">
+            <a:tbl>
+              <a:tblPr firstRow="1" bandRow="1">
+                <a:tableStyleId>{2D5ABB26-0587-4C30-8999-92F81FD0307C}</a:tableStyleId>
+              </a:tblPr>
+              <a:tblGrid>
+                <a:gridCol w="812097">
+                  <a:extLst>
+                    <a:ext uri="{9D8B030D-6E8A-4147-A177-3AD203B41FA5}">
+                      <a16:colId xmlns:a16="http://schemas.microsoft.com/office/drawing/2014/main" val="2058034038"/>
+                    </a:ext>
+                  </a:extLst>
+                </a:gridCol>
+                <a:gridCol w="812097">
+                  <a:extLst>
+                    <a:ext uri="{9D8B030D-6E8A-4147-A177-3AD203B41FA5}">
+                      <a16:colId xmlns:a16="http://schemas.microsoft.com/office/drawing/2014/main" val="642114793"/>
+                    </a:ext>
+                  </a:extLst>
+                </a:gridCol>
+                <a:gridCol w="812097">
+                  <a:extLst>
+                    <a:ext uri="{9D8B030D-6E8A-4147-A177-3AD203B41FA5}">
+                      <a16:colId xmlns:a16="http://schemas.microsoft.com/office/drawing/2014/main" val="2137411658"/>
+                    </a:ext>
+                  </a:extLst>
+                </a:gridCol>
+                <a:gridCol w="812097">
+                  <a:extLst>
+                    <a:ext uri="{9D8B030D-6E8A-4147-A177-3AD203B41FA5}">
+                      <a16:colId xmlns:a16="http://schemas.microsoft.com/office/drawing/2014/main" val="363396857"/>
+                    </a:ext>
+                  </a:extLst>
+                </a:gridCol>
+                <a:gridCol w="812097">
+                  <a:extLst>
+                    <a:ext uri="{9D8B030D-6E8A-4147-A177-3AD203B41FA5}">
+                      <a16:colId xmlns:a16="http://schemas.microsoft.com/office/drawing/2014/main" val="3664776460"/>
+                    </a:ext>
+                  </a:extLst>
+                </a:gridCol>
+                <a:gridCol w="812097">
+                  <a:extLst>
+                    <a:ext uri="{9D8B030D-6E8A-4147-A177-3AD203B41FA5}">
+                      <a16:colId xmlns:a16="http://schemas.microsoft.com/office/drawing/2014/main" val="3660528198"/>
+                    </a:ext>
+                  </a:extLst>
+                </a:gridCol>
+                <a:gridCol w="812097">
+                  <a:extLst>
+                    <a:ext uri="{9D8B030D-6E8A-4147-A177-3AD203B41FA5}">
+                      <a16:colId xmlns:a16="http://schemas.microsoft.com/office/drawing/2014/main" val="3368294513"/>
+                    </a:ext>
+                  </a:extLst>
+                </a:gridCol>
+                <a:gridCol w="812097">
+                  <a:extLst>
+                    <a:ext uri="{9D8B030D-6E8A-4147-A177-3AD203B41FA5}">
+                      <a16:colId xmlns:a16="http://schemas.microsoft.com/office/drawing/2014/main" val="3880027819"/>
+                    </a:ext>
+                  </a:extLst>
+                </a:gridCol>
+              </a:tblGrid>
+              <a:tr h="515913">
+                <a:tc>
+                  <a:txBody>
+                    <a:bodyPr/>
+                    <a:lstStyle/>
+                    <a:p>
+                      <a:endParaRPr lang="en-US" dirty="0"/>
+                    </a:p>
+                  </a:txBody>
+                  <a:tcPr>
+                    <a:lnL w="12700" cap="flat" cmpd="sng" algn="ctr">
+                      <a:solidFill>
+                        <a:schemeClr val="tx1"/>
+                      </a:solidFill>
+                      <a:prstDash val="solid"/>
+                      <a:round/>
+                      <a:headEnd type="none" w="med" len="med"/>
+                      <a:tailEnd type="none" w="med" len="med"/>
+                    </a:lnL>
+                    <a:lnR w="12700" cap="flat" cmpd="sng" algn="ctr">
+                      <a:solidFill>
+                        <a:schemeClr val="tx1"/>
+                      </a:solidFill>
+                      <a:prstDash val="solid"/>
+                      <a:round/>
+                      <a:headEnd type="none" w="med" len="med"/>
+                      <a:tailEnd type="none" w="med" len="med"/>
+                    </a:lnR>
+                    <a:lnT w="12700" cap="flat" cmpd="sng" algn="ctr">
+                      <a:solidFill>
+                        <a:schemeClr val="tx1"/>
+                      </a:solidFill>
+                      <a:prstDash val="solid"/>
+                      <a:round/>
+                      <a:headEnd type="none" w="med" len="med"/>
+                      <a:tailEnd type="none" w="med" len="med"/>
+                    </a:lnT>
+                    <a:lnB w="12700" cap="flat" cmpd="sng" algn="ctr">
+                      <a:solidFill>
+                        <a:schemeClr val="tx1"/>
+                      </a:solidFill>
+                      <a:prstDash val="solid"/>
+                      <a:round/>
+                      <a:headEnd type="none" w="med" len="med"/>
+                      <a:tailEnd type="none" w="med" len="med"/>
+                    </a:lnB>
+                  </a:tcPr>
+                </a:tc>
+                <a:tc>
+                  <a:txBody>
+                    <a:bodyPr/>
+                    <a:lstStyle/>
+                    <a:p>
+                      <a:endParaRPr lang="en-US" dirty="0"/>
+                    </a:p>
+                  </a:txBody>
+                  <a:tcPr>
+                    <a:lnL w="12700" cap="flat" cmpd="sng" algn="ctr">
+                      <a:solidFill>
+                        <a:schemeClr val="tx1"/>
+                      </a:solidFill>
+                      <a:prstDash val="solid"/>
+                      <a:round/>
+                      <a:headEnd type="none" w="med" len="med"/>
+                      <a:tailEnd type="none" w="med" len="med"/>
+                    </a:lnL>
+                    <a:lnR w="12700" cap="flat" cmpd="sng" algn="ctr">
+                      <a:solidFill>
+                        <a:schemeClr val="tx1"/>
+                      </a:solidFill>
+                      <a:prstDash val="solid"/>
+                      <a:round/>
+                      <a:headEnd type="none" w="med" len="med"/>
+                      <a:tailEnd type="none" w="med" len="med"/>
+                    </a:lnR>
+                    <a:lnT w="12700" cap="flat" cmpd="sng" algn="ctr">
+                      <a:solidFill>
+                        <a:schemeClr val="tx1"/>
+                      </a:solidFill>
+                      <a:prstDash val="solid"/>
+                      <a:round/>
+                      <a:headEnd type="none" w="med" len="med"/>
+                      <a:tailEnd type="none" w="med" len="med"/>
+                    </a:lnT>
+                    <a:lnB w="12700" cap="flat" cmpd="sng" algn="ctr">
+                      <a:solidFill>
+                        <a:schemeClr val="tx1"/>
+                      </a:solidFill>
+                      <a:prstDash val="solid"/>
+                      <a:round/>
+                      <a:headEnd type="none" w="med" len="med"/>
+                      <a:tailEnd type="none" w="med" len="med"/>
+                    </a:lnB>
+                  </a:tcPr>
+                </a:tc>
+                <a:tc>
+                  <a:txBody>
+                    <a:bodyPr/>
+                    <a:lstStyle/>
+                    <a:p>
+                      <a:endParaRPr lang="en-US"/>
+                    </a:p>
+                  </a:txBody>
+                  <a:tcPr>
+                    <a:lnL w="12700" cap="flat" cmpd="sng" algn="ctr">
+                      <a:solidFill>
+                        <a:schemeClr val="tx1"/>
+                      </a:solidFill>
+                      <a:prstDash val="solid"/>
+                      <a:round/>
+                      <a:headEnd type="none" w="med" len="med"/>
+                      <a:tailEnd type="none" w="med" len="med"/>
+                    </a:lnL>
+                    <a:lnR w="12700" cap="flat" cmpd="sng" algn="ctr">
+                      <a:solidFill>
+                        <a:schemeClr val="tx1"/>
+                      </a:solidFill>
+                      <a:prstDash val="solid"/>
+                      <a:round/>
+                      <a:headEnd type="none" w="med" len="med"/>
+                      <a:tailEnd type="none" w="med" len="med"/>
+                    </a:lnR>
+                    <a:lnT w="12700" cap="flat" cmpd="sng" algn="ctr">
+                      <a:solidFill>
+                        <a:schemeClr val="tx1"/>
+                      </a:solidFill>
+                      <a:prstDash val="solid"/>
+                      <a:round/>
+                      <a:headEnd type="none" w="med" len="med"/>
+                      <a:tailEnd type="none" w="med" len="med"/>
+                    </a:lnT>
+                    <a:lnB w="12700" cap="flat" cmpd="sng" algn="ctr">
+                      <a:solidFill>
+                        <a:schemeClr val="tx1"/>
+                      </a:solidFill>
+                      <a:prstDash val="solid"/>
+                      <a:round/>
+                      <a:headEnd type="none" w="med" len="med"/>
+                      <a:tailEnd type="none" w="med" len="med"/>
+                    </a:lnB>
+                  </a:tcPr>
+                </a:tc>
+                <a:tc>
+                  <a:txBody>
+                    <a:bodyPr/>
+                    <a:lstStyle/>
+                    <a:p>
+                      <a:endParaRPr lang="en-US"/>
+                    </a:p>
+                  </a:txBody>
+                  <a:tcPr>
+                    <a:lnL w="12700" cap="flat" cmpd="sng" algn="ctr">
+                      <a:solidFill>
+                        <a:schemeClr val="tx1"/>
+                      </a:solidFill>
+                      <a:prstDash val="solid"/>
+                      <a:round/>
+                      <a:headEnd type="none" w="med" len="med"/>
+                      <a:tailEnd type="none" w="med" len="med"/>
+                    </a:lnL>
+                    <a:lnR w="12700" cap="flat" cmpd="sng" algn="ctr">
+                      <a:solidFill>
+                        <a:schemeClr val="tx1"/>
+                      </a:solidFill>
+                      <a:prstDash val="solid"/>
+                      <a:round/>
+                      <a:headEnd type="none" w="med" len="med"/>
+                      <a:tailEnd type="none" w="med" len="med"/>
+                    </a:lnR>
+                    <a:lnT w="12700" cap="flat" cmpd="sng" algn="ctr">
+                      <a:solidFill>
+                        <a:schemeClr val="tx1"/>
+                      </a:solidFill>
+                      <a:prstDash val="solid"/>
+                      <a:round/>
+                      <a:headEnd type="none" w="med" len="med"/>
+                      <a:tailEnd type="none" w="med" len="med"/>
+                    </a:lnT>
+                    <a:lnB w="12700" cap="flat" cmpd="sng" algn="ctr">
+                      <a:solidFill>
+                        <a:schemeClr val="tx1"/>
+                      </a:solidFill>
+                      <a:prstDash val="solid"/>
+                      <a:round/>
+                      <a:headEnd type="none" w="med" len="med"/>
+                      <a:tailEnd type="none" w="med" len="med"/>
+                    </a:lnB>
+                  </a:tcPr>
+                </a:tc>
+                <a:tc>
+                  <a:txBody>
+                    <a:bodyPr/>
+                    <a:lstStyle/>
+                    <a:p>
+                      <a:endParaRPr lang="en-US"/>
+                    </a:p>
+                  </a:txBody>
+                  <a:tcPr>
+                    <a:lnL w="12700" cap="flat" cmpd="sng" algn="ctr">
+                      <a:solidFill>
+                        <a:schemeClr val="tx1"/>
+                      </a:solidFill>
+                      <a:prstDash val="solid"/>
+                      <a:round/>
+                      <a:headEnd type="none" w="med" len="med"/>
+                      <a:tailEnd type="none" w="med" len="med"/>
+                    </a:lnL>
+                    <a:lnR w="12700" cap="flat" cmpd="sng" algn="ctr">
+                      <a:solidFill>
+                        <a:schemeClr val="tx1"/>
+                      </a:solidFill>
+                      <a:prstDash val="solid"/>
+                      <a:round/>
+                      <a:headEnd type="none" w="med" len="med"/>
+                      <a:tailEnd type="none" w="med" len="med"/>
+                    </a:lnR>
+                    <a:lnT w="12700" cap="flat" cmpd="sng" algn="ctr">
+                      <a:solidFill>
+                        <a:schemeClr val="tx1"/>
+                      </a:solidFill>
+                      <a:prstDash val="solid"/>
+                      <a:round/>
+                      <a:headEnd type="none" w="med" len="med"/>
+                      <a:tailEnd type="none" w="med" len="med"/>
+                    </a:lnT>
+                    <a:lnB w="12700" cap="flat" cmpd="sng" algn="ctr">
+                      <a:solidFill>
+                        <a:schemeClr val="tx1"/>
+                      </a:solidFill>
+                      <a:prstDash val="solid"/>
+                      <a:round/>
+                      <a:headEnd type="none" w="med" len="med"/>
+                      <a:tailEnd type="none" w="med" len="med"/>
+                    </a:lnB>
+                  </a:tcPr>
+                </a:tc>
+                <a:tc>
+                  <a:txBody>
+                    <a:bodyPr/>
+                    <a:lstStyle/>
+                    <a:p>
+                      <a:endParaRPr lang="en-US"/>
+                    </a:p>
+                  </a:txBody>
+                  <a:tcPr>
+                    <a:lnL w="12700" cap="flat" cmpd="sng" algn="ctr">
+                      <a:solidFill>
+                        <a:schemeClr val="tx1"/>
+                      </a:solidFill>
+                      <a:prstDash val="solid"/>
+                      <a:round/>
+                      <a:headEnd type="none" w="med" len="med"/>
+                      <a:tailEnd type="none" w="med" len="med"/>
+                    </a:lnL>
+                    <a:lnR w="12700" cap="flat" cmpd="sng" algn="ctr">
+                      <a:solidFill>
+                        <a:schemeClr val="tx1"/>
+                      </a:solidFill>
+                      <a:prstDash val="solid"/>
+                      <a:round/>
+                      <a:headEnd type="none" w="med" len="med"/>
+                      <a:tailEnd type="none" w="med" len="med"/>
+                    </a:lnR>
+                    <a:lnT w="12700" cap="flat" cmpd="sng" algn="ctr">
+                      <a:solidFill>
+                        <a:schemeClr val="tx1"/>
+                      </a:solidFill>
+                      <a:prstDash val="solid"/>
+                      <a:round/>
+                      <a:headEnd type="none" w="med" len="med"/>
+                      <a:tailEnd type="none" w="med" len="med"/>
+                    </a:lnT>
+                    <a:lnB w="12700" cap="flat" cmpd="sng" algn="ctr">
+                      <a:solidFill>
+                        <a:schemeClr val="tx1"/>
+                      </a:solidFill>
+                      <a:prstDash val="solid"/>
+                      <a:round/>
+                      <a:headEnd type="none" w="med" len="med"/>
+                      <a:tailEnd type="none" w="med" len="med"/>
+                    </a:lnB>
+                  </a:tcPr>
+                </a:tc>
+                <a:tc>
+                  <a:txBody>
+                    <a:bodyPr/>
+                    <a:lstStyle/>
+                    <a:p>
+                      <a:endParaRPr lang="en-US"/>
+                    </a:p>
+                  </a:txBody>
+                  <a:tcPr>
+                    <a:lnL w="12700" cap="flat" cmpd="sng" algn="ctr">
+                      <a:solidFill>
+                        <a:schemeClr val="tx1"/>
+                      </a:solidFill>
+                      <a:prstDash val="solid"/>
+                      <a:round/>
+                      <a:headEnd type="none" w="med" len="med"/>
+                      <a:tailEnd type="none" w="med" len="med"/>
+                    </a:lnL>
+                    <a:lnR w="12700" cap="flat" cmpd="sng" algn="ctr">
+                      <a:solidFill>
+                        <a:schemeClr val="tx1"/>
+                      </a:solidFill>
+                      <a:prstDash val="solid"/>
+                      <a:round/>
+                      <a:headEnd type="none" w="med" len="med"/>
+                      <a:tailEnd type="none" w="med" len="med"/>
+                    </a:lnR>
+                    <a:lnT w="12700" cap="flat" cmpd="sng" algn="ctr">
+                      <a:solidFill>
+                        <a:schemeClr val="tx1"/>
+                      </a:solidFill>
+                      <a:prstDash val="solid"/>
+                      <a:round/>
+                      <a:headEnd type="none" w="med" len="med"/>
+                      <a:tailEnd type="none" w="med" len="med"/>
+                    </a:lnT>
+                    <a:lnB w="12700" cap="flat" cmpd="sng" algn="ctr">
+                      <a:solidFill>
+                        <a:schemeClr val="tx1"/>
+                      </a:solidFill>
+                      <a:prstDash val="solid"/>
+                      <a:round/>
+                      <a:headEnd type="none" w="med" len="med"/>
+                      <a:tailEnd type="none" w="med" len="med"/>
+                    </a:lnB>
+                  </a:tcPr>
+                </a:tc>
+                <a:tc>
+                  <a:txBody>
+                    <a:bodyPr/>
+                    <a:lstStyle/>
+                    <a:p>
+                      <a:endParaRPr lang="en-US"/>
+                    </a:p>
+                  </a:txBody>
+                  <a:tcPr>
+                    <a:lnL w="12700" cap="flat" cmpd="sng" algn="ctr">
+                      <a:solidFill>
+                        <a:schemeClr val="tx1"/>
+                      </a:solidFill>
+                      <a:prstDash val="solid"/>
+                      <a:round/>
+                      <a:headEnd type="none" w="med" len="med"/>
+                      <a:tailEnd type="none" w="med" len="med"/>
+                    </a:lnL>
+                    <a:lnR w="12700" cap="flat" cmpd="sng" algn="ctr">
+                      <a:solidFill>
+                        <a:schemeClr val="tx1"/>
+                      </a:solidFill>
+                      <a:prstDash val="solid"/>
+                      <a:round/>
+                      <a:headEnd type="none" w="med" len="med"/>
+                      <a:tailEnd type="none" w="med" len="med"/>
+                    </a:lnR>
+                    <a:lnT w="12700" cap="flat" cmpd="sng" algn="ctr">
+                      <a:solidFill>
+                        <a:schemeClr val="tx1"/>
+                      </a:solidFill>
+                      <a:prstDash val="solid"/>
+                      <a:round/>
+                      <a:headEnd type="none" w="med" len="med"/>
+                      <a:tailEnd type="none" w="med" len="med"/>
+                    </a:lnT>
+                    <a:lnB w="12700" cap="flat" cmpd="sng" algn="ctr">
+                      <a:solidFill>
+                        <a:schemeClr val="tx1"/>
+                      </a:solidFill>
+                      <a:prstDash val="solid"/>
+                      <a:round/>
+                      <a:headEnd type="none" w="med" len="med"/>
+                      <a:tailEnd type="none" w="med" len="med"/>
+                    </a:lnB>
+                  </a:tcPr>
+                </a:tc>
+                <a:extLst>
+                  <a:ext uri="{0D108BD9-81ED-4DB2-BD59-A6C34878D82A}">
+                    <a16:rowId xmlns:a16="http://schemas.microsoft.com/office/drawing/2014/main" val="3203399435"/>
+                  </a:ext>
+                </a:extLst>
+              </a:tr>
+              <a:tr h="515913">
+                <a:tc>
+                  <a:txBody>
+                    <a:bodyPr/>
+                    <a:lstStyle/>
+                    <a:p>
+                      <a:endParaRPr lang="en-US" dirty="0"/>
+                    </a:p>
+                  </a:txBody>
+                  <a:tcPr>
+                    <a:lnL w="12700" cap="flat" cmpd="sng" algn="ctr">
+                      <a:solidFill>
+                        <a:schemeClr val="tx1"/>
+                      </a:solidFill>
+                      <a:prstDash val="solid"/>
+                      <a:round/>
+                      <a:headEnd type="none" w="med" len="med"/>
+                      <a:tailEnd type="none" w="med" len="med"/>
+                    </a:lnL>
+                    <a:lnR w="12700" cap="flat" cmpd="sng" algn="ctr">
+                      <a:solidFill>
+                        <a:schemeClr val="tx1"/>
+                      </a:solidFill>
+                      <a:prstDash val="solid"/>
+                      <a:round/>
+                      <a:headEnd type="none" w="med" len="med"/>
+                      <a:tailEnd type="none" w="med" len="med"/>
+                    </a:lnR>
+                    <a:lnT w="12700" cap="flat" cmpd="sng" algn="ctr">
+                      <a:solidFill>
+                        <a:schemeClr val="tx1"/>
+                      </a:solidFill>
+                      <a:prstDash val="solid"/>
+                      <a:round/>
+                      <a:headEnd type="none" w="med" len="med"/>
+                      <a:tailEnd type="none" w="med" len="med"/>
+                    </a:lnT>
+                    <a:lnB w="12700" cap="flat" cmpd="sng" algn="ctr">
+                      <a:solidFill>
+                        <a:schemeClr val="tx1"/>
+                      </a:solidFill>
+                      <a:prstDash val="solid"/>
+                      <a:round/>
+                      <a:headEnd type="none" w="med" len="med"/>
+                      <a:tailEnd type="none" w="med" len="med"/>
+                    </a:lnB>
+                  </a:tcPr>
+                </a:tc>
+                <a:tc>
+                  <a:txBody>
+                    <a:bodyPr/>
+                    <a:lstStyle/>
+                    <a:p>
+                      <a:endParaRPr lang="en-US"/>
+                    </a:p>
+                  </a:txBody>
+                  <a:tcPr>
+                    <a:lnL w="12700" cap="flat" cmpd="sng" algn="ctr">
+                      <a:solidFill>
+                        <a:schemeClr val="tx1"/>
+                      </a:solidFill>
+                      <a:prstDash val="solid"/>
+                      <a:round/>
+                      <a:headEnd type="none" w="med" len="med"/>
+                      <a:tailEnd type="none" w="med" len="med"/>
+                    </a:lnL>
+                    <a:lnR w="12700" cap="flat" cmpd="sng" algn="ctr">
+                      <a:solidFill>
+                        <a:schemeClr val="tx1"/>
+                      </a:solidFill>
+                      <a:prstDash val="solid"/>
+                      <a:round/>
+                      <a:headEnd type="none" w="med" len="med"/>
+                      <a:tailEnd type="none" w="med" len="med"/>
+                    </a:lnR>
+                    <a:lnT w="12700" cap="flat" cmpd="sng" algn="ctr">
+                      <a:solidFill>
+                        <a:schemeClr val="tx1"/>
+                      </a:solidFill>
+                      <a:prstDash val="solid"/>
+                      <a:round/>
+                      <a:headEnd type="none" w="med" len="med"/>
+                      <a:tailEnd type="none" w="med" len="med"/>
+                    </a:lnT>
+                    <a:lnB w="12700" cap="flat" cmpd="sng" algn="ctr">
+                      <a:solidFill>
+                        <a:schemeClr val="tx1"/>
+                      </a:solidFill>
+                      <a:prstDash val="solid"/>
+                      <a:round/>
+                      <a:headEnd type="none" w="med" len="med"/>
+                      <a:tailEnd type="none" w="med" len="med"/>
+                    </a:lnB>
+                  </a:tcPr>
+                </a:tc>
+                <a:tc>
+                  <a:txBody>
+                    <a:bodyPr/>
+                    <a:lstStyle/>
+                    <a:p>
+                      <a:endParaRPr lang="en-US"/>
+                    </a:p>
+                  </a:txBody>
+                  <a:tcPr>
+                    <a:lnL w="12700" cap="flat" cmpd="sng" algn="ctr">
+                      <a:solidFill>
+                        <a:schemeClr val="tx1"/>
+                      </a:solidFill>
+                      <a:prstDash val="solid"/>
+                      <a:round/>
+                      <a:headEnd type="none" w="med" len="med"/>
+                      <a:tailEnd type="none" w="med" len="med"/>
+                    </a:lnL>
+                    <a:lnR w="12700" cap="flat" cmpd="sng" algn="ctr">
+                      <a:solidFill>
+                        <a:schemeClr val="tx1"/>
+                      </a:solidFill>
+                      <a:prstDash val="solid"/>
+                      <a:round/>
+                      <a:headEnd type="none" w="med" len="med"/>
+                      <a:tailEnd type="none" w="med" len="med"/>
+                    </a:lnR>
+                    <a:lnT w="12700" cap="flat" cmpd="sng" algn="ctr">
+                      <a:solidFill>
+                        <a:schemeClr val="tx1"/>
+                      </a:solidFill>
+                      <a:prstDash val="solid"/>
+                      <a:round/>
+                      <a:headEnd type="none" w="med" len="med"/>
+                      <a:tailEnd type="none" w="med" len="med"/>
+                    </a:lnT>
+                    <a:lnB w="12700" cap="flat" cmpd="sng" algn="ctr">
+                      <a:solidFill>
+                        <a:schemeClr val="tx1"/>
+                      </a:solidFill>
+                      <a:prstDash val="solid"/>
+                      <a:round/>
+                      <a:headEnd type="none" w="med" len="med"/>
+                      <a:tailEnd type="none" w="med" len="med"/>
+                    </a:lnB>
+                  </a:tcPr>
+                </a:tc>
+                <a:tc>
+                  <a:txBody>
+                    <a:bodyPr/>
+                    <a:lstStyle/>
+                    <a:p>
+                      <a:endParaRPr lang="en-US"/>
+                    </a:p>
+                  </a:txBody>
+                  <a:tcPr>
+                    <a:lnL w="12700" cap="flat" cmpd="sng" algn="ctr">
+                      <a:solidFill>
+                        <a:schemeClr val="tx1"/>
+                      </a:solidFill>
+                      <a:prstDash val="solid"/>
+                      <a:round/>
+                      <a:headEnd type="none" w="med" len="med"/>
+                      <a:tailEnd type="none" w="med" len="med"/>
+                    </a:lnL>
+                    <a:lnR w="12700" cap="flat" cmpd="sng" algn="ctr">
+                      <a:solidFill>
+                        <a:schemeClr val="tx1"/>
+                      </a:solidFill>
+                      <a:prstDash val="solid"/>
+                      <a:round/>
+                      <a:headEnd type="none" w="med" len="med"/>
+                      <a:tailEnd type="none" w="med" len="med"/>
+                    </a:lnR>
+                    <a:lnT w="12700" cap="flat" cmpd="sng" algn="ctr">
+                      <a:solidFill>
+                        <a:schemeClr val="tx1"/>
+                      </a:solidFill>
+                      <a:prstDash val="solid"/>
+                      <a:round/>
+                      <a:headEnd type="none" w="med" len="med"/>
+                      <a:tailEnd type="none" w="med" len="med"/>
+                    </a:lnT>
+                    <a:lnB w="12700" cap="flat" cmpd="sng" algn="ctr">
+                      <a:solidFill>
+                        <a:schemeClr val="tx1"/>
+                      </a:solidFill>
+                      <a:prstDash val="solid"/>
+                      <a:round/>
+                      <a:headEnd type="none" w="med" len="med"/>
+                      <a:tailEnd type="none" w="med" len="med"/>
+                    </a:lnB>
+                  </a:tcPr>
+                </a:tc>
+                <a:tc>
+                  <a:txBody>
+                    <a:bodyPr/>
+                    <a:lstStyle/>
+                    <a:p>
+                      <a:endParaRPr lang="en-US"/>
+                    </a:p>
+                  </a:txBody>
+                  <a:tcPr>
+                    <a:lnL w="12700" cap="flat" cmpd="sng" algn="ctr">
+                      <a:solidFill>
+                        <a:schemeClr val="tx1"/>
+                      </a:solidFill>
+                      <a:prstDash val="solid"/>
+                      <a:round/>
+                      <a:headEnd type="none" w="med" len="med"/>
+                      <a:tailEnd type="none" w="med" len="med"/>
+                    </a:lnL>
+                    <a:lnR w="12700" cap="flat" cmpd="sng" algn="ctr">
+                      <a:solidFill>
+                        <a:schemeClr val="tx1"/>
+                      </a:solidFill>
+                      <a:prstDash val="solid"/>
+                      <a:round/>
+                      <a:headEnd type="none" w="med" len="med"/>
+                      <a:tailEnd type="none" w="med" len="med"/>
+                    </a:lnR>
+                    <a:lnT w="12700" cap="flat" cmpd="sng" algn="ctr">
+                      <a:solidFill>
+                        <a:schemeClr val="tx1"/>
+                      </a:solidFill>
+                      <a:prstDash val="solid"/>
+                      <a:round/>
+                      <a:headEnd type="none" w="med" len="med"/>
+                      <a:tailEnd type="none" w="med" len="med"/>
+                    </a:lnT>
+                    <a:lnB w="12700" cap="flat" cmpd="sng" algn="ctr">
+                      <a:solidFill>
+                        <a:schemeClr val="tx1"/>
+                      </a:solidFill>
+                      <a:prstDash val="solid"/>
+                      <a:round/>
+                      <a:headEnd type="none" w="med" len="med"/>
+                      <a:tailEnd type="none" w="med" len="med"/>
+                    </a:lnB>
+                  </a:tcPr>
+                </a:tc>
+                <a:tc>
+                  <a:txBody>
+                    <a:bodyPr/>
+                    <a:lstStyle/>
+                    <a:p>
+                      <a:endParaRPr lang="en-US"/>
+                    </a:p>
+                  </a:txBody>
+                  <a:tcPr>
+                    <a:lnL w="12700" cap="flat" cmpd="sng" algn="ctr">
+                      <a:solidFill>
+                        <a:schemeClr val="tx1"/>
+                      </a:solidFill>
+                      <a:prstDash val="solid"/>
+                      <a:round/>
+                      <a:headEnd type="none" w="med" len="med"/>
+                      <a:tailEnd type="none" w="med" len="med"/>
+                    </a:lnL>
+                    <a:lnR w="12700" cap="flat" cmpd="sng" algn="ctr">
+                      <a:solidFill>
+                        <a:schemeClr val="tx1"/>
+                      </a:solidFill>
+                      <a:prstDash val="solid"/>
+                      <a:round/>
+                      <a:headEnd type="none" w="med" len="med"/>
+                      <a:tailEnd type="none" w="med" len="med"/>
+                    </a:lnR>
+                    <a:lnT w="12700" cap="flat" cmpd="sng" algn="ctr">
+                      <a:solidFill>
+                        <a:schemeClr val="tx1"/>
+                      </a:solidFill>
+                      <a:prstDash val="solid"/>
+                      <a:round/>
+                      <a:headEnd type="none" w="med" len="med"/>
+                      <a:tailEnd type="none" w="med" len="med"/>
+                    </a:lnT>
+                    <a:lnB w="12700" cap="flat" cmpd="sng" algn="ctr">
+                      <a:solidFill>
+                        <a:schemeClr val="tx1"/>
+                      </a:solidFill>
+                      <a:prstDash val="solid"/>
+                      <a:round/>
+                      <a:headEnd type="none" w="med" len="med"/>
+                      <a:tailEnd type="none" w="med" len="med"/>
+                    </a:lnB>
+                  </a:tcPr>
+                </a:tc>
+                <a:tc>
+                  <a:txBody>
+                    <a:bodyPr/>
+                    <a:lstStyle/>
+                    <a:p>
+                      <a:endParaRPr lang="en-US"/>
+                    </a:p>
+                  </a:txBody>
+                  <a:tcPr>
+                    <a:lnL w="12700" cap="flat" cmpd="sng" algn="ctr">
+                      <a:solidFill>
+                        <a:schemeClr val="tx1"/>
+                      </a:solidFill>
+                      <a:prstDash val="solid"/>
+                      <a:round/>
+                      <a:headEnd type="none" w="med" len="med"/>
+                      <a:tailEnd type="none" w="med" len="med"/>
+                    </a:lnL>
+                    <a:lnR w="12700" cap="flat" cmpd="sng" algn="ctr">
+                      <a:solidFill>
+                        <a:schemeClr val="tx1"/>
+                      </a:solidFill>
+                      <a:prstDash val="solid"/>
+                      <a:round/>
+                      <a:headEnd type="none" w="med" len="med"/>
+                      <a:tailEnd type="none" w="med" len="med"/>
+                    </a:lnR>
+                    <a:lnT w="12700" cap="flat" cmpd="sng" algn="ctr">
+                      <a:solidFill>
+                        <a:schemeClr val="tx1"/>
+                      </a:solidFill>
+                      <a:prstDash val="solid"/>
+                      <a:round/>
+                      <a:headEnd type="none" w="med" len="med"/>
+                      <a:tailEnd type="none" w="med" len="med"/>
+                    </a:lnT>
+                    <a:lnB w="12700" cap="flat" cmpd="sng" algn="ctr">
+                      <a:solidFill>
+                        <a:schemeClr val="tx1"/>
+                      </a:solidFill>
+                      <a:prstDash val="solid"/>
+                      <a:round/>
+                      <a:headEnd type="none" w="med" len="med"/>
+                      <a:tailEnd type="none" w="med" len="med"/>
+                    </a:lnB>
+                  </a:tcPr>
+                </a:tc>
+                <a:tc>
+                  <a:txBody>
+                    <a:bodyPr/>
+                    <a:lstStyle/>
+                    <a:p>
+                      <a:endParaRPr lang="en-US"/>
+                    </a:p>
+                  </a:txBody>
+                  <a:tcPr>
+                    <a:lnL w="12700" cap="flat" cmpd="sng" algn="ctr">
+                      <a:solidFill>
+                        <a:schemeClr val="tx1"/>
+                      </a:solidFill>
+                      <a:prstDash val="solid"/>
+                      <a:round/>
+                      <a:headEnd type="none" w="med" len="med"/>
+                      <a:tailEnd type="none" w="med" len="med"/>
+                    </a:lnL>
+                    <a:lnR w="12700" cap="flat" cmpd="sng" algn="ctr">
+                      <a:solidFill>
+                        <a:schemeClr val="tx1"/>
+                      </a:solidFill>
+                      <a:prstDash val="solid"/>
+                      <a:round/>
+                      <a:headEnd type="none" w="med" len="med"/>
+                      <a:tailEnd type="none" w="med" len="med"/>
+                    </a:lnR>
+                    <a:lnT w="12700" cap="flat" cmpd="sng" algn="ctr">
+                      <a:solidFill>
+                        <a:schemeClr val="tx1"/>
+                      </a:solidFill>
+                      <a:prstDash val="solid"/>
+                      <a:round/>
+                      <a:headEnd type="none" w="med" len="med"/>
+                      <a:tailEnd type="none" w="med" len="med"/>
+                    </a:lnT>
+                    <a:lnB w="12700" cap="flat" cmpd="sng" algn="ctr">
+                      <a:solidFill>
+                        <a:schemeClr val="tx1"/>
+                      </a:solidFill>
+                      <a:prstDash val="solid"/>
+                      <a:round/>
+                      <a:headEnd type="none" w="med" len="med"/>
+                      <a:tailEnd type="none" w="med" len="med"/>
+                    </a:lnB>
+                  </a:tcPr>
+                </a:tc>
+                <a:extLst>
+                  <a:ext uri="{0D108BD9-81ED-4DB2-BD59-A6C34878D82A}">
+                    <a16:rowId xmlns:a16="http://schemas.microsoft.com/office/drawing/2014/main" val="3273172485"/>
+                  </a:ext>
+                </a:extLst>
+              </a:tr>
+              <a:tr h="515913">
+                <a:tc>
+                  <a:txBody>
+                    <a:bodyPr/>
+                    <a:lstStyle/>
+                    <a:p>
+                      <a:endParaRPr lang="en-US"/>
+                    </a:p>
+                  </a:txBody>
+                  <a:tcPr>
+                    <a:lnL w="12700" cap="flat" cmpd="sng" algn="ctr">
+                      <a:solidFill>
+                        <a:schemeClr val="tx1"/>
+                      </a:solidFill>
+                      <a:prstDash val="solid"/>
+                      <a:round/>
+                      <a:headEnd type="none" w="med" len="med"/>
+                      <a:tailEnd type="none" w="med" len="med"/>
+                    </a:lnL>
+                    <a:lnR w="12700" cap="flat" cmpd="sng" algn="ctr">
+                      <a:solidFill>
+                        <a:schemeClr val="tx1"/>
+                      </a:solidFill>
+                      <a:prstDash val="solid"/>
+                      <a:round/>
+                      <a:headEnd type="none" w="med" len="med"/>
+                      <a:tailEnd type="none" w="med" len="med"/>
+                    </a:lnR>
+                    <a:lnT w="12700" cap="flat" cmpd="sng" algn="ctr">
+                      <a:solidFill>
+                        <a:schemeClr val="tx1"/>
+                      </a:solidFill>
+                      <a:prstDash val="solid"/>
+                      <a:round/>
+                      <a:headEnd type="none" w="med" len="med"/>
+                      <a:tailEnd type="none" w="med" len="med"/>
+                    </a:lnT>
+                    <a:lnB w="12700" cap="flat" cmpd="sng" algn="ctr">
+                      <a:solidFill>
+                        <a:schemeClr val="tx1"/>
+                      </a:solidFill>
+                      <a:prstDash val="solid"/>
+                      <a:round/>
+                      <a:headEnd type="none" w="med" len="med"/>
+                      <a:tailEnd type="none" w="med" len="med"/>
+                    </a:lnB>
+                  </a:tcPr>
+                </a:tc>
+                <a:tc>
+                  <a:txBody>
+                    <a:bodyPr/>
+                    <a:lstStyle/>
+                    <a:p>
+                      <a:endParaRPr lang="en-US"/>
+                    </a:p>
+                  </a:txBody>
+                  <a:tcPr>
+                    <a:lnL w="12700" cap="flat" cmpd="sng" algn="ctr">
+                      <a:solidFill>
+                        <a:schemeClr val="tx1"/>
+                      </a:solidFill>
+                      <a:prstDash val="solid"/>
+                      <a:round/>
+                      <a:headEnd type="none" w="med" len="med"/>
+                      <a:tailEnd type="none" w="med" len="med"/>
+                    </a:lnL>
+                    <a:lnR w="12700" cap="flat" cmpd="sng" algn="ctr">
+                      <a:solidFill>
+                        <a:schemeClr val="tx1"/>
+                      </a:solidFill>
+                      <a:prstDash val="solid"/>
+                      <a:round/>
+                      <a:headEnd type="none" w="med" len="med"/>
+                      <a:tailEnd type="none" w="med" len="med"/>
+                    </a:lnR>
+                    <a:lnT w="12700" cap="flat" cmpd="sng" algn="ctr">
+                      <a:solidFill>
+                        <a:schemeClr val="tx1"/>
+                      </a:solidFill>
+                      <a:prstDash val="solid"/>
+                      <a:round/>
+                      <a:headEnd type="none" w="med" len="med"/>
+                      <a:tailEnd type="none" w="med" len="med"/>
+                    </a:lnT>
+                    <a:lnB w="12700" cap="flat" cmpd="sng" algn="ctr">
+                      <a:solidFill>
+                        <a:schemeClr val="tx1"/>
+                      </a:solidFill>
+                      <a:prstDash val="solid"/>
+                      <a:round/>
+                      <a:headEnd type="none" w="med" len="med"/>
+                      <a:tailEnd type="none" w="med" len="med"/>
+                    </a:lnB>
+                  </a:tcPr>
+                </a:tc>
+                <a:tc>
+                  <a:txBody>
+                    <a:bodyPr/>
+                    <a:lstStyle/>
+                    <a:p>
+                      <a:endParaRPr lang="en-US"/>
+                    </a:p>
+                  </a:txBody>
+                  <a:tcPr>
+                    <a:lnL w="12700" cap="flat" cmpd="sng" algn="ctr">
+                      <a:solidFill>
+                        <a:schemeClr val="tx1"/>
+                      </a:solidFill>
+                      <a:prstDash val="solid"/>
+                      <a:round/>
+                      <a:headEnd type="none" w="med" len="med"/>
+                      <a:tailEnd type="none" w="med" len="med"/>
+                    </a:lnL>
+                    <a:lnR w="12700" cap="flat" cmpd="sng" algn="ctr">
+                      <a:solidFill>
+                        <a:schemeClr val="tx1"/>
+                      </a:solidFill>
+                      <a:prstDash val="solid"/>
+                      <a:round/>
+                      <a:headEnd type="none" w="med" len="med"/>
+                      <a:tailEnd type="none" w="med" len="med"/>
+                    </a:lnR>
+                    <a:lnT w="12700" cap="flat" cmpd="sng" algn="ctr">
+                      <a:solidFill>
+                        <a:schemeClr val="tx1"/>
+                      </a:solidFill>
+                      <a:prstDash val="solid"/>
+                      <a:round/>
+                      <a:headEnd type="none" w="med" len="med"/>
+                      <a:tailEnd type="none" w="med" len="med"/>
+                    </a:lnT>
+                    <a:lnB w="12700" cap="flat" cmpd="sng" algn="ctr">
+                      <a:solidFill>
+                        <a:schemeClr val="tx1"/>
+                      </a:solidFill>
+                      <a:prstDash val="solid"/>
+                      <a:round/>
+                      <a:headEnd type="none" w="med" len="med"/>
+                      <a:tailEnd type="none" w="med" len="med"/>
+                    </a:lnB>
+                  </a:tcPr>
+                </a:tc>
+                <a:tc>
+                  <a:txBody>
+                    <a:bodyPr/>
+                    <a:lstStyle/>
+                    <a:p>
+                      <a:endParaRPr lang="en-US"/>
+                    </a:p>
+                  </a:txBody>
+                  <a:tcPr>
+                    <a:lnL w="12700" cap="flat" cmpd="sng" algn="ctr">
+                      <a:solidFill>
+                        <a:schemeClr val="tx1"/>
+                      </a:solidFill>
+                      <a:prstDash val="solid"/>
+                      <a:round/>
+                      <a:headEnd type="none" w="med" len="med"/>
+                      <a:tailEnd type="none" w="med" len="med"/>
+                    </a:lnL>
+                    <a:lnR w="12700" cap="flat" cmpd="sng" algn="ctr">
+                      <a:solidFill>
+                        <a:schemeClr val="tx1"/>
+                      </a:solidFill>
+                      <a:prstDash val="solid"/>
+                      <a:round/>
+                      <a:headEnd type="none" w="med" len="med"/>
+                      <a:tailEnd type="none" w="med" len="med"/>
+                    </a:lnR>
+                    <a:lnT w="12700" cap="flat" cmpd="sng" algn="ctr">
+                      <a:solidFill>
+                        <a:schemeClr val="tx1"/>
+                      </a:solidFill>
+                      <a:prstDash val="solid"/>
+                      <a:round/>
+                      <a:headEnd type="none" w="med" len="med"/>
+                      <a:tailEnd type="none" w="med" len="med"/>
+                    </a:lnT>
+                    <a:lnB w="12700" cap="flat" cmpd="sng" algn="ctr">
+                      <a:solidFill>
+                        <a:schemeClr val="tx1"/>
+                      </a:solidFill>
+                      <a:prstDash val="solid"/>
+                      <a:round/>
+                      <a:headEnd type="none" w="med" len="med"/>
+                      <a:tailEnd type="none" w="med" len="med"/>
+                    </a:lnB>
+                  </a:tcPr>
+                </a:tc>
+                <a:tc>
+                  <a:txBody>
+                    <a:bodyPr/>
+                    <a:lstStyle/>
+                    <a:p>
+                      <a:endParaRPr lang="en-US"/>
+                    </a:p>
+                  </a:txBody>
+                  <a:tcPr>
+                    <a:lnL w="12700" cap="flat" cmpd="sng" algn="ctr">
+                      <a:solidFill>
+                        <a:schemeClr val="tx1"/>
+                      </a:solidFill>
+                      <a:prstDash val="solid"/>
+                      <a:round/>
+                      <a:headEnd type="none" w="med" len="med"/>
+                      <a:tailEnd type="none" w="med" len="med"/>
+                    </a:lnL>
+                    <a:lnR w="12700" cap="flat" cmpd="sng" algn="ctr">
+                      <a:solidFill>
+                        <a:schemeClr val="tx1"/>
+                      </a:solidFill>
+                      <a:prstDash val="solid"/>
+                      <a:round/>
+                      <a:headEnd type="none" w="med" len="med"/>
+                      <a:tailEnd type="none" w="med" len="med"/>
+                    </a:lnR>
+                    <a:lnT w="12700" cap="flat" cmpd="sng" algn="ctr">
+                      <a:solidFill>
+                        <a:schemeClr val="tx1"/>
+                      </a:solidFill>
+                      <a:prstDash val="solid"/>
+                      <a:round/>
+                      <a:headEnd type="none" w="med" len="med"/>
+                      <a:tailEnd type="none" w="med" len="med"/>
+                    </a:lnT>
+                    <a:lnB w="12700" cap="flat" cmpd="sng" algn="ctr">
+                      <a:solidFill>
+                        <a:schemeClr val="tx1"/>
+                      </a:solidFill>
+                      <a:prstDash val="solid"/>
+                      <a:round/>
+                      <a:headEnd type="none" w="med" len="med"/>
+                      <a:tailEnd type="none" w="med" len="med"/>
+                    </a:lnB>
+                  </a:tcPr>
+                </a:tc>
+                <a:tc>
+                  <a:txBody>
+                    <a:bodyPr/>
+                    <a:lstStyle/>
+                    <a:p>
+                      <a:endParaRPr lang="en-US"/>
+                    </a:p>
+                  </a:txBody>
+                  <a:tcPr>
+                    <a:lnL w="12700" cap="flat" cmpd="sng" algn="ctr">
+                      <a:solidFill>
+                        <a:schemeClr val="tx1"/>
+                      </a:solidFill>
+                      <a:prstDash val="solid"/>
+                      <a:round/>
+                      <a:headEnd type="none" w="med" len="med"/>
+                      <a:tailEnd type="none" w="med" len="med"/>
+                    </a:lnL>
+                    <a:lnR w="12700" cap="flat" cmpd="sng" algn="ctr">
+                      <a:solidFill>
+                        <a:schemeClr val="tx1"/>
+                      </a:solidFill>
+                      <a:prstDash val="solid"/>
+                      <a:round/>
+                      <a:headEnd type="none" w="med" len="med"/>
+                      <a:tailEnd type="none" w="med" len="med"/>
+                    </a:lnR>
+                    <a:lnT w="12700" cap="flat" cmpd="sng" algn="ctr">
+                      <a:solidFill>
+                        <a:schemeClr val="tx1"/>
+                      </a:solidFill>
+                      <a:prstDash val="solid"/>
+                      <a:round/>
+                      <a:headEnd type="none" w="med" len="med"/>
+                      <a:tailEnd type="none" w="med" len="med"/>
+                    </a:lnT>
+                    <a:lnB w="12700" cap="flat" cmpd="sng" algn="ctr">
+                      <a:solidFill>
+                        <a:schemeClr val="tx1"/>
+                      </a:solidFill>
+                      <a:prstDash val="solid"/>
+                      <a:round/>
+                      <a:headEnd type="none" w="med" len="med"/>
+                      <a:tailEnd type="none" w="med" len="med"/>
+                    </a:lnB>
+                  </a:tcPr>
+                </a:tc>
+                <a:tc>
+                  <a:txBody>
+                    <a:bodyPr/>
+                    <a:lstStyle/>
+                    <a:p>
+                      <a:endParaRPr lang="en-US"/>
+                    </a:p>
+                  </a:txBody>
+                  <a:tcPr>
+                    <a:lnL w="12700" cap="flat" cmpd="sng" algn="ctr">
+                      <a:solidFill>
+                        <a:schemeClr val="tx1"/>
+                      </a:solidFill>
+                      <a:prstDash val="solid"/>
+                      <a:round/>
+                      <a:headEnd type="none" w="med" len="med"/>
+                      <a:tailEnd type="none" w="med" len="med"/>
+                    </a:lnL>
+                    <a:lnR w="12700" cap="flat" cmpd="sng" algn="ctr">
+                      <a:solidFill>
+                        <a:schemeClr val="tx1"/>
+                      </a:solidFill>
+                      <a:prstDash val="solid"/>
+                      <a:round/>
+                      <a:headEnd type="none" w="med" len="med"/>
+                      <a:tailEnd type="none" w="med" len="med"/>
+                    </a:lnR>
+                    <a:lnT w="12700" cap="flat" cmpd="sng" algn="ctr">
+                      <a:solidFill>
+                        <a:schemeClr val="tx1"/>
+                      </a:solidFill>
+                      <a:prstDash val="solid"/>
+                      <a:round/>
+                      <a:headEnd type="none" w="med" len="med"/>
+                      <a:tailEnd type="none" w="med" len="med"/>
+                    </a:lnT>
+                    <a:lnB w="12700" cap="flat" cmpd="sng" algn="ctr">
+                      <a:solidFill>
+                        <a:schemeClr val="tx1"/>
+                      </a:solidFill>
+                      <a:prstDash val="solid"/>
+                      <a:round/>
+                      <a:headEnd type="none" w="med" len="med"/>
+                      <a:tailEnd type="none" w="med" len="med"/>
+                    </a:lnB>
+                  </a:tcPr>
+                </a:tc>
+                <a:tc>
+                  <a:txBody>
+                    <a:bodyPr/>
+                    <a:lstStyle/>
+                    <a:p>
+                      <a:endParaRPr lang="en-US"/>
+                    </a:p>
+                  </a:txBody>
+                  <a:tcPr>
+                    <a:lnL w="12700" cap="flat" cmpd="sng" algn="ctr">
+                      <a:solidFill>
+                        <a:schemeClr val="tx1"/>
+                      </a:solidFill>
+                      <a:prstDash val="solid"/>
+                      <a:round/>
+                      <a:headEnd type="none" w="med" len="med"/>
+                      <a:tailEnd type="none" w="med" len="med"/>
+                    </a:lnL>
+                    <a:lnR w="12700" cap="flat" cmpd="sng" algn="ctr">
+                      <a:solidFill>
+                        <a:schemeClr val="tx1"/>
+                      </a:solidFill>
+                      <a:prstDash val="solid"/>
+                      <a:round/>
+                      <a:headEnd type="none" w="med" len="med"/>
+                      <a:tailEnd type="none" w="med" len="med"/>
+                    </a:lnR>
+                    <a:lnT w="12700" cap="flat" cmpd="sng" algn="ctr">
+                      <a:solidFill>
+                        <a:schemeClr val="tx1"/>
+                      </a:solidFill>
+                      <a:prstDash val="solid"/>
+                      <a:round/>
+                      <a:headEnd type="none" w="med" len="med"/>
+                      <a:tailEnd type="none" w="med" len="med"/>
+                    </a:lnT>
+                    <a:lnB w="12700" cap="flat" cmpd="sng" algn="ctr">
+                      <a:solidFill>
+                        <a:schemeClr val="tx1"/>
+                      </a:solidFill>
+                      <a:prstDash val="solid"/>
+                      <a:round/>
+                      <a:headEnd type="none" w="med" len="med"/>
+                      <a:tailEnd type="none" w="med" len="med"/>
+                    </a:lnB>
+                  </a:tcPr>
+                </a:tc>
+                <a:extLst>
+                  <a:ext uri="{0D108BD9-81ED-4DB2-BD59-A6C34878D82A}">
+                    <a16:rowId xmlns:a16="http://schemas.microsoft.com/office/drawing/2014/main" val="875759885"/>
+                  </a:ext>
+                </a:extLst>
+              </a:tr>
+              <a:tr h="515913">
+                <a:tc>
+                  <a:txBody>
+                    <a:bodyPr/>
+                    <a:lstStyle/>
+                    <a:p>
+                      <a:endParaRPr lang="en-US"/>
+                    </a:p>
+                  </a:txBody>
+                  <a:tcPr>
+                    <a:lnL w="12700" cap="flat" cmpd="sng" algn="ctr">
+                      <a:solidFill>
+                        <a:schemeClr val="tx1"/>
+                      </a:solidFill>
+                      <a:prstDash val="solid"/>
+                      <a:round/>
+                      <a:headEnd type="none" w="med" len="med"/>
+                      <a:tailEnd type="none" w="med" len="med"/>
+                    </a:lnL>
+                    <a:lnR w="12700" cap="flat" cmpd="sng" algn="ctr">
+                      <a:solidFill>
+                        <a:schemeClr val="tx1"/>
+                      </a:solidFill>
+                      <a:prstDash val="solid"/>
+                      <a:round/>
+                      <a:headEnd type="none" w="med" len="med"/>
+                      <a:tailEnd type="none" w="med" len="med"/>
+                    </a:lnR>
+                    <a:lnT w="12700" cap="flat" cmpd="sng" algn="ctr">
+                      <a:solidFill>
+                        <a:schemeClr val="tx1"/>
+                      </a:solidFill>
+                      <a:prstDash val="solid"/>
+                      <a:round/>
+                      <a:headEnd type="none" w="med" len="med"/>
+                      <a:tailEnd type="none" w="med" len="med"/>
+                    </a:lnT>
+                    <a:lnB w="12700" cap="flat" cmpd="sng" algn="ctr">
+                      <a:solidFill>
+                        <a:schemeClr val="tx1"/>
+                      </a:solidFill>
+                      <a:prstDash val="solid"/>
+                      <a:round/>
+                      <a:headEnd type="none" w="med" len="med"/>
+                      <a:tailEnd type="none" w="med" len="med"/>
+                    </a:lnB>
+                  </a:tcPr>
+                </a:tc>
+                <a:tc>
+                  <a:txBody>
+                    <a:bodyPr/>
+                    <a:lstStyle/>
+                    <a:p>
+                      <a:endParaRPr lang="en-US"/>
+                    </a:p>
+                  </a:txBody>
+                  <a:tcPr>
+                    <a:lnL w="12700" cap="flat" cmpd="sng" algn="ctr">
+                      <a:solidFill>
+                        <a:schemeClr val="tx1"/>
+                      </a:solidFill>
+                      <a:prstDash val="solid"/>
+                      <a:round/>
+                      <a:headEnd type="none" w="med" len="med"/>
+                      <a:tailEnd type="none" w="med" len="med"/>
+                    </a:lnL>
+                    <a:lnR w="12700" cap="flat" cmpd="sng" algn="ctr">
+                      <a:solidFill>
+                        <a:schemeClr val="tx1"/>
+                      </a:solidFill>
+                      <a:prstDash val="solid"/>
+                      <a:round/>
+                      <a:headEnd type="none" w="med" len="med"/>
+                      <a:tailEnd type="none" w="med" len="med"/>
+                    </a:lnR>
+                    <a:lnT w="12700" cap="flat" cmpd="sng" algn="ctr">
+                      <a:solidFill>
+                        <a:schemeClr val="tx1"/>
+                      </a:solidFill>
+                      <a:prstDash val="solid"/>
+                      <a:round/>
+                      <a:headEnd type="none" w="med" len="med"/>
+                      <a:tailEnd type="none" w="med" len="med"/>
+                    </a:lnT>
+                    <a:lnB w="12700" cap="flat" cmpd="sng" algn="ctr">
+                      <a:solidFill>
+                        <a:schemeClr val="tx1"/>
+                      </a:solidFill>
+                      <a:prstDash val="solid"/>
+                      <a:round/>
+                      <a:headEnd type="none" w="med" len="med"/>
+                      <a:tailEnd type="none" w="med" len="med"/>
+                    </a:lnB>
+                  </a:tcPr>
+                </a:tc>
+                <a:tc>
+                  <a:txBody>
+                    <a:bodyPr/>
+                    <a:lstStyle/>
+                    <a:p>
+                      <a:endParaRPr lang="en-US"/>
+                    </a:p>
+                  </a:txBody>
+                  <a:tcPr>
+                    <a:lnL w="12700" cap="flat" cmpd="sng" algn="ctr">
+                      <a:solidFill>
+                        <a:schemeClr val="tx1"/>
+                      </a:solidFill>
+                      <a:prstDash val="solid"/>
+                      <a:round/>
+                      <a:headEnd type="none" w="med" len="med"/>
+                      <a:tailEnd type="none" w="med" len="med"/>
+                    </a:lnL>
+                    <a:lnR w="12700" cap="flat" cmpd="sng" algn="ctr">
+                      <a:solidFill>
+                        <a:schemeClr val="tx1"/>
+                      </a:solidFill>
+                      <a:prstDash val="solid"/>
+                      <a:round/>
+                      <a:headEnd type="none" w="med" len="med"/>
+                      <a:tailEnd type="none" w="med" len="med"/>
+                    </a:lnR>
+                    <a:lnT w="12700" cap="flat" cmpd="sng" algn="ctr">
+                      <a:solidFill>
+                        <a:schemeClr val="tx1"/>
+                      </a:solidFill>
+                      <a:prstDash val="solid"/>
+                      <a:round/>
+                      <a:headEnd type="none" w="med" len="med"/>
+                      <a:tailEnd type="none" w="med" len="med"/>
+                    </a:lnT>
+                    <a:lnB w="12700" cap="flat" cmpd="sng" algn="ctr">
+                      <a:solidFill>
+                        <a:schemeClr val="tx1"/>
+                      </a:solidFill>
+                      <a:prstDash val="solid"/>
+                      <a:round/>
+                      <a:headEnd type="none" w="med" len="med"/>
+                      <a:tailEnd type="none" w="med" len="med"/>
+                    </a:lnB>
+                  </a:tcPr>
+                </a:tc>
+                <a:tc>
+                  <a:txBody>
+                    <a:bodyPr/>
+                    <a:lstStyle/>
+                    <a:p>
+                      <a:endParaRPr lang="en-US"/>
+                    </a:p>
+                  </a:txBody>
+                  <a:tcPr>
+                    <a:lnL w="12700" cap="flat" cmpd="sng" algn="ctr">
+                      <a:solidFill>
+                        <a:schemeClr val="tx1"/>
+                      </a:solidFill>
+                      <a:prstDash val="solid"/>
+                      <a:round/>
+                      <a:headEnd type="none" w="med" len="med"/>
+                      <a:tailEnd type="none" w="med" len="med"/>
+                    </a:lnL>
+                    <a:lnR w="12700" cap="flat" cmpd="sng" algn="ctr">
+                      <a:solidFill>
+                        <a:schemeClr val="tx1"/>
+                      </a:solidFill>
+                      <a:prstDash val="solid"/>
+                      <a:round/>
+                      <a:headEnd type="none" w="med" len="med"/>
+                      <a:tailEnd type="none" w="med" len="med"/>
+                    </a:lnR>
+                    <a:lnT w="12700" cap="flat" cmpd="sng" algn="ctr">
+                      <a:solidFill>
+                        <a:schemeClr val="tx1"/>
+                      </a:solidFill>
+                      <a:prstDash val="solid"/>
+                      <a:round/>
+                      <a:headEnd type="none" w="med" len="med"/>
+                      <a:tailEnd type="none" w="med" len="med"/>
+                    </a:lnT>
+                    <a:lnB w="12700" cap="flat" cmpd="sng" algn="ctr">
+                      <a:solidFill>
+                        <a:schemeClr val="tx1"/>
+                      </a:solidFill>
+                      <a:prstDash val="solid"/>
+                      <a:round/>
+                      <a:headEnd type="none" w="med" len="med"/>
+                      <a:tailEnd type="none" w="med" len="med"/>
+                    </a:lnB>
+                  </a:tcPr>
+                </a:tc>
+                <a:tc>
+                  <a:txBody>
+                    <a:bodyPr/>
+                    <a:lstStyle/>
+                    <a:p>
+                      <a:endParaRPr lang="en-US"/>
+                    </a:p>
+                  </a:txBody>
+                  <a:tcPr>
+                    <a:lnL w="12700" cap="flat" cmpd="sng" algn="ctr">
+                      <a:solidFill>
+                        <a:schemeClr val="tx1"/>
+                      </a:solidFill>
+                      <a:prstDash val="solid"/>
+                      <a:round/>
+                      <a:headEnd type="none" w="med" len="med"/>
+                      <a:tailEnd type="none" w="med" len="med"/>
+                    </a:lnL>
+                    <a:lnR w="12700" cap="flat" cmpd="sng" algn="ctr">
+                      <a:solidFill>
+                        <a:schemeClr val="tx1"/>
+                      </a:solidFill>
+                      <a:prstDash val="solid"/>
+                      <a:round/>
+                      <a:headEnd type="none" w="med" len="med"/>
+                      <a:tailEnd type="none" w="med" len="med"/>
+                    </a:lnR>
+                    <a:lnT w="12700" cap="flat" cmpd="sng" algn="ctr">
+                      <a:solidFill>
+                        <a:schemeClr val="tx1"/>
+                      </a:solidFill>
+                      <a:prstDash val="solid"/>
+                      <a:round/>
+                      <a:headEnd type="none" w="med" len="med"/>
+                      <a:tailEnd type="none" w="med" len="med"/>
+                    </a:lnT>
+                    <a:lnB w="12700" cap="flat" cmpd="sng" algn="ctr">
+                      <a:solidFill>
+                        <a:schemeClr val="tx1"/>
+                      </a:solidFill>
+                      <a:prstDash val="solid"/>
+                      <a:round/>
+                      <a:headEnd type="none" w="med" len="med"/>
+                      <a:tailEnd type="none" w="med" len="med"/>
+                    </a:lnB>
+                  </a:tcPr>
+                </a:tc>
+                <a:tc>
+                  <a:txBody>
+                    <a:bodyPr/>
+                    <a:lstStyle/>
+                    <a:p>
+                      <a:endParaRPr lang="en-US"/>
+                    </a:p>
+                  </a:txBody>
+                  <a:tcPr>
+                    <a:lnL w="12700" cap="flat" cmpd="sng" algn="ctr">
+                      <a:solidFill>
+                        <a:schemeClr val="tx1"/>
+                      </a:solidFill>
+                      <a:prstDash val="solid"/>
+                      <a:round/>
+                      <a:headEnd type="none" w="med" len="med"/>
+                      <a:tailEnd type="none" w="med" len="med"/>
+                    </a:lnL>
+                    <a:lnR w="12700" cap="flat" cmpd="sng" algn="ctr">
+                      <a:solidFill>
+                        <a:schemeClr val="tx1"/>
+                      </a:solidFill>
+                      <a:prstDash val="solid"/>
+                      <a:round/>
+                      <a:headEnd type="none" w="med" len="med"/>
+                      <a:tailEnd type="none" w="med" len="med"/>
+                    </a:lnR>
+                    <a:lnT w="12700" cap="flat" cmpd="sng" algn="ctr">
+                      <a:solidFill>
+                        <a:schemeClr val="tx1"/>
+                      </a:solidFill>
+                      <a:prstDash val="solid"/>
+                      <a:round/>
+                      <a:headEnd type="none" w="med" len="med"/>
+                      <a:tailEnd type="none" w="med" len="med"/>
+                    </a:lnT>
+                    <a:lnB w="12700" cap="flat" cmpd="sng" algn="ctr">
+                      <a:solidFill>
+                        <a:schemeClr val="tx1"/>
+                      </a:solidFill>
+                      <a:prstDash val="solid"/>
+                      <a:round/>
+                      <a:headEnd type="none" w="med" len="med"/>
+                      <a:tailEnd type="none" w="med" len="med"/>
+                    </a:lnB>
+                  </a:tcPr>
+                </a:tc>
+                <a:tc>
+                  <a:txBody>
+                    <a:bodyPr/>
+                    <a:lstStyle/>
+                    <a:p>
+                      <a:endParaRPr lang="en-US"/>
+                    </a:p>
+                  </a:txBody>
+                  <a:tcPr>
+                    <a:lnL w="12700" cap="flat" cmpd="sng" algn="ctr">
+                      <a:solidFill>
+                        <a:schemeClr val="tx1"/>
+                      </a:solidFill>
+                      <a:prstDash val="solid"/>
+                      <a:round/>
+                      <a:headEnd type="none" w="med" len="med"/>
+                      <a:tailEnd type="none" w="med" len="med"/>
+                    </a:lnL>
+                    <a:lnR w="12700" cap="flat" cmpd="sng" algn="ctr">
+                      <a:solidFill>
+                        <a:schemeClr val="tx1"/>
+                      </a:solidFill>
+                      <a:prstDash val="solid"/>
+                      <a:round/>
+                      <a:headEnd type="none" w="med" len="med"/>
+                      <a:tailEnd type="none" w="med" len="med"/>
+                    </a:lnR>
+                    <a:lnT w="12700" cap="flat" cmpd="sng" algn="ctr">
+                      <a:solidFill>
+                        <a:schemeClr val="tx1"/>
+                      </a:solidFill>
+                      <a:prstDash val="solid"/>
+                      <a:round/>
+                      <a:headEnd type="none" w="med" len="med"/>
+                      <a:tailEnd type="none" w="med" len="med"/>
+                    </a:lnT>
+                    <a:lnB w="12700" cap="flat" cmpd="sng" algn="ctr">
+                      <a:solidFill>
+                        <a:schemeClr val="tx1"/>
+                      </a:solidFill>
+                      <a:prstDash val="solid"/>
+                      <a:round/>
+                      <a:headEnd type="none" w="med" len="med"/>
+                      <a:tailEnd type="none" w="med" len="med"/>
+                    </a:lnB>
+                  </a:tcPr>
+                </a:tc>
+                <a:tc>
+                  <a:txBody>
+                    <a:bodyPr/>
+                    <a:lstStyle/>
+                    <a:p>
+                      <a:endParaRPr lang="en-US"/>
+                    </a:p>
+                  </a:txBody>
+                  <a:tcPr>
+                    <a:lnL w="12700" cap="flat" cmpd="sng" algn="ctr">
+                      <a:solidFill>
+                        <a:schemeClr val="tx1"/>
+                      </a:solidFill>
+                      <a:prstDash val="solid"/>
+                      <a:round/>
+                      <a:headEnd type="none" w="med" len="med"/>
+                      <a:tailEnd type="none" w="med" len="med"/>
+                    </a:lnL>
+                    <a:lnR w="12700" cap="flat" cmpd="sng" algn="ctr">
+                      <a:solidFill>
+                        <a:schemeClr val="tx1"/>
+                      </a:solidFill>
+                      <a:prstDash val="solid"/>
+                      <a:round/>
+                      <a:headEnd type="none" w="med" len="med"/>
+                      <a:tailEnd type="none" w="med" len="med"/>
+                    </a:lnR>
+                    <a:lnT w="12700" cap="flat" cmpd="sng" algn="ctr">
+                      <a:solidFill>
+                        <a:schemeClr val="tx1"/>
+                      </a:solidFill>
+                      <a:prstDash val="solid"/>
+                      <a:round/>
+                      <a:headEnd type="none" w="med" len="med"/>
+                      <a:tailEnd type="none" w="med" len="med"/>
+                    </a:lnT>
+                    <a:lnB w="12700" cap="flat" cmpd="sng" algn="ctr">
+                      <a:solidFill>
+                        <a:schemeClr val="tx1"/>
+                      </a:solidFill>
+                      <a:prstDash val="solid"/>
+                      <a:round/>
+                      <a:headEnd type="none" w="med" len="med"/>
+                      <a:tailEnd type="none" w="med" len="med"/>
+                    </a:lnB>
+                  </a:tcPr>
+                </a:tc>
+                <a:extLst>
+                  <a:ext uri="{0D108BD9-81ED-4DB2-BD59-A6C34878D82A}">
+                    <a16:rowId xmlns:a16="http://schemas.microsoft.com/office/drawing/2014/main" val="3193106554"/>
+                  </a:ext>
+                </a:extLst>
+              </a:tr>
+              <a:tr h="515913">
+                <a:tc>
+                  <a:txBody>
+                    <a:bodyPr/>
+                    <a:lstStyle/>
+                    <a:p>
+                      <a:endParaRPr lang="en-US"/>
+                    </a:p>
+                  </a:txBody>
+                  <a:tcPr>
+                    <a:lnL w="12700" cap="flat" cmpd="sng" algn="ctr">
+                      <a:solidFill>
+                        <a:schemeClr val="tx1"/>
+                      </a:solidFill>
+                      <a:prstDash val="solid"/>
+                      <a:round/>
+                      <a:headEnd type="none" w="med" len="med"/>
+                      <a:tailEnd type="none" w="med" len="med"/>
+                    </a:lnL>
+                    <a:lnR w="12700" cap="flat" cmpd="sng" algn="ctr">
+                      <a:solidFill>
+                        <a:schemeClr val="tx1"/>
+                      </a:solidFill>
+                      <a:prstDash val="solid"/>
+                      <a:round/>
+                      <a:headEnd type="none" w="med" len="med"/>
+                      <a:tailEnd type="none" w="med" len="med"/>
+                    </a:lnR>
+                    <a:lnT w="12700" cap="flat" cmpd="sng" algn="ctr">
+                      <a:solidFill>
+                        <a:schemeClr val="tx1"/>
+                      </a:solidFill>
+                      <a:prstDash val="solid"/>
+                      <a:round/>
+                      <a:headEnd type="none" w="med" len="med"/>
+                      <a:tailEnd type="none" w="med" len="med"/>
+                    </a:lnT>
+                    <a:lnB w="12700" cap="flat" cmpd="sng" algn="ctr">
+                      <a:solidFill>
+                        <a:schemeClr val="tx1"/>
+                      </a:solidFill>
+                      <a:prstDash val="solid"/>
+                      <a:round/>
+                      <a:headEnd type="none" w="med" len="med"/>
+                      <a:tailEnd type="none" w="med" len="med"/>
+                    </a:lnB>
+                  </a:tcPr>
+                </a:tc>
+                <a:tc>
+                  <a:txBody>
+                    <a:bodyPr/>
+                    <a:lstStyle/>
+                    <a:p>
+                      <a:endParaRPr lang="en-US"/>
+                    </a:p>
+                  </a:txBody>
+                  <a:tcPr>
+                    <a:lnL w="12700" cap="flat" cmpd="sng" algn="ctr">
+                      <a:solidFill>
+                        <a:schemeClr val="tx1"/>
+                      </a:solidFill>
+                      <a:prstDash val="solid"/>
+                      <a:round/>
+                      <a:headEnd type="none" w="med" len="med"/>
+                      <a:tailEnd type="none" w="med" len="med"/>
+                    </a:lnL>
+                    <a:lnR w="12700" cap="flat" cmpd="sng" algn="ctr">
+                      <a:solidFill>
+                        <a:schemeClr val="tx1"/>
+                      </a:solidFill>
+                      <a:prstDash val="solid"/>
+                      <a:round/>
+                      <a:headEnd type="none" w="med" len="med"/>
+                      <a:tailEnd type="none" w="med" len="med"/>
+                    </a:lnR>
+                    <a:lnT w="12700" cap="flat" cmpd="sng" algn="ctr">
+                      <a:solidFill>
+                        <a:schemeClr val="tx1"/>
+                      </a:solidFill>
+                      <a:prstDash val="solid"/>
+                      <a:round/>
+                      <a:headEnd type="none" w="med" len="med"/>
+                      <a:tailEnd type="none" w="med" len="med"/>
+                    </a:lnT>
+                    <a:lnB w="12700" cap="flat" cmpd="sng" algn="ctr">
+                      <a:solidFill>
+                        <a:schemeClr val="tx1"/>
+                      </a:solidFill>
+                      <a:prstDash val="solid"/>
+                      <a:round/>
+                      <a:headEnd type="none" w="med" len="med"/>
+                      <a:tailEnd type="none" w="med" len="med"/>
+                    </a:lnB>
+                  </a:tcPr>
+                </a:tc>
+                <a:tc>
+                  <a:txBody>
+                    <a:bodyPr/>
+                    <a:lstStyle/>
+                    <a:p>
+                      <a:endParaRPr lang="en-US"/>
+                    </a:p>
+                  </a:txBody>
+                  <a:tcPr>
+                    <a:lnL w="12700" cap="flat" cmpd="sng" algn="ctr">
+                      <a:solidFill>
+                        <a:schemeClr val="tx1"/>
+                      </a:solidFill>
+                      <a:prstDash val="solid"/>
+                      <a:round/>
+                      <a:headEnd type="none" w="med" len="med"/>
+                      <a:tailEnd type="none" w="med" len="med"/>
+                    </a:lnL>
+                    <a:lnR w="12700" cap="flat" cmpd="sng" algn="ctr">
+                      <a:solidFill>
+                        <a:schemeClr val="tx1"/>
+                      </a:solidFill>
+                      <a:prstDash val="solid"/>
+                      <a:round/>
+                      <a:headEnd type="none" w="med" len="med"/>
+                      <a:tailEnd type="none" w="med" len="med"/>
+                    </a:lnR>
+                    <a:lnT w="12700" cap="flat" cmpd="sng" algn="ctr">
+                      <a:solidFill>
+                        <a:schemeClr val="tx1"/>
+                      </a:solidFill>
+                      <a:prstDash val="solid"/>
+                      <a:round/>
+                      <a:headEnd type="none" w="med" len="med"/>
+                      <a:tailEnd type="none" w="med" len="med"/>
+                    </a:lnT>
+                    <a:lnB w="12700" cap="flat" cmpd="sng" algn="ctr">
+                      <a:solidFill>
+                        <a:schemeClr val="tx1"/>
+                      </a:solidFill>
+                      <a:prstDash val="solid"/>
+                      <a:round/>
+                      <a:headEnd type="none" w="med" len="med"/>
+                      <a:tailEnd type="none" w="med" len="med"/>
+                    </a:lnB>
+                  </a:tcPr>
+                </a:tc>
+                <a:tc>
+                  <a:txBody>
+                    <a:bodyPr/>
+                    <a:lstStyle/>
+                    <a:p>
+                      <a:endParaRPr lang="en-US"/>
+                    </a:p>
+                  </a:txBody>
+                  <a:tcPr>
+                    <a:lnL w="12700" cap="flat" cmpd="sng" algn="ctr">
+                      <a:solidFill>
+                        <a:schemeClr val="tx1"/>
+                      </a:solidFill>
+                      <a:prstDash val="solid"/>
+                      <a:round/>
+                      <a:headEnd type="none" w="med" len="med"/>
+                      <a:tailEnd type="none" w="med" len="med"/>
+                    </a:lnL>
+                    <a:lnR w="12700" cap="flat" cmpd="sng" algn="ctr">
+                      <a:solidFill>
+                        <a:schemeClr val="tx1"/>
+                      </a:solidFill>
+                      <a:prstDash val="solid"/>
+                      <a:round/>
+                      <a:headEnd type="none" w="med" len="med"/>
+                      <a:tailEnd type="none" w="med" len="med"/>
+                    </a:lnR>
+                    <a:lnT w="12700" cap="flat" cmpd="sng" algn="ctr">
+                      <a:solidFill>
+                        <a:schemeClr val="tx1"/>
+                      </a:solidFill>
+                      <a:prstDash val="solid"/>
+                      <a:round/>
+                      <a:headEnd type="none" w="med" len="med"/>
+                      <a:tailEnd type="none" w="med" len="med"/>
+                    </a:lnT>
+                    <a:lnB w="12700" cap="flat" cmpd="sng" algn="ctr">
+                      <a:solidFill>
+                        <a:schemeClr val="tx1"/>
+                      </a:solidFill>
+                      <a:prstDash val="solid"/>
+                      <a:round/>
+                      <a:headEnd type="none" w="med" len="med"/>
+                      <a:tailEnd type="none" w="med" len="med"/>
+                    </a:lnB>
+                  </a:tcPr>
+                </a:tc>
+                <a:tc>
+                  <a:txBody>
+                    <a:bodyPr/>
+                    <a:lstStyle/>
+                    <a:p>
+                      <a:endParaRPr lang="en-US"/>
+                    </a:p>
+                  </a:txBody>
+                  <a:tcPr>
+                    <a:lnL w="12700" cap="flat" cmpd="sng" algn="ctr">
+                      <a:solidFill>
+                        <a:schemeClr val="tx1"/>
+                      </a:solidFill>
+                      <a:prstDash val="solid"/>
+                      <a:round/>
+                      <a:headEnd type="none" w="med" len="med"/>
+                      <a:tailEnd type="none" w="med" len="med"/>
+                    </a:lnL>
+                    <a:lnR w="12700" cap="flat" cmpd="sng" algn="ctr">
+                      <a:solidFill>
+                        <a:schemeClr val="tx1"/>
+                      </a:solidFill>
+                      <a:prstDash val="solid"/>
+                      <a:round/>
+                      <a:headEnd type="none" w="med" len="med"/>
+                      <a:tailEnd type="none" w="med" len="med"/>
+                    </a:lnR>
+                    <a:lnT w="12700" cap="flat" cmpd="sng" algn="ctr">
+                      <a:solidFill>
+                        <a:schemeClr val="tx1"/>
+                      </a:solidFill>
+                      <a:prstDash val="solid"/>
+                      <a:round/>
+                      <a:headEnd type="none" w="med" len="med"/>
+                      <a:tailEnd type="none" w="med" len="med"/>
+                    </a:lnT>
+                    <a:lnB w="12700" cap="flat" cmpd="sng" algn="ctr">
+                      <a:solidFill>
+                        <a:schemeClr val="tx1"/>
+                      </a:solidFill>
+                      <a:prstDash val="solid"/>
+                      <a:round/>
+                      <a:headEnd type="none" w="med" len="med"/>
+                      <a:tailEnd type="none" w="med" len="med"/>
+                    </a:lnB>
+                  </a:tcPr>
+                </a:tc>
+                <a:tc>
+                  <a:txBody>
+                    <a:bodyPr/>
+                    <a:lstStyle/>
+                    <a:p>
+                      <a:endParaRPr lang="en-US"/>
+                    </a:p>
+                  </a:txBody>
+                  <a:tcPr>
+                    <a:lnL w="12700" cap="flat" cmpd="sng" algn="ctr">
+                      <a:solidFill>
+                        <a:schemeClr val="tx1"/>
+                      </a:solidFill>
+                      <a:prstDash val="solid"/>
+                      <a:round/>
+                      <a:headEnd type="none" w="med" len="med"/>
+                      <a:tailEnd type="none" w="med" len="med"/>
+                    </a:lnL>
+                    <a:lnR w="12700" cap="flat" cmpd="sng" algn="ctr">
+                      <a:solidFill>
+                        <a:schemeClr val="tx1"/>
+                      </a:solidFill>
+                      <a:prstDash val="solid"/>
+                      <a:round/>
+                      <a:headEnd type="none" w="med" len="med"/>
+                      <a:tailEnd type="none" w="med" len="med"/>
+                    </a:lnR>
+                    <a:lnT w="12700" cap="flat" cmpd="sng" algn="ctr">
+                      <a:solidFill>
+                        <a:schemeClr val="tx1"/>
+                      </a:solidFill>
+                      <a:prstDash val="solid"/>
+                      <a:round/>
+                      <a:headEnd type="none" w="med" len="med"/>
+                      <a:tailEnd type="none" w="med" len="med"/>
+                    </a:lnT>
+                    <a:lnB w="12700" cap="flat" cmpd="sng" algn="ctr">
+                      <a:solidFill>
+                        <a:schemeClr val="tx1"/>
+                      </a:solidFill>
+                      <a:prstDash val="solid"/>
+                      <a:round/>
+                      <a:headEnd type="none" w="med" len="med"/>
+                      <a:tailEnd type="none" w="med" len="med"/>
+                    </a:lnB>
+                  </a:tcPr>
+                </a:tc>
+                <a:tc>
+                  <a:txBody>
+                    <a:bodyPr/>
+                    <a:lstStyle/>
+                    <a:p>
+                      <a:endParaRPr lang="en-US"/>
+                    </a:p>
+                  </a:txBody>
+                  <a:tcPr>
+                    <a:lnL w="12700" cap="flat" cmpd="sng" algn="ctr">
+                      <a:solidFill>
+                        <a:schemeClr val="tx1"/>
+                      </a:solidFill>
+                      <a:prstDash val="solid"/>
+                      <a:round/>
+                      <a:headEnd type="none" w="med" len="med"/>
+                      <a:tailEnd type="none" w="med" len="med"/>
+                    </a:lnL>
+                    <a:lnR w="12700" cap="flat" cmpd="sng" algn="ctr">
+                      <a:solidFill>
+                        <a:schemeClr val="tx1"/>
+                      </a:solidFill>
+                      <a:prstDash val="solid"/>
+                      <a:round/>
+                      <a:headEnd type="none" w="med" len="med"/>
+                      <a:tailEnd type="none" w="med" len="med"/>
+                    </a:lnR>
+                    <a:lnT w="12700" cap="flat" cmpd="sng" algn="ctr">
+                      <a:solidFill>
+                        <a:schemeClr val="tx1"/>
+                      </a:solidFill>
+                      <a:prstDash val="solid"/>
+                      <a:round/>
+                      <a:headEnd type="none" w="med" len="med"/>
+                      <a:tailEnd type="none" w="med" len="med"/>
+                    </a:lnT>
+                    <a:lnB w="12700" cap="flat" cmpd="sng" algn="ctr">
+                      <a:solidFill>
+                        <a:schemeClr val="tx1"/>
+                      </a:solidFill>
+                      <a:prstDash val="solid"/>
+                      <a:round/>
+                      <a:headEnd type="none" w="med" len="med"/>
+                      <a:tailEnd type="none" w="med" len="med"/>
+                    </a:lnB>
+                  </a:tcPr>
+                </a:tc>
+                <a:tc>
+                  <a:txBody>
+                    <a:bodyPr/>
+                    <a:lstStyle/>
+                    <a:p>
+                      <a:endParaRPr lang="en-US"/>
+                    </a:p>
+                  </a:txBody>
+                  <a:tcPr>
+                    <a:lnL w="12700" cap="flat" cmpd="sng" algn="ctr">
+                      <a:solidFill>
+                        <a:schemeClr val="tx1"/>
+                      </a:solidFill>
+                      <a:prstDash val="solid"/>
+                      <a:round/>
+                      <a:headEnd type="none" w="med" len="med"/>
+                      <a:tailEnd type="none" w="med" len="med"/>
+                    </a:lnL>
+                    <a:lnR w="12700" cap="flat" cmpd="sng" algn="ctr">
+                      <a:solidFill>
+                        <a:schemeClr val="tx1"/>
+                      </a:solidFill>
+                      <a:prstDash val="solid"/>
+                      <a:round/>
+                      <a:headEnd type="none" w="med" len="med"/>
+                      <a:tailEnd type="none" w="med" len="med"/>
+                    </a:lnR>
+                    <a:lnT w="12700" cap="flat" cmpd="sng" algn="ctr">
+                      <a:solidFill>
+                        <a:schemeClr val="tx1"/>
+                      </a:solidFill>
+                      <a:prstDash val="solid"/>
+                      <a:round/>
+                      <a:headEnd type="none" w="med" len="med"/>
+                      <a:tailEnd type="none" w="med" len="med"/>
+                    </a:lnT>
+                    <a:lnB w="12700" cap="flat" cmpd="sng" algn="ctr">
+                      <a:solidFill>
+                        <a:schemeClr val="tx1"/>
+                      </a:solidFill>
+                      <a:prstDash val="solid"/>
+                      <a:round/>
+                      <a:headEnd type="none" w="med" len="med"/>
+                      <a:tailEnd type="none" w="med" len="med"/>
+                    </a:lnB>
+                  </a:tcPr>
+                </a:tc>
+                <a:extLst>
+                  <a:ext uri="{0D108BD9-81ED-4DB2-BD59-A6C34878D82A}">
+                    <a16:rowId xmlns:a16="http://schemas.microsoft.com/office/drawing/2014/main" val="54382523"/>
+                  </a:ext>
+                </a:extLst>
+              </a:tr>
+              <a:tr h="515913">
+                <a:tc>
+                  <a:txBody>
+                    <a:bodyPr/>
+                    <a:lstStyle/>
+                    <a:p>
+                      <a:endParaRPr lang="en-US"/>
+                    </a:p>
+                  </a:txBody>
+                  <a:tcPr>
+                    <a:lnL w="12700" cap="flat" cmpd="sng" algn="ctr">
+                      <a:solidFill>
+                        <a:schemeClr val="tx1"/>
+                      </a:solidFill>
+                      <a:prstDash val="solid"/>
+                      <a:round/>
+                      <a:headEnd type="none" w="med" len="med"/>
+                      <a:tailEnd type="none" w="med" len="med"/>
+                    </a:lnL>
+                    <a:lnR w="12700" cap="flat" cmpd="sng" algn="ctr">
+                      <a:solidFill>
+                        <a:schemeClr val="tx1"/>
+                      </a:solidFill>
+                      <a:prstDash val="solid"/>
+                      <a:round/>
+                      <a:headEnd type="none" w="med" len="med"/>
+                      <a:tailEnd type="none" w="med" len="med"/>
+                    </a:lnR>
+                    <a:lnT w="12700" cap="flat" cmpd="sng" algn="ctr">
+                      <a:solidFill>
+                        <a:schemeClr val="tx1"/>
+                      </a:solidFill>
+                      <a:prstDash val="solid"/>
+                      <a:round/>
+                      <a:headEnd type="none" w="med" len="med"/>
+                      <a:tailEnd type="none" w="med" len="med"/>
+                    </a:lnT>
+                    <a:lnB w="12700" cap="flat" cmpd="sng" algn="ctr">
+                      <a:solidFill>
+                        <a:schemeClr val="tx1"/>
+                      </a:solidFill>
+                      <a:prstDash val="solid"/>
+                      <a:round/>
+                      <a:headEnd type="none" w="med" len="med"/>
+                      <a:tailEnd type="none" w="med" len="med"/>
+                    </a:lnB>
+                  </a:tcPr>
+                </a:tc>
+                <a:tc>
+                  <a:txBody>
+                    <a:bodyPr/>
+                    <a:lstStyle/>
+                    <a:p>
+                      <a:endParaRPr lang="en-US"/>
+                    </a:p>
+                  </a:txBody>
+                  <a:tcPr>
+                    <a:lnL w="12700" cap="flat" cmpd="sng" algn="ctr">
+                      <a:solidFill>
+                        <a:schemeClr val="tx1"/>
+                      </a:solidFill>
+                      <a:prstDash val="solid"/>
+                      <a:round/>
+                      <a:headEnd type="none" w="med" len="med"/>
+                      <a:tailEnd type="none" w="med" len="med"/>
+                    </a:lnL>
+                    <a:lnR w="12700" cap="flat" cmpd="sng" algn="ctr">
+                      <a:solidFill>
+                        <a:schemeClr val="tx1"/>
+                      </a:solidFill>
+                      <a:prstDash val="solid"/>
+                      <a:round/>
+                      <a:headEnd type="none" w="med" len="med"/>
+                      <a:tailEnd type="none" w="med" len="med"/>
+                    </a:lnR>
+                    <a:lnT w="12700" cap="flat" cmpd="sng" algn="ctr">
+                      <a:solidFill>
+                        <a:schemeClr val="tx1"/>
+                      </a:solidFill>
+                      <a:prstDash val="solid"/>
+                      <a:round/>
+                      <a:headEnd type="none" w="med" len="med"/>
+                      <a:tailEnd type="none" w="med" len="med"/>
+                    </a:lnT>
+                    <a:lnB w="12700" cap="flat" cmpd="sng" algn="ctr">
+                      <a:solidFill>
+                        <a:schemeClr val="tx1"/>
+                      </a:solidFill>
+                      <a:prstDash val="solid"/>
+                      <a:round/>
+                      <a:headEnd type="none" w="med" len="med"/>
+                      <a:tailEnd type="none" w="med" len="med"/>
+                    </a:lnB>
+                  </a:tcPr>
+                </a:tc>
+                <a:tc>
+                  <a:txBody>
+                    <a:bodyPr/>
+                    <a:lstStyle/>
+                    <a:p>
+                      <a:endParaRPr lang="en-US"/>
+                    </a:p>
+                  </a:txBody>
+                  <a:tcPr>
+                    <a:lnL w="12700" cap="flat" cmpd="sng" algn="ctr">
+                      <a:solidFill>
+                        <a:schemeClr val="tx1"/>
+                      </a:solidFill>
+                      <a:prstDash val="solid"/>
+                      <a:round/>
+                      <a:headEnd type="none" w="med" len="med"/>
+                      <a:tailEnd type="none" w="med" len="med"/>
+                    </a:lnL>
+                    <a:lnR w="12700" cap="flat" cmpd="sng" algn="ctr">
+                      <a:solidFill>
+                        <a:schemeClr val="tx1"/>
+                      </a:solidFill>
+                      <a:prstDash val="solid"/>
+                      <a:round/>
+                      <a:headEnd type="none" w="med" len="med"/>
+                      <a:tailEnd type="none" w="med" len="med"/>
+                    </a:lnR>
+                    <a:lnT w="12700" cap="flat" cmpd="sng" algn="ctr">
+                      <a:solidFill>
+                        <a:schemeClr val="tx1"/>
+                      </a:solidFill>
+                      <a:prstDash val="solid"/>
+                      <a:round/>
+                      <a:headEnd type="none" w="med" len="med"/>
+                      <a:tailEnd type="none" w="med" len="med"/>
+                    </a:lnT>
+                    <a:lnB w="12700" cap="flat" cmpd="sng" algn="ctr">
+                      <a:solidFill>
+                        <a:schemeClr val="tx1"/>
+                      </a:solidFill>
+                      <a:prstDash val="solid"/>
+                      <a:round/>
+                      <a:headEnd type="none" w="med" len="med"/>
+                      <a:tailEnd type="none" w="med" len="med"/>
+                    </a:lnB>
+                  </a:tcPr>
+                </a:tc>
+                <a:tc>
+                  <a:txBody>
+                    <a:bodyPr/>
+                    <a:lstStyle/>
+                    <a:p>
+                      <a:endParaRPr lang="en-US"/>
+                    </a:p>
+                  </a:txBody>
+                  <a:tcPr>
+                    <a:lnL w="12700" cap="flat" cmpd="sng" algn="ctr">
+                      <a:solidFill>
+                        <a:schemeClr val="tx1"/>
+                      </a:solidFill>
+                      <a:prstDash val="solid"/>
+                      <a:round/>
+                      <a:headEnd type="none" w="med" len="med"/>
+                      <a:tailEnd type="none" w="med" len="med"/>
+                    </a:lnL>
+                    <a:lnR w="12700" cap="flat" cmpd="sng" algn="ctr">
+                      <a:solidFill>
+                        <a:schemeClr val="tx1"/>
+                      </a:solidFill>
+                      <a:prstDash val="solid"/>
+                      <a:round/>
+                      <a:headEnd type="none" w="med" len="med"/>
+                      <a:tailEnd type="none" w="med" len="med"/>
+                    </a:lnR>
+                    <a:lnT w="12700" cap="flat" cmpd="sng" algn="ctr">
+                      <a:solidFill>
+                        <a:schemeClr val="tx1"/>
+                      </a:solidFill>
+                      <a:prstDash val="solid"/>
+                      <a:round/>
+                      <a:headEnd type="none" w="med" len="med"/>
+                      <a:tailEnd type="none" w="med" len="med"/>
+                    </a:lnT>
+                    <a:lnB w="12700" cap="flat" cmpd="sng" algn="ctr">
+                      <a:solidFill>
+                        <a:schemeClr val="tx1"/>
+                      </a:solidFill>
+                      <a:prstDash val="solid"/>
+                      <a:round/>
+                      <a:headEnd type="none" w="med" len="med"/>
+                      <a:tailEnd type="none" w="med" len="med"/>
+                    </a:lnB>
+                  </a:tcPr>
+                </a:tc>
+                <a:tc>
+                  <a:txBody>
+                    <a:bodyPr/>
+                    <a:lstStyle/>
+                    <a:p>
+                      <a:endParaRPr lang="en-US"/>
+                    </a:p>
+                  </a:txBody>
+                  <a:tcPr>
+                    <a:lnL w="12700" cap="flat" cmpd="sng" algn="ctr">
+                      <a:solidFill>
+                        <a:schemeClr val="tx1"/>
+                      </a:solidFill>
+                      <a:prstDash val="solid"/>
+                      <a:round/>
+                      <a:headEnd type="none" w="med" len="med"/>
+                      <a:tailEnd type="none" w="med" len="med"/>
+                    </a:lnL>
+                    <a:lnR w="12700" cap="flat" cmpd="sng" algn="ctr">
+                      <a:solidFill>
+                        <a:schemeClr val="tx1"/>
+                      </a:solidFill>
+                      <a:prstDash val="solid"/>
+                      <a:round/>
+                      <a:headEnd type="none" w="med" len="med"/>
+                      <a:tailEnd type="none" w="med" len="med"/>
+                    </a:lnR>
+                    <a:lnT w="12700" cap="flat" cmpd="sng" algn="ctr">
+                      <a:solidFill>
+                        <a:schemeClr val="tx1"/>
+                      </a:solidFill>
+                      <a:prstDash val="solid"/>
+                      <a:round/>
+                      <a:headEnd type="none" w="med" len="med"/>
+                      <a:tailEnd type="none" w="med" len="med"/>
+                    </a:lnT>
+                    <a:lnB w="12700" cap="flat" cmpd="sng" algn="ctr">
+                      <a:solidFill>
+                        <a:schemeClr val="tx1"/>
+                      </a:solidFill>
+                      <a:prstDash val="solid"/>
+                      <a:round/>
+                      <a:headEnd type="none" w="med" len="med"/>
+                      <a:tailEnd type="none" w="med" len="med"/>
+                    </a:lnB>
+                  </a:tcPr>
+                </a:tc>
+                <a:tc>
+                  <a:txBody>
+                    <a:bodyPr/>
+                    <a:lstStyle/>
+                    <a:p>
+                      <a:endParaRPr lang="en-US"/>
+                    </a:p>
+                  </a:txBody>
+                  <a:tcPr>
+                    <a:lnL w="12700" cap="flat" cmpd="sng" algn="ctr">
+                      <a:solidFill>
+                        <a:schemeClr val="tx1"/>
+                      </a:solidFill>
+                      <a:prstDash val="solid"/>
+                      <a:round/>
+                      <a:headEnd type="none" w="med" len="med"/>
+                      <a:tailEnd type="none" w="med" len="med"/>
+                    </a:lnL>
+                    <a:lnR w="12700" cap="flat" cmpd="sng" algn="ctr">
+                      <a:solidFill>
+                        <a:schemeClr val="tx1"/>
+                      </a:solidFill>
+                      <a:prstDash val="solid"/>
+                      <a:round/>
+                      <a:headEnd type="none" w="med" len="med"/>
+                      <a:tailEnd type="none" w="med" len="med"/>
+                    </a:lnR>
+                    <a:lnT w="12700" cap="flat" cmpd="sng" algn="ctr">
+                      <a:solidFill>
+                        <a:schemeClr val="tx1"/>
+                      </a:solidFill>
+                      <a:prstDash val="solid"/>
+                      <a:round/>
+                      <a:headEnd type="none" w="med" len="med"/>
+                      <a:tailEnd type="none" w="med" len="med"/>
+                    </a:lnT>
+                    <a:lnB w="12700" cap="flat" cmpd="sng" algn="ctr">
+                      <a:solidFill>
+                        <a:schemeClr val="tx1"/>
+                      </a:solidFill>
+                      <a:prstDash val="solid"/>
+                      <a:round/>
+                      <a:headEnd type="none" w="med" len="med"/>
+                      <a:tailEnd type="none" w="med" len="med"/>
+                    </a:lnB>
+                  </a:tcPr>
+                </a:tc>
+                <a:tc>
+                  <a:txBody>
+                    <a:bodyPr/>
+                    <a:lstStyle/>
+                    <a:p>
+                      <a:endParaRPr lang="en-US"/>
+                    </a:p>
+                  </a:txBody>
+                  <a:tcPr>
+                    <a:lnL w="12700" cap="flat" cmpd="sng" algn="ctr">
+                      <a:solidFill>
+                        <a:schemeClr val="tx1"/>
+                      </a:solidFill>
+                      <a:prstDash val="solid"/>
+                      <a:round/>
+                      <a:headEnd type="none" w="med" len="med"/>
+                      <a:tailEnd type="none" w="med" len="med"/>
+                    </a:lnL>
+                    <a:lnR w="12700" cap="flat" cmpd="sng" algn="ctr">
+                      <a:solidFill>
+                        <a:schemeClr val="tx1"/>
+                      </a:solidFill>
+                      <a:prstDash val="solid"/>
+                      <a:round/>
+                      <a:headEnd type="none" w="med" len="med"/>
+                      <a:tailEnd type="none" w="med" len="med"/>
+                    </a:lnR>
+                    <a:lnT w="12700" cap="flat" cmpd="sng" algn="ctr">
+                      <a:solidFill>
+                        <a:schemeClr val="tx1"/>
+                      </a:solidFill>
+                      <a:prstDash val="solid"/>
+                      <a:round/>
+                      <a:headEnd type="none" w="med" len="med"/>
+                      <a:tailEnd type="none" w="med" len="med"/>
+                    </a:lnT>
+                    <a:lnB w="12700" cap="flat" cmpd="sng" algn="ctr">
+                      <a:solidFill>
+                        <a:schemeClr val="tx1"/>
+                      </a:solidFill>
+                      <a:prstDash val="solid"/>
+                      <a:round/>
+                      <a:headEnd type="none" w="med" len="med"/>
+                      <a:tailEnd type="none" w="med" len="med"/>
+                    </a:lnB>
+                  </a:tcPr>
+                </a:tc>
+                <a:tc>
+                  <a:txBody>
+                    <a:bodyPr/>
+                    <a:lstStyle/>
+                    <a:p>
+                      <a:endParaRPr lang="en-US"/>
+                    </a:p>
+                  </a:txBody>
+                  <a:tcPr>
+                    <a:lnL w="12700" cap="flat" cmpd="sng" algn="ctr">
+                      <a:solidFill>
+                        <a:schemeClr val="tx1"/>
+                      </a:solidFill>
+                      <a:prstDash val="solid"/>
+                      <a:round/>
+                      <a:headEnd type="none" w="med" len="med"/>
+                      <a:tailEnd type="none" w="med" len="med"/>
+                    </a:lnL>
+                    <a:lnR w="12700" cap="flat" cmpd="sng" algn="ctr">
+                      <a:solidFill>
+                        <a:schemeClr val="tx1"/>
+                      </a:solidFill>
+                      <a:prstDash val="solid"/>
+                      <a:round/>
+                      <a:headEnd type="none" w="med" len="med"/>
+                      <a:tailEnd type="none" w="med" len="med"/>
+                    </a:lnR>
+                    <a:lnT w="12700" cap="flat" cmpd="sng" algn="ctr">
+                      <a:solidFill>
+                        <a:schemeClr val="tx1"/>
+                      </a:solidFill>
+                      <a:prstDash val="solid"/>
+                      <a:round/>
+                      <a:headEnd type="none" w="med" len="med"/>
+                      <a:tailEnd type="none" w="med" len="med"/>
+                    </a:lnT>
+                    <a:lnB w="12700" cap="flat" cmpd="sng" algn="ctr">
+                      <a:solidFill>
+                        <a:schemeClr val="tx1"/>
+                      </a:solidFill>
+                      <a:prstDash val="solid"/>
+                      <a:round/>
+                      <a:headEnd type="none" w="med" len="med"/>
+                      <a:tailEnd type="none" w="med" len="med"/>
+                    </a:lnB>
+                  </a:tcPr>
+                </a:tc>
+                <a:extLst>
+                  <a:ext uri="{0D108BD9-81ED-4DB2-BD59-A6C34878D82A}">
+                    <a16:rowId xmlns:a16="http://schemas.microsoft.com/office/drawing/2014/main" val="2356128610"/>
+                  </a:ext>
+                </a:extLst>
+              </a:tr>
+              <a:tr h="515913">
+                <a:tc>
+                  <a:txBody>
+                    <a:bodyPr/>
+                    <a:lstStyle/>
+                    <a:p>
+                      <a:endParaRPr lang="en-US"/>
+                    </a:p>
+                  </a:txBody>
+                  <a:tcPr>
+                    <a:lnL w="12700" cap="flat" cmpd="sng" algn="ctr">
+                      <a:solidFill>
+                        <a:schemeClr val="tx1"/>
+                      </a:solidFill>
+                      <a:prstDash val="solid"/>
+                      <a:round/>
+                      <a:headEnd type="none" w="med" len="med"/>
+                      <a:tailEnd type="none" w="med" len="med"/>
+                    </a:lnL>
+                    <a:lnR w="12700" cap="flat" cmpd="sng" algn="ctr">
+                      <a:solidFill>
+                        <a:schemeClr val="tx1"/>
+                      </a:solidFill>
+                      <a:prstDash val="solid"/>
+                      <a:round/>
+                      <a:headEnd type="none" w="med" len="med"/>
+                      <a:tailEnd type="none" w="med" len="med"/>
+                    </a:lnR>
+                    <a:lnT w="12700" cap="flat" cmpd="sng" algn="ctr">
+                      <a:solidFill>
+                        <a:schemeClr val="tx1"/>
+                      </a:solidFill>
+                      <a:prstDash val="solid"/>
+                      <a:round/>
+                      <a:headEnd type="none" w="med" len="med"/>
+                      <a:tailEnd type="none" w="med" len="med"/>
+                    </a:lnT>
+                    <a:lnB w="12700" cap="flat" cmpd="sng" algn="ctr">
+                      <a:solidFill>
+                        <a:schemeClr val="tx1"/>
+                      </a:solidFill>
+                      <a:prstDash val="solid"/>
+                      <a:round/>
+                      <a:headEnd type="none" w="med" len="med"/>
+                      <a:tailEnd type="none" w="med" len="med"/>
+                    </a:lnB>
+                  </a:tcPr>
+                </a:tc>
+                <a:tc>
+                  <a:txBody>
+                    <a:bodyPr/>
+                    <a:lstStyle/>
+                    <a:p>
+                      <a:endParaRPr lang="en-US"/>
+                    </a:p>
+                  </a:txBody>
+                  <a:tcPr>
+                    <a:lnL w="12700" cap="flat" cmpd="sng" algn="ctr">
+                      <a:solidFill>
+                        <a:schemeClr val="tx1"/>
+                      </a:solidFill>
+                      <a:prstDash val="solid"/>
+                      <a:round/>
+                      <a:headEnd type="none" w="med" len="med"/>
+                      <a:tailEnd type="none" w="med" len="med"/>
+                    </a:lnL>
+                    <a:lnR w="12700" cap="flat" cmpd="sng" algn="ctr">
+                      <a:solidFill>
+                        <a:schemeClr val="tx1"/>
+                      </a:solidFill>
+                      <a:prstDash val="solid"/>
+                      <a:round/>
+                      <a:headEnd type="none" w="med" len="med"/>
+                      <a:tailEnd type="none" w="med" len="med"/>
+                    </a:lnR>
+                    <a:lnT w="12700" cap="flat" cmpd="sng" algn="ctr">
+                      <a:solidFill>
+                        <a:schemeClr val="tx1"/>
+                      </a:solidFill>
+                      <a:prstDash val="solid"/>
+                      <a:round/>
+                      <a:headEnd type="none" w="med" len="med"/>
+                      <a:tailEnd type="none" w="med" len="med"/>
+                    </a:lnT>
+                    <a:lnB w="12700" cap="flat" cmpd="sng" algn="ctr">
+                      <a:solidFill>
+                        <a:schemeClr val="tx1"/>
+                      </a:solidFill>
+                      <a:prstDash val="solid"/>
+                      <a:round/>
+                      <a:headEnd type="none" w="med" len="med"/>
+                      <a:tailEnd type="none" w="med" len="med"/>
+                    </a:lnB>
+                  </a:tcPr>
+                </a:tc>
+                <a:tc>
+                  <a:txBody>
+                    <a:bodyPr/>
+                    <a:lstStyle/>
+                    <a:p>
+                      <a:endParaRPr lang="en-US"/>
+                    </a:p>
+                  </a:txBody>
+                  <a:tcPr>
+                    <a:lnL w="12700" cap="flat" cmpd="sng" algn="ctr">
+                      <a:solidFill>
+                        <a:schemeClr val="tx1"/>
+                      </a:solidFill>
+                      <a:prstDash val="solid"/>
+                      <a:round/>
+                      <a:headEnd type="none" w="med" len="med"/>
+                      <a:tailEnd type="none" w="med" len="med"/>
+                    </a:lnL>
+                    <a:lnR w="12700" cap="flat" cmpd="sng" algn="ctr">
+                      <a:solidFill>
+                        <a:schemeClr val="tx1"/>
+                      </a:solidFill>
+                      <a:prstDash val="solid"/>
+                      <a:round/>
+                      <a:headEnd type="none" w="med" len="med"/>
+                      <a:tailEnd type="none" w="med" len="med"/>
+                    </a:lnR>
+                    <a:lnT w="12700" cap="flat" cmpd="sng" algn="ctr">
+                      <a:solidFill>
+                        <a:schemeClr val="tx1"/>
+                      </a:solidFill>
+                      <a:prstDash val="solid"/>
+                      <a:round/>
+                      <a:headEnd type="none" w="med" len="med"/>
+                      <a:tailEnd type="none" w="med" len="med"/>
+                    </a:lnT>
+                    <a:lnB w="12700" cap="flat" cmpd="sng" algn="ctr">
+                      <a:solidFill>
+                        <a:schemeClr val="tx1"/>
+                      </a:solidFill>
+                      <a:prstDash val="solid"/>
+                      <a:round/>
+                      <a:headEnd type="none" w="med" len="med"/>
+                      <a:tailEnd type="none" w="med" len="med"/>
+                    </a:lnB>
+                  </a:tcPr>
+                </a:tc>
+                <a:tc>
+                  <a:txBody>
+                    <a:bodyPr/>
+                    <a:lstStyle/>
+                    <a:p>
+                      <a:endParaRPr lang="en-US"/>
+                    </a:p>
+                  </a:txBody>
+                  <a:tcPr>
+                    <a:lnL w="12700" cap="flat" cmpd="sng" algn="ctr">
+                      <a:solidFill>
+                        <a:schemeClr val="tx1"/>
+                      </a:solidFill>
+                      <a:prstDash val="solid"/>
+                      <a:round/>
+                      <a:headEnd type="none" w="med" len="med"/>
+                      <a:tailEnd type="none" w="med" len="med"/>
+                    </a:lnL>
+                    <a:lnR w="12700" cap="flat" cmpd="sng" algn="ctr">
+                      <a:solidFill>
+                        <a:schemeClr val="tx1"/>
+                      </a:solidFill>
+                      <a:prstDash val="solid"/>
+                      <a:round/>
+                      <a:headEnd type="none" w="med" len="med"/>
+                      <a:tailEnd type="none" w="med" len="med"/>
+                    </a:lnR>
+                    <a:lnT w="12700" cap="flat" cmpd="sng" algn="ctr">
+                      <a:solidFill>
+                        <a:schemeClr val="tx1"/>
+                      </a:solidFill>
+                      <a:prstDash val="solid"/>
+                      <a:round/>
+                      <a:headEnd type="none" w="med" len="med"/>
+                      <a:tailEnd type="none" w="med" len="med"/>
+                    </a:lnT>
+                    <a:lnB w="12700" cap="flat" cmpd="sng" algn="ctr">
+                      <a:solidFill>
+                        <a:schemeClr val="tx1"/>
+                      </a:solidFill>
+                      <a:prstDash val="solid"/>
+                      <a:round/>
+                      <a:headEnd type="none" w="med" len="med"/>
+                      <a:tailEnd type="none" w="med" len="med"/>
+                    </a:lnB>
+                  </a:tcPr>
+                </a:tc>
+                <a:tc>
+                  <a:txBody>
+                    <a:bodyPr/>
+                    <a:lstStyle/>
+                    <a:p>
+                      <a:endParaRPr lang="en-US"/>
+                    </a:p>
+                  </a:txBody>
+                  <a:tcPr>
+                    <a:lnL w="12700" cap="flat" cmpd="sng" algn="ctr">
+                      <a:solidFill>
+                        <a:schemeClr val="tx1"/>
+                      </a:solidFill>
+                      <a:prstDash val="solid"/>
+                      <a:round/>
+                      <a:headEnd type="none" w="med" len="med"/>
+                      <a:tailEnd type="none" w="med" len="med"/>
+                    </a:lnL>
+                    <a:lnR w="12700" cap="flat" cmpd="sng" algn="ctr">
+                      <a:solidFill>
+                        <a:schemeClr val="tx1"/>
+                      </a:solidFill>
+                      <a:prstDash val="solid"/>
+                      <a:round/>
+                      <a:headEnd type="none" w="med" len="med"/>
+                      <a:tailEnd type="none" w="med" len="med"/>
+                    </a:lnR>
+                    <a:lnT w="12700" cap="flat" cmpd="sng" algn="ctr">
+                      <a:solidFill>
+                        <a:schemeClr val="tx1"/>
+                      </a:solidFill>
+                      <a:prstDash val="solid"/>
+                      <a:round/>
+                      <a:headEnd type="none" w="med" len="med"/>
+                      <a:tailEnd type="none" w="med" len="med"/>
+                    </a:lnT>
+                    <a:lnB w="12700" cap="flat" cmpd="sng" algn="ctr">
+                      <a:solidFill>
+                        <a:schemeClr val="tx1"/>
+                      </a:solidFill>
+                      <a:prstDash val="solid"/>
+                      <a:round/>
+                      <a:headEnd type="none" w="med" len="med"/>
+                      <a:tailEnd type="none" w="med" len="med"/>
+                    </a:lnB>
+                  </a:tcPr>
+                </a:tc>
+                <a:tc>
+                  <a:txBody>
+                    <a:bodyPr/>
+                    <a:lstStyle/>
+                    <a:p>
+                      <a:endParaRPr lang="en-US"/>
+                    </a:p>
+                  </a:txBody>
+                  <a:tcPr>
+                    <a:lnL w="12700" cap="flat" cmpd="sng" algn="ctr">
+                      <a:solidFill>
+                        <a:schemeClr val="tx1"/>
+                      </a:solidFill>
+                      <a:prstDash val="solid"/>
+                      <a:round/>
+                      <a:headEnd type="none" w="med" len="med"/>
+                      <a:tailEnd type="none" w="med" len="med"/>
+                    </a:lnL>
+                    <a:lnR w="12700" cap="flat" cmpd="sng" algn="ctr">
+                      <a:solidFill>
+                        <a:schemeClr val="tx1"/>
+                      </a:solidFill>
+                      <a:prstDash val="solid"/>
+                      <a:round/>
+                      <a:headEnd type="none" w="med" len="med"/>
+                      <a:tailEnd type="none" w="med" len="med"/>
+                    </a:lnR>
+                    <a:lnT w="12700" cap="flat" cmpd="sng" algn="ctr">
+                      <a:solidFill>
+                        <a:schemeClr val="tx1"/>
+                      </a:solidFill>
+                      <a:prstDash val="solid"/>
+                      <a:round/>
+                      <a:headEnd type="none" w="med" len="med"/>
+                      <a:tailEnd type="none" w="med" len="med"/>
+                    </a:lnT>
+                    <a:lnB w="12700" cap="flat" cmpd="sng" algn="ctr">
+                      <a:solidFill>
+                        <a:schemeClr val="tx1"/>
+                      </a:solidFill>
+                      <a:prstDash val="solid"/>
+                      <a:round/>
+                      <a:headEnd type="none" w="med" len="med"/>
+                      <a:tailEnd type="none" w="med" len="med"/>
+                    </a:lnB>
+                  </a:tcPr>
+                </a:tc>
+                <a:tc>
+                  <a:txBody>
+                    <a:bodyPr/>
+                    <a:lstStyle/>
+                    <a:p>
+                      <a:endParaRPr lang="en-US"/>
+                    </a:p>
+                  </a:txBody>
+                  <a:tcPr>
+                    <a:lnL w="12700" cap="flat" cmpd="sng" algn="ctr">
+                      <a:solidFill>
+                        <a:schemeClr val="tx1"/>
+                      </a:solidFill>
+                      <a:prstDash val="solid"/>
+                      <a:round/>
+                      <a:headEnd type="none" w="med" len="med"/>
+                      <a:tailEnd type="none" w="med" len="med"/>
+                    </a:lnL>
+                    <a:lnR w="12700" cap="flat" cmpd="sng" algn="ctr">
+                      <a:solidFill>
+                        <a:schemeClr val="tx1"/>
+                      </a:solidFill>
+                      <a:prstDash val="solid"/>
+                      <a:round/>
+                      <a:headEnd type="none" w="med" len="med"/>
+                      <a:tailEnd type="none" w="med" len="med"/>
+                    </a:lnR>
+                    <a:lnT w="12700" cap="flat" cmpd="sng" algn="ctr">
+                      <a:solidFill>
+                        <a:schemeClr val="tx1"/>
+                      </a:solidFill>
+                      <a:prstDash val="solid"/>
+                      <a:round/>
+                      <a:headEnd type="none" w="med" len="med"/>
+                      <a:tailEnd type="none" w="med" len="med"/>
+                    </a:lnT>
+                    <a:lnB w="12700" cap="flat" cmpd="sng" algn="ctr">
+                      <a:solidFill>
+                        <a:schemeClr val="tx1"/>
+                      </a:solidFill>
+                      <a:prstDash val="solid"/>
+                      <a:round/>
+                      <a:headEnd type="none" w="med" len="med"/>
+                      <a:tailEnd type="none" w="med" len="med"/>
+                    </a:lnB>
+                  </a:tcPr>
+                </a:tc>
+                <a:tc>
+                  <a:txBody>
+                    <a:bodyPr/>
+                    <a:lstStyle/>
+                    <a:p>
+                      <a:endParaRPr lang="en-US"/>
+                    </a:p>
+                  </a:txBody>
+                  <a:tcPr>
+                    <a:lnL w="12700" cap="flat" cmpd="sng" algn="ctr">
+                      <a:solidFill>
+                        <a:schemeClr val="tx1"/>
+                      </a:solidFill>
+                      <a:prstDash val="solid"/>
+                      <a:round/>
+                      <a:headEnd type="none" w="med" len="med"/>
+                      <a:tailEnd type="none" w="med" len="med"/>
+                    </a:lnL>
+                    <a:lnR w="12700" cap="flat" cmpd="sng" algn="ctr">
+                      <a:solidFill>
+                        <a:schemeClr val="tx1"/>
+                      </a:solidFill>
+                      <a:prstDash val="solid"/>
+                      <a:round/>
+                      <a:headEnd type="none" w="med" len="med"/>
+                      <a:tailEnd type="none" w="med" len="med"/>
+                    </a:lnR>
+                    <a:lnT w="12700" cap="flat" cmpd="sng" algn="ctr">
+                      <a:solidFill>
+                        <a:schemeClr val="tx1"/>
+                      </a:solidFill>
+                      <a:prstDash val="solid"/>
+                      <a:round/>
+                      <a:headEnd type="none" w="med" len="med"/>
+                      <a:tailEnd type="none" w="med" len="med"/>
+                    </a:lnT>
+                    <a:lnB w="12700" cap="flat" cmpd="sng" algn="ctr">
+                      <a:solidFill>
+                        <a:schemeClr val="tx1"/>
+                      </a:solidFill>
+                      <a:prstDash val="solid"/>
+                      <a:round/>
+                      <a:headEnd type="none" w="med" len="med"/>
+                      <a:tailEnd type="none" w="med" len="med"/>
+                    </a:lnB>
+                  </a:tcPr>
+                </a:tc>
+                <a:extLst>
+                  <a:ext uri="{0D108BD9-81ED-4DB2-BD59-A6C34878D82A}">
+                    <a16:rowId xmlns:a16="http://schemas.microsoft.com/office/drawing/2014/main" val="71259068"/>
+                  </a:ext>
+                </a:extLst>
+              </a:tr>
+              <a:tr h="515913">
+                <a:tc>
+                  <a:txBody>
+                    <a:bodyPr/>
+                    <a:lstStyle/>
+                    <a:p>
+                      <a:endParaRPr lang="en-US"/>
+                    </a:p>
+                  </a:txBody>
+                  <a:tcPr>
+                    <a:lnL w="12700" cap="flat" cmpd="sng" algn="ctr">
+                      <a:solidFill>
+                        <a:schemeClr val="tx1"/>
+                      </a:solidFill>
+                      <a:prstDash val="solid"/>
+                      <a:round/>
+                      <a:headEnd type="none" w="med" len="med"/>
+                      <a:tailEnd type="none" w="med" len="med"/>
+                    </a:lnL>
+                    <a:lnR w="12700" cap="flat" cmpd="sng" algn="ctr">
+                      <a:solidFill>
+                        <a:schemeClr val="tx1"/>
+                      </a:solidFill>
+                      <a:prstDash val="solid"/>
+                      <a:round/>
+                      <a:headEnd type="none" w="med" len="med"/>
+                      <a:tailEnd type="none" w="med" len="med"/>
+                    </a:lnR>
+                    <a:lnT w="12700" cap="flat" cmpd="sng" algn="ctr">
+                      <a:solidFill>
+                        <a:schemeClr val="tx1"/>
+                      </a:solidFill>
+                      <a:prstDash val="solid"/>
+                      <a:round/>
+                      <a:headEnd type="none" w="med" len="med"/>
+                      <a:tailEnd type="none" w="med" len="med"/>
+                    </a:lnT>
+                    <a:lnB w="12700" cap="flat" cmpd="sng" algn="ctr">
+                      <a:solidFill>
+                        <a:schemeClr val="tx1"/>
+                      </a:solidFill>
+                      <a:prstDash val="solid"/>
+                      <a:round/>
+                      <a:headEnd type="none" w="med" len="med"/>
+                      <a:tailEnd type="none" w="med" len="med"/>
+                    </a:lnB>
+                  </a:tcPr>
+                </a:tc>
+                <a:tc>
+                  <a:txBody>
+                    <a:bodyPr/>
+                    <a:lstStyle/>
+                    <a:p>
+                      <a:endParaRPr lang="en-US"/>
+                    </a:p>
+                  </a:txBody>
+                  <a:tcPr>
+                    <a:lnL w="12700" cap="flat" cmpd="sng" algn="ctr">
+                      <a:solidFill>
+                        <a:schemeClr val="tx1"/>
+                      </a:solidFill>
+                      <a:prstDash val="solid"/>
+                      <a:round/>
+                      <a:headEnd type="none" w="med" len="med"/>
+                      <a:tailEnd type="none" w="med" len="med"/>
+                    </a:lnL>
+                    <a:lnR w="12700" cap="flat" cmpd="sng" algn="ctr">
+                      <a:solidFill>
+                        <a:schemeClr val="tx1"/>
+                      </a:solidFill>
+                      <a:prstDash val="solid"/>
+                      <a:round/>
+                      <a:headEnd type="none" w="med" len="med"/>
+                      <a:tailEnd type="none" w="med" len="med"/>
+                    </a:lnR>
+                    <a:lnT w="12700" cap="flat" cmpd="sng" algn="ctr">
+                      <a:solidFill>
+                        <a:schemeClr val="tx1"/>
+                      </a:solidFill>
+                      <a:prstDash val="solid"/>
+                      <a:round/>
+                      <a:headEnd type="none" w="med" len="med"/>
+                      <a:tailEnd type="none" w="med" len="med"/>
+                    </a:lnT>
+                    <a:lnB w="12700" cap="flat" cmpd="sng" algn="ctr">
+                      <a:solidFill>
+                        <a:schemeClr val="tx1"/>
+                      </a:solidFill>
+                      <a:prstDash val="solid"/>
+                      <a:round/>
+                      <a:headEnd type="none" w="med" len="med"/>
+                      <a:tailEnd type="none" w="med" len="med"/>
+                    </a:lnB>
+                  </a:tcPr>
+                </a:tc>
+                <a:tc>
+                  <a:txBody>
+                    <a:bodyPr/>
+                    <a:lstStyle/>
+                    <a:p>
+                      <a:endParaRPr lang="en-US"/>
+                    </a:p>
+                  </a:txBody>
+                  <a:tcPr>
+                    <a:lnL w="12700" cap="flat" cmpd="sng" algn="ctr">
+                      <a:solidFill>
+                        <a:schemeClr val="tx1"/>
+                      </a:solidFill>
+                      <a:prstDash val="solid"/>
+                      <a:round/>
+                      <a:headEnd type="none" w="med" len="med"/>
+                      <a:tailEnd type="none" w="med" len="med"/>
+                    </a:lnL>
+                    <a:lnR w="12700" cap="flat" cmpd="sng" algn="ctr">
+                      <a:solidFill>
+                        <a:schemeClr val="tx1"/>
+                      </a:solidFill>
+                      <a:prstDash val="solid"/>
+                      <a:round/>
+                      <a:headEnd type="none" w="med" len="med"/>
+                      <a:tailEnd type="none" w="med" len="med"/>
+                    </a:lnR>
+                    <a:lnT w="12700" cap="flat" cmpd="sng" algn="ctr">
+                      <a:solidFill>
+                        <a:schemeClr val="tx1"/>
+                      </a:solidFill>
+                      <a:prstDash val="solid"/>
+                      <a:round/>
+                      <a:headEnd type="none" w="med" len="med"/>
+                      <a:tailEnd type="none" w="med" len="med"/>
+                    </a:lnT>
+                    <a:lnB w="12700" cap="flat" cmpd="sng" algn="ctr">
+                      <a:solidFill>
+                        <a:schemeClr val="tx1"/>
+                      </a:solidFill>
+                      <a:prstDash val="solid"/>
+                      <a:round/>
+                      <a:headEnd type="none" w="med" len="med"/>
+                      <a:tailEnd type="none" w="med" len="med"/>
+                    </a:lnB>
+                  </a:tcPr>
+                </a:tc>
+                <a:tc>
+                  <a:txBody>
+                    <a:bodyPr/>
+                    <a:lstStyle/>
+                    <a:p>
+                      <a:endParaRPr lang="en-US"/>
+                    </a:p>
+                  </a:txBody>
+                  <a:tcPr>
+                    <a:lnL w="12700" cap="flat" cmpd="sng" algn="ctr">
+                      <a:solidFill>
+                        <a:schemeClr val="tx1"/>
+                      </a:solidFill>
+                      <a:prstDash val="solid"/>
+                      <a:round/>
+                      <a:headEnd type="none" w="med" len="med"/>
+                      <a:tailEnd type="none" w="med" len="med"/>
+                    </a:lnL>
+                    <a:lnR w="12700" cap="flat" cmpd="sng" algn="ctr">
+                      <a:solidFill>
+                        <a:schemeClr val="tx1"/>
+                      </a:solidFill>
+                      <a:prstDash val="solid"/>
+                      <a:round/>
+                      <a:headEnd type="none" w="med" len="med"/>
+                      <a:tailEnd type="none" w="med" len="med"/>
+                    </a:lnR>
+                    <a:lnT w="12700" cap="flat" cmpd="sng" algn="ctr">
+                      <a:solidFill>
+                        <a:schemeClr val="tx1"/>
+                      </a:solidFill>
+                      <a:prstDash val="solid"/>
+                      <a:round/>
+                      <a:headEnd type="none" w="med" len="med"/>
+                      <a:tailEnd type="none" w="med" len="med"/>
+                    </a:lnT>
+                    <a:lnB w="12700" cap="flat" cmpd="sng" algn="ctr">
+                      <a:solidFill>
+                        <a:schemeClr val="tx1"/>
+                      </a:solidFill>
+                      <a:prstDash val="solid"/>
+                      <a:round/>
+                      <a:headEnd type="none" w="med" len="med"/>
+                      <a:tailEnd type="none" w="med" len="med"/>
+                    </a:lnB>
+                  </a:tcPr>
+                </a:tc>
+                <a:tc>
+                  <a:txBody>
+                    <a:bodyPr/>
+                    <a:lstStyle/>
+                    <a:p>
+                      <a:endParaRPr lang="en-US"/>
+                    </a:p>
+                  </a:txBody>
+                  <a:tcPr>
+                    <a:lnL w="12700" cap="flat" cmpd="sng" algn="ctr">
+                      <a:solidFill>
+                        <a:schemeClr val="tx1"/>
+                      </a:solidFill>
+                      <a:prstDash val="solid"/>
+                      <a:round/>
+                      <a:headEnd type="none" w="med" len="med"/>
+                      <a:tailEnd type="none" w="med" len="med"/>
+                    </a:lnL>
+                    <a:lnR w="12700" cap="flat" cmpd="sng" algn="ctr">
+                      <a:solidFill>
+                        <a:schemeClr val="tx1"/>
+                      </a:solidFill>
+                      <a:prstDash val="solid"/>
+                      <a:round/>
+                      <a:headEnd type="none" w="med" len="med"/>
+                      <a:tailEnd type="none" w="med" len="med"/>
+                    </a:lnR>
+                    <a:lnT w="12700" cap="flat" cmpd="sng" algn="ctr">
+                      <a:solidFill>
+                        <a:schemeClr val="tx1"/>
+                      </a:solidFill>
+                      <a:prstDash val="solid"/>
+                      <a:round/>
+                      <a:headEnd type="none" w="med" len="med"/>
+                      <a:tailEnd type="none" w="med" len="med"/>
+                    </a:lnT>
+                    <a:lnB w="12700" cap="flat" cmpd="sng" algn="ctr">
+                      <a:solidFill>
+                        <a:schemeClr val="tx1"/>
+                      </a:solidFill>
+                      <a:prstDash val="solid"/>
+                      <a:round/>
+                      <a:headEnd type="none" w="med" len="med"/>
+                      <a:tailEnd type="none" w="med" len="med"/>
+                    </a:lnB>
+                  </a:tcPr>
+                </a:tc>
+                <a:tc>
+                  <a:txBody>
+                    <a:bodyPr/>
+                    <a:lstStyle/>
+                    <a:p>
+                      <a:endParaRPr lang="en-US"/>
+                    </a:p>
+                  </a:txBody>
+                  <a:tcPr>
+                    <a:lnL w="12700" cap="flat" cmpd="sng" algn="ctr">
+                      <a:solidFill>
+                        <a:schemeClr val="tx1"/>
+                      </a:solidFill>
+                      <a:prstDash val="solid"/>
+                      <a:round/>
+                      <a:headEnd type="none" w="med" len="med"/>
+                      <a:tailEnd type="none" w="med" len="med"/>
+                    </a:lnL>
+                    <a:lnR w="12700" cap="flat" cmpd="sng" algn="ctr">
+                      <a:solidFill>
+                        <a:schemeClr val="tx1"/>
+                      </a:solidFill>
+                      <a:prstDash val="solid"/>
+                      <a:round/>
+                      <a:headEnd type="none" w="med" len="med"/>
+                      <a:tailEnd type="none" w="med" len="med"/>
+                    </a:lnR>
+                    <a:lnT w="12700" cap="flat" cmpd="sng" algn="ctr">
+                      <a:solidFill>
+                        <a:schemeClr val="tx1"/>
+                      </a:solidFill>
+                      <a:prstDash val="solid"/>
+                      <a:round/>
+                      <a:headEnd type="none" w="med" len="med"/>
+                      <a:tailEnd type="none" w="med" len="med"/>
+                    </a:lnT>
+                    <a:lnB w="12700" cap="flat" cmpd="sng" algn="ctr">
+                      <a:solidFill>
+                        <a:schemeClr val="tx1"/>
+                      </a:solidFill>
+                      <a:prstDash val="solid"/>
+                      <a:round/>
+                      <a:headEnd type="none" w="med" len="med"/>
+                      <a:tailEnd type="none" w="med" len="med"/>
+                    </a:lnB>
+                  </a:tcPr>
+                </a:tc>
+                <a:tc>
+                  <a:txBody>
+                    <a:bodyPr/>
+                    <a:lstStyle/>
+                    <a:p>
+                      <a:endParaRPr lang="en-US"/>
+                    </a:p>
+                  </a:txBody>
+                  <a:tcPr>
+                    <a:lnL w="12700" cap="flat" cmpd="sng" algn="ctr">
+                      <a:solidFill>
+                        <a:schemeClr val="tx1"/>
+                      </a:solidFill>
+                      <a:prstDash val="solid"/>
+                      <a:round/>
+                      <a:headEnd type="none" w="med" len="med"/>
+                      <a:tailEnd type="none" w="med" len="med"/>
+                    </a:lnL>
+                    <a:lnR w="12700" cap="flat" cmpd="sng" algn="ctr">
+                      <a:solidFill>
+                        <a:schemeClr val="tx1"/>
+                      </a:solidFill>
+                      <a:prstDash val="solid"/>
+                      <a:round/>
+                      <a:headEnd type="none" w="med" len="med"/>
+                      <a:tailEnd type="none" w="med" len="med"/>
+                    </a:lnR>
+                    <a:lnT w="12700" cap="flat" cmpd="sng" algn="ctr">
+                      <a:solidFill>
+                        <a:schemeClr val="tx1"/>
+                      </a:solidFill>
+                      <a:prstDash val="solid"/>
+                      <a:round/>
+                      <a:headEnd type="none" w="med" len="med"/>
+                      <a:tailEnd type="none" w="med" len="med"/>
+                    </a:lnT>
+                    <a:lnB w="12700" cap="flat" cmpd="sng" algn="ctr">
+                      <a:solidFill>
+                        <a:schemeClr val="tx1"/>
+                      </a:solidFill>
+                      <a:prstDash val="solid"/>
+                      <a:round/>
+                      <a:headEnd type="none" w="med" len="med"/>
+                      <a:tailEnd type="none" w="med" len="med"/>
+                    </a:lnB>
+                  </a:tcPr>
+                </a:tc>
+                <a:tc>
+                  <a:txBody>
+                    <a:bodyPr/>
+                    <a:lstStyle/>
+                    <a:p>
+                      <a:endParaRPr lang="en-US" dirty="0"/>
+                    </a:p>
+                  </a:txBody>
+                  <a:tcPr>
+                    <a:lnL w="12700" cap="flat" cmpd="sng" algn="ctr">
+                      <a:solidFill>
+                        <a:schemeClr val="tx1"/>
+                      </a:solidFill>
+                      <a:prstDash val="solid"/>
+                      <a:round/>
+                      <a:headEnd type="none" w="med" len="med"/>
+                      <a:tailEnd type="none" w="med" len="med"/>
+                    </a:lnL>
+                    <a:lnR w="12700" cap="flat" cmpd="sng" algn="ctr">
+                      <a:solidFill>
+                        <a:schemeClr val="tx1"/>
+                      </a:solidFill>
+                      <a:prstDash val="solid"/>
+                      <a:round/>
+                      <a:headEnd type="none" w="med" len="med"/>
+                      <a:tailEnd type="none" w="med" len="med"/>
+                    </a:lnR>
+                    <a:lnT w="12700" cap="flat" cmpd="sng" algn="ctr">
+                      <a:solidFill>
+                        <a:schemeClr val="tx1"/>
+                      </a:solidFill>
+                      <a:prstDash val="solid"/>
+                      <a:round/>
+                      <a:headEnd type="none" w="med" len="med"/>
+                      <a:tailEnd type="none" w="med" len="med"/>
+                    </a:lnT>
+                    <a:lnB w="12700" cap="flat" cmpd="sng" algn="ctr">
+                      <a:solidFill>
+                        <a:schemeClr val="tx1"/>
+                      </a:solidFill>
+                      <a:prstDash val="solid"/>
+                      <a:round/>
+                      <a:headEnd type="none" w="med" len="med"/>
+                      <a:tailEnd type="none" w="med" len="med"/>
+                    </a:lnB>
+                  </a:tcPr>
+                </a:tc>
+                <a:extLst>
+                  <a:ext uri="{0D108BD9-81ED-4DB2-BD59-A6C34878D82A}">
+                    <a16:rowId xmlns:a16="http://schemas.microsoft.com/office/drawing/2014/main" val="1857260432"/>
+                  </a:ext>
+                </a:extLst>
+              </a:tr>
+            </a:tbl>
+          </a:graphicData>
+        </a:graphic>
+      </p:graphicFrame>
       <p:sp>
         <p:nvSpPr>
-          <p:cNvPr id="5" name="Slide Number Placeholder 4">
+          <p:cNvPr id="10" name="Explosion 1 9">
             <a:extLst>
               <a:ext uri="{FF2B5EF4-FFF2-40B4-BE49-F238E27FC236}">
-                <a16:creationId xmlns:a16="http://schemas.microsoft.com/office/drawing/2014/main" id="{26CD214A-B78A-621F-824E-1B58D4E120FC}"/>
+                <a16:creationId xmlns:a16="http://schemas.microsoft.com/office/drawing/2014/main" id="{8C8379B9-AFD2-8095-BE95-B8942006547C}"/>
               </a:ext>
             </a:extLst>
           </p:cNvPr>
-          <p:cNvSpPr>
-            <a:spLocks noGrp="1"/>
-          </p:cNvSpPr>
-          <p:nvPr>
-            <p:ph type="sldNum" sz="quarter" idx="13"/>
-          </p:nvPr>
+          <p:cNvSpPr/>
+          <p:nvPr/>
         </p:nvSpPr>
-        <p:spPr/>
+        <p:spPr>
+          <a:xfrm rot="19993215">
+            <a:off x="3262817" y="2193932"/>
+            <a:ext cx="1600200" cy="1334474"/>
+          </a:xfrm>
+          <a:prstGeom prst="irregularSeal1">
+            <a:avLst/>
+          </a:prstGeom>
+        </p:spPr>
+        <p:style>
+          <a:lnRef idx="2">
+            <a:schemeClr val="accent1">
+              <a:shade val="50000"/>
+            </a:schemeClr>
+          </a:lnRef>
+          <a:fillRef idx="1">
+            <a:schemeClr val="accent1"/>
+          </a:fillRef>
+          <a:effectRef idx="0">
+            <a:schemeClr val="accent1"/>
+          </a:effectRef>
+          <a:fontRef idx="minor">
+            <a:schemeClr val="lt1"/>
+          </a:fontRef>
+        </p:style>
         <p:txBody>
-          <a:bodyPr/>
+          <a:bodyPr wrap="none" rtlCol="0" anchor="ctr"/>
           <a:lstStyle/>
           <a:p>
-            <a:fld id="{E917DE0E-AFB1-41FD-BC35-27DB61CA125F}" type="slidenum">
-              <a:rPr lang="en-AU" smtClean="0"/>
-              <a:pPr/>
-              <a:t>7</a:t>
-            </a:fld>
-            <a:endParaRPr lang="en-AU" dirty="0"/>
+            <a:pPr algn="ctr"/>
+            <a:r>
+              <a:rPr lang="en-US" sz="1200" dirty="0"/>
+              <a:t> Crowdsource </a:t>
+            </a:r>
+            <a:br>
+              <a:rPr lang="en-US" sz="1200" dirty="0"/>
+            </a:br>
+            <a:r>
+              <a:rPr lang="en-US" sz="1200" dirty="0"/>
+              <a:t>edition!!!</a:t>
+            </a:r>
           </a:p>
         </p:txBody>
       </p:sp>
     </p:spTree>
     <p:extLst>
       <p:ext uri="{BB962C8B-B14F-4D97-AF65-F5344CB8AC3E}">
-        <p14:creationId xmlns:p14="http://schemas.microsoft.com/office/powerpoint/2010/main" val="4032137354"/>
+        <p14:creationId xmlns:p14="http://schemas.microsoft.com/office/powerpoint/2010/main" val="1276575306"/>
       </p:ext>
     </p:extLst>
   </p:cSld>
@@ -16068,7 +20979,7 @@
     <a:masterClrMapping/>
   </p:clrMapOvr>
   <p:transition spd="slow">
-    <p:push dir="u"/>
+    <p:push/>
   </p:transition>
   <p:timing>
     <p:tnLst>
@@ -16104,11 +21015,7 @@
                                           </p:stCondLst>
                                         </p:cTn>
                                         <p:tgtEl>
-                                          <p:spTgt spid="2">
-                                            <p:txEl>
-                                              <p:pRg st="0" end="0"/>
-                                            </p:txEl>
-                                          </p:spTgt>
+                                          <p:spTgt spid="10"/>
                                         </p:tgtEl>
                                         <p:attrNameLst>
                                           <p:attrName>style.visibility</p:attrName>
@@ -16122,11 +21029,7 @@
                                       <p:cBhvr>
                                         <p:cTn id="7" dur="500"/>
                                         <p:tgtEl>
-                                          <p:spTgt spid="2">
-                                            <p:txEl>
-                                              <p:pRg st="0" end="0"/>
-                                            </p:txEl>
-                                          </p:spTgt>
+                                          <p:spTgt spid="10"/>
                                         </p:tgtEl>
                                       </p:cBhvr>
                                     </p:animEffect>
@@ -16165,9 +21068,9 @@
                                           </p:stCondLst>
                                         </p:cTn>
                                         <p:tgtEl>
-                                          <p:spTgt spid="2">
+                                          <p:spTgt spid="3">
                                             <p:txEl>
-                                              <p:pRg st="1" end="1"/>
+                                              <p:pRg st="3" end="3"/>
                                             </p:txEl>
                                           </p:spTgt>
                                         </p:tgtEl>
@@ -16183,9 +21086,9 @@
                                       <p:cBhvr>
                                         <p:cTn id="12" dur="500"/>
                                         <p:tgtEl>
-                                          <p:spTgt spid="2">
+                                          <p:spTgt spid="3">
                                             <p:txEl>
-                                              <p:pRg st="1" end="1"/>
+                                              <p:pRg st="3" end="3"/>
                                             </p:txEl>
                                           </p:spTgt>
                                         </p:tgtEl>
@@ -16226,9 +21129,9 @@
                                           </p:stCondLst>
                                         </p:cTn>
                                         <p:tgtEl>
-                                          <p:spTgt spid="2">
+                                          <p:spTgt spid="3">
                                             <p:txEl>
-                                              <p:pRg st="2" end="2"/>
+                                              <p:pRg st="4" end="4"/>
                                             </p:txEl>
                                           </p:spTgt>
                                         </p:tgtEl>
@@ -16244,9 +21147,367 @@
                                       <p:cBhvr>
                                         <p:cTn id="17" dur="500"/>
                                         <p:tgtEl>
-                                          <p:spTgt spid="2">
+                                          <p:spTgt spid="3">
                                             <p:txEl>
-                                              <p:pRg st="2" end="2"/>
+                                              <p:pRg st="4" end="4"/>
+                                            </p:txEl>
+                                          </p:spTgt>
+                                        </p:tgtEl>
+                                      </p:cBhvr>
+                                    </p:animEffect>
+                                  </p:childTnLst>
+                                </p:cTn>
+                              </p:par>
+                            </p:childTnLst>
+                          </p:cTn>
+                        </p:par>
+                      </p:childTnLst>
+                    </p:cTn>
+                  </p:par>
+                  <p:par>
+                    <p:cTn id="18" fill="hold">
+                      <p:stCondLst>
+                        <p:cond delay="indefinite"/>
+                      </p:stCondLst>
+                      <p:childTnLst>
+                        <p:par>
+                          <p:cTn id="19" fill="hold">
+                            <p:stCondLst>
+                              <p:cond delay="0"/>
+                            </p:stCondLst>
+                            <p:childTnLst>
+                              <p:par>
+                                <p:cTn id="20" presetID="10" presetClass="entr" presetSubtype="0" fill="hold" grpId="0" nodeType="clickEffect">
+                                  <p:stCondLst>
+                                    <p:cond delay="0"/>
+                                  </p:stCondLst>
+                                  <p:childTnLst>
+                                    <p:set>
+                                      <p:cBhvr>
+                                        <p:cTn id="21" dur="1" fill="hold">
+                                          <p:stCondLst>
+                                            <p:cond delay="0"/>
+                                          </p:stCondLst>
+                                        </p:cTn>
+                                        <p:tgtEl>
+                                          <p:spTgt spid="3">
+                                            <p:txEl>
+                                              <p:pRg st="5" end="5"/>
+                                            </p:txEl>
+                                          </p:spTgt>
+                                        </p:tgtEl>
+                                        <p:attrNameLst>
+                                          <p:attrName>style.visibility</p:attrName>
+                                        </p:attrNameLst>
+                                      </p:cBhvr>
+                                      <p:to>
+                                        <p:strVal val="visible"/>
+                                      </p:to>
+                                    </p:set>
+                                    <p:animEffect transition="in" filter="fade">
+                                      <p:cBhvr>
+                                        <p:cTn id="22" dur="500"/>
+                                        <p:tgtEl>
+                                          <p:spTgt spid="3">
+                                            <p:txEl>
+                                              <p:pRg st="5" end="5"/>
+                                            </p:txEl>
+                                          </p:spTgt>
+                                        </p:tgtEl>
+                                      </p:cBhvr>
+                                    </p:animEffect>
+                                  </p:childTnLst>
+                                </p:cTn>
+                              </p:par>
+                            </p:childTnLst>
+                          </p:cTn>
+                        </p:par>
+                      </p:childTnLst>
+                    </p:cTn>
+                  </p:par>
+                  <p:par>
+                    <p:cTn id="23" fill="hold">
+                      <p:stCondLst>
+                        <p:cond delay="indefinite"/>
+                      </p:stCondLst>
+                      <p:childTnLst>
+                        <p:par>
+                          <p:cTn id="24" fill="hold">
+                            <p:stCondLst>
+                              <p:cond delay="0"/>
+                            </p:stCondLst>
+                            <p:childTnLst>
+                              <p:par>
+                                <p:cTn id="25" presetID="10" presetClass="entr" presetSubtype="0" fill="hold" grpId="0" nodeType="clickEffect">
+                                  <p:stCondLst>
+                                    <p:cond delay="0"/>
+                                  </p:stCondLst>
+                                  <p:childTnLst>
+                                    <p:set>
+                                      <p:cBhvr>
+                                        <p:cTn id="26" dur="1" fill="hold">
+                                          <p:stCondLst>
+                                            <p:cond delay="0"/>
+                                          </p:stCondLst>
+                                        </p:cTn>
+                                        <p:tgtEl>
+                                          <p:spTgt spid="3">
+                                            <p:txEl>
+                                              <p:pRg st="7" end="7"/>
+                                            </p:txEl>
+                                          </p:spTgt>
+                                        </p:tgtEl>
+                                        <p:attrNameLst>
+                                          <p:attrName>style.visibility</p:attrName>
+                                        </p:attrNameLst>
+                                      </p:cBhvr>
+                                      <p:to>
+                                        <p:strVal val="visible"/>
+                                      </p:to>
+                                    </p:set>
+                                    <p:animEffect transition="in" filter="fade">
+                                      <p:cBhvr>
+                                        <p:cTn id="27" dur="500"/>
+                                        <p:tgtEl>
+                                          <p:spTgt spid="3">
+                                            <p:txEl>
+                                              <p:pRg st="7" end="7"/>
+                                            </p:txEl>
+                                          </p:spTgt>
+                                        </p:tgtEl>
+                                      </p:cBhvr>
+                                    </p:animEffect>
+                                  </p:childTnLst>
+                                </p:cTn>
+                              </p:par>
+                            </p:childTnLst>
+                          </p:cTn>
+                        </p:par>
+                      </p:childTnLst>
+                    </p:cTn>
+                  </p:par>
+                  <p:par>
+                    <p:cTn id="28" fill="hold">
+                      <p:stCondLst>
+                        <p:cond delay="indefinite"/>
+                      </p:stCondLst>
+                      <p:childTnLst>
+                        <p:par>
+                          <p:cTn id="29" fill="hold">
+                            <p:stCondLst>
+                              <p:cond delay="0"/>
+                            </p:stCondLst>
+                            <p:childTnLst>
+                              <p:par>
+                                <p:cTn id="30" presetID="10" presetClass="entr" presetSubtype="0" fill="hold" nodeType="clickEffect">
+                                  <p:stCondLst>
+                                    <p:cond delay="0"/>
+                                  </p:stCondLst>
+                                  <p:childTnLst>
+                                    <p:set>
+                                      <p:cBhvr>
+                                        <p:cTn id="31" dur="1" fill="hold">
+                                          <p:stCondLst>
+                                            <p:cond delay="0"/>
+                                          </p:stCondLst>
+                                        </p:cTn>
+                                        <p:tgtEl>
+                                          <p:spTgt spid="9"/>
+                                        </p:tgtEl>
+                                        <p:attrNameLst>
+                                          <p:attrName>style.visibility</p:attrName>
+                                        </p:attrNameLst>
+                                      </p:cBhvr>
+                                      <p:to>
+                                        <p:strVal val="visible"/>
+                                      </p:to>
+                                    </p:set>
+                                    <p:animEffect transition="in" filter="fade">
+                                      <p:cBhvr>
+                                        <p:cTn id="32" dur="500"/>
+                                        <p:tgtEl>
+                                          <p:spTgt spid="9"/>
+                                        </p:tgtEl>
+                                      </p:cBhvr>
+                                    </p:animEffect>
+                                  </p:childTnLst>
+                                </p:cTn>
+                              </p:par>
+                            </p:childTnLst>
+                          </p:cTn>
+                        </p:par>
+                      </p:childTnLst>
+                    </p:cTn>
+                  </p:par>
+                  <p:par>
+                    <p:cTn id="33" fill="hold">
+                      <p:stCondLst>
+                        <p:cond delay="indefinite"/>
+                      </p:stCondLst>
+                      <p:childTnLst>
+                        <p:par>
+                          <p:cTn id="34" fill="hold">
+                            <p:stCondLst>
+                              <p:cond delay="0"/>
+                            </p:stCondLst>
+                            <p:childTnLst>
+                              <p:par>
+                                <p:cTn id="35" presetID="10" presetClass="entr" presetSubtype="0" fill="hold" grpId="0" nodeType="clickEffect">
+                                  <p:stCondLst>
+                                    <p:cond delay="0"/>
+                                  </p:stCondLst>
+                                  <p:childTnLst>
+                                    <p:set>
+                                      <p:cBhvr>
+                                        <p:cTn id="36" dur="1" fill="hold">
+                                          <p:stCondLst>
+                                            <p:cond delay="0"/>
+                                          </p:stCondLst>
+                                        </p:cTn>
+                                        <p:tgtEl>
+                                          <p:spTgt spid="3">
+                                            <p:txEl>
+                                              <p:pRg st="8" end="8"/>
+                                            </p:txEl>
+                                          </p:spTgt>
+                                        </p:tgtEl>
+                                        <p:attrNameLst>
+                                          <p:attrName>style.visibility</p:attrName>
+                                        </p:attrNameLst>
+                                      </p:cBhvr>
+                                      <p:to>
+                                        <p:strVal val="visible"/>
+                                      </p:to>
+                                    </p:set>
+                                    <p:animEffect transition="in" filter="fade">
+                                      <p:cBhvr>
+                                        <p:cTn id="37" dur="500"/>
+                                        <p:tgtEl>
+                                          <p:spTgt spid="3">
+                                            <p:txEl>
+                                              <p:pRg st="8" end="8"/>
+                                            </p:txEl>
+                                          </p:spTgt>
+                                        </p:tgtEl>
+                                      </p:cBhvr>
+                                    </p:animEffect>
+                                  </p:childTnLst>
+                                </p:cTn>
+                              </p:par>
+                            </p:childTnLst>
+                          </p:cTn>
+                        </p:par>
+                      </p:childTnLst>
+                    </p:cTn>
+                  </p:par>
+                  <p:par>
+                    <p:cTn id="38" fill="hold">
+                      <p:stCondLst>
+                        <p:cond delay="indefinite"/>
+                      </p:stCondLst>
+                      <p:childTnLst>
+                        <p:par>
+                          <p:cTn id="39" fill="hold">
+                            <p:stCondLst>
+                              <p:cond delay="0"/>
+                            </p:stCondLst>
+                            <p:childTnLst>
+                              <p:par>
+                                <p:cTn id="40" presetID="10" presetClass="entr" presetSubtype="0" fill="hold" grpId="0" nodeType="clickEffect">
+                                  <p:stCondLst>
+                                    <p:cond delay="0"/>
+                                  </p:stCondLst>
+                                  <p:childTnLst>
+                                    <p:set>
+                                      <p:cBhvr>
+                                        <p:cTn id="41" dur="1" fill="hold">
+                                          <p:stCondLst>
+                                            <p:cond delay="0"/>
+                                          </p:stCondLst>
+                                        </p:cTn>
+                                        <p:tgtEl>
+                                          <p:spTgt spid="3">
+                                            <p:txEl>
+                                              <p:pRg st="9" end="9"/>
+                                            </p:txEl>
+                                          </p:spTgt>
+                                        </p:tgtEl>
+                                        <p:attrNameLst>
+                                          <p:attrName>style.visibility</p:attrName>
+                                        </p:attrNameLst>
+                                      </p:cBhvr>
+                                      <p:to>
+                                        <p:strVal val="visible"/>
+                                      </p:to>
+                                    </p:set>
+                                    <p:animEffect transition="in" filter="fade">
+                                      <p:cBhvr>
+                                        <p:cTn id="42" dur="500"/>
+                                        <p:tgtEl>
+                                          <p:spTgt spid="3">
+                                            <p:txEl>
+                                              <p:pRg st="9" end="9"/>
+                                            </p:txEl>
+                                          </p:spTgt>
+                                        </p:tgtEl>
+                                      </p:cBhvr>
+                                    </p:animEffect>
+                                  </p:childTnLst>
+                                </p:cTn>
+                              </p:par>
+                            </p:childTnLst>
+                          </p:cTn>
+                        </p:par>
+                      </p:childTnLst>
+                    </p:cTn>
+                  </p:par>
+                  <p:par>
+                    <p:cTn id="43" fill="hold">
+                      <p:stCondLst>
+                        <p:cond delay="indefinite"/>
+                      </p:stCondLst>
+                      <p:childTnLst>
+                        <p:par>
+                          <p:cTn id="44" fill="hold">
+                            <p:stCondLst>
+                              <p:cond delay="0"/>
+                            </p:stCondLst>
+                            <p:childTnLst>
+                              <p:par>
+                                <p:cTn id="45" presetID="10" presetClass="entr" presetSubtype="0" fill="hold" grpId="0" nodeType="clickEffect">
+                                  <p:stCondLst>
+                                    <p:cond delay="0"/>
+                                  </p:stCondLst>
+                                  <p:childTnLst>
+                                    <p:set>
+                                      <p:cBhvr>
+                                        <p:cTn id="46" dur="1" fill="hold">
+                                          <p:stCondLst>
+                                            <p:cond delay="0"/>
+                                          </p:stCondLst>
+                                        </p:cTn>
+                                        <p:tgtEl>
+                                          <p:spTgt spid="3">
+                                            <p:txEl>
+                                              <p:pRg st="10" end="10"/>
+                                            </p:txEl>
+                                          </p:spTgt>
+                                        </p:tgtEl>
+                                        <p:attrNameLst>
+                                          <p:attrName>style.visibility</p:attrName>
+                                        </p:attrNameLst>
+                                      </p:cBhvr>
+                                      <p:to>
+                                        <p:strVal val="visible"/>
+                                      </p:to>
+                                    </p:set>
+                                    <p:animEffect transition="in" filter="fade">
+                                      <p:cBhvr>
+                                        <p:cTn id="47" dur="500"/>
+                                        <p:tgtEl>
+                                          <p:spTgt spid="3">
+                                            <p:txEl>
+                                              <p:pRg st="10" end="10"/>
                                             </p:txEl>
                                           </p:spTgt>
                                         </p:tgtEl>
@@ -16283,7 +21544,8 @@
       </p:par>
     </p:tnLst>
     <p:bldLst>
-      <p:bldP spid="2" grpId="0" build="p"/>
+      <p:bldP spid="3" grpId="0" uiExpand="1" build="p"/>
+      <p:bldP spid="10" grpId="0" animBg="1"/>
     </p:bldLst>
   </p:timing>
 </p:sld>
@@ -16308,10 +21570,10 @@
       </p:grpSpPr>
       <p:sp>
         <p:nvSpPr>
-          <p:cNvPr id="2" name="Content Placeholder 1">
+          <p:cNvPr id="7" name="Content Placeholder 6">
             <a:extLst>
               <a:ext uri="{FF2B5EF4-FFF2-40B4-BE49-F238E27FC236}">
-                <a16:creationId xmlns:a16="http://schemas.microsoft.com/office/drawing/2014/main" id="{27BF64D7-8FF1-F778-4E25-BC990AAA8BEB}"/>
+                <a16:creationId xmlns:a16="http://schemas.microsoft.com/office/drawing/2014/main" id="{77B02613-CA97-1B36-A378-6EB2B89376DC}"/>
               </a:ext>
             </a:extLst>
           </p:cNvPr>
@@ -16319,165 +21581,216 @@
             <a:spLocks noGrp="1"/>
           </p:cNvSpPr>
           <p:nvPr>
-            <p:ph sz="quarter" idx="11"/>
+            <p:ph sz="half" idx="1"/>
           </p:nvPr>
         </p:nvSpPr>
-        <p:spPr>
-          <a:xfrm>
-            <a:off x="321508" y="2365638"/>
-            <a:ext cx="11260891" cy="4127303"/>
-          </a:xfrm>
-        </p:spPr>
+        <p:spPr/>
         <p:txBody>
-          <a:bodyPr anchor="ctr"/>
+          <a:bodyPr/>
           <a:lstStyle/>
           <a:p>
-            <a:pPr marL="457200" indent="-457200"/>
-            <a:r>
-              <a:rPr lang="en-US" dirty="0">
-                <a:solidFill>
-                  <a:schemeClr val="accent6">
-                    <a:lumMod val="50000"/>
-                  </a:schemeClr>
-                </a:solidFill>
-              </a:rPr>
-              <a:t>Basic </a:t>
-            </a:r>
+            <a:pPr marL="0" indent="0">
+              <a:buNone/>
+            </a:pPr>
             <a:r>
               <a:rPr lang="en-US" dirty="0">
                 <a:latin typeface="National 2 Medium" panose="020B0504030502020203" pitchFamily="34" charset="77"/>
               </a:rPr>
-              <a:t>structure</a:t>
-            </a:r>
-            <a:r>
-              <a:rPr lang="en-US" dirty="0"/>
-              <a:t> </a:t>
-            </a:r>
-            <a:r>
-              <a:rPr lang="en-US" dirty="0">
-                <a:solidFill>
-                  <a:schemeClr val="accent6">
-                    <a:lumMod val="50000"/>
-                  </a:schemeClr>
-                </a:solidFill>
-              </a:rPr>
-              <a:t>of </a:t>
-            </a:r>
-            <a:r>
-              <a:rPr lang="en-US" dirty="0" err="1">
-                <a:solidFill>
-                  <a:schemeClr val="accent6">
-                    <a:lumMod val="50000"/>
-                  </a:schemeClr>
-                </a:solidFill>
-              </a:rPr>
-              <a:t>PyTorch</a:t>
-            </a:r>
-            <a:endParaRPr lang="en-US" dirty="0">
-              <a:solidFill>
-                <a:schemeClr val="accent6">
-                  <a:lumMod val="50000"/>
-                </a:schemeClr>
-              </a:solidFill>
-            </a:endParaRPr>
-          </a:p>
-          <a:p>
-            <a:pPr marL="457200" indent="-457200"/>
+              <a:t>Version I: Multiple workers, single room</a:t>
+            </a:r>
+          </a:p>
+          <a:p>
+            <a:pPr marL="0" indent="0">
+              <a:buNone/>
+            </a:pPr>
             <a:r>
               <a:rPr lang="en-US" dirty="0">
                 <a:latin typeface="National 2 Medium" panose="020B0504030502020203" pitchFamily="34" charset="77"/>
               </a:rPr>
-              <a:t>Core components </a:t>
-            </a:r>
-          </a:p>
-          <a:p>
-            <a:pPr marL="457200" indent="-457200"/>
+              <a:t>Pros:</a:t>
+            </a:r>
+          </a:p>
+          <a:p>
+            <a:pPr marL="285750" indent="-285750">
+              <a:buFont typeface=".Apple Color Emoji UI"/>
+              <a:buChar char="🍰"/>
+            </a:pPr>
             <a:r>
               <a:rPr lang="en-US" dirty="0">
-                <a:solidFill>
-                  <a:schemeClr val="accent6">
-                    <a:lumMod val="50000"/>
-                  </a:schemeClr>
-                </a:solidFill>
+                <a:latin typeface="National 2" panose="020B0504030502020203" pitchFamily="34" charset="77"/>
               </a:rPr>
-              <a:t>Build</a:t>
-            </a:r>
+              <a:t>Simple implementation</a:t>
+            </a:r>
+          </a:p>
+          <a:p>
+            <a:pPr marL="285750" indent="-285750">
+              <a:buFont typeface=".Apple Color Emoji UI"/>
+              <a:buChar char="🎯"/>
+            </a:pPr>
+            <a:r>
+              <a:rPr lang="en-US" dirty="0">
+                <a:latin typeface="National 2" panose="020B0504030502020203" pitchFamily="34" charset="77"/>
+              </a:rPr>
+              <a:t>Low overhead</a:t>
+            </a:r>
+            <a:endParaRPr lang="en-US" dirty="0">
+              <a:latin typeface="National 2 Medium" panose="020B0504030502020203" pitchFamily="34" charset="77"/>
+            </a:endParaRPr>
+          </a:p>
+          <a:p>
+            <a:pPr marL="0" indent="0">
+              <a:buNone/>
+            </a:pPr>
+            <a:endParaRPr lang="en-US" dirty="0">
+              <a:latin typeface="National 2 Medium" panose="020B0504030502020203" pitchFamily="34" charset="77"/>
+            </a:endParaRPr>
+          </a:p>
+          <a:p>
+            <a:pPr marL="0" indent="0">
+              <a:buNone/>
+            </a:pPr>
             <a:r>
               <a:rPr lang="en-US" dirty="0">
                 <a:latin typeface="National 2 Medium" panose="020B0504030502020203" pitchFamily="34" charset="77"/>
               </a:rPr>
-              <a:t> </a:t>
-            </a:r>
+              <a:t>Cons:</a:t>
+            </a:r>
+          </a:p>
+          <a:p>
+            <a:pPr marL="285750" indent="-285750">
+              <a:buFont typeface=".Apple Color Emoji UI"/>
+              <a:buChar char="🪫"/>
+            </a:pPr>
             <a:r>
               <a:rPr lang="en-US" dirty="0">
-                <a:solidFill>
-                  <a:schemeClr val="accent6">
-                    <a:lumMod val="50000"/>
-                  </a:schemeClr>
-                </a:solidFill>
+                <a:latin typeface="National 2" panose="020B0504030502020203" pitchFamily="34" charset="77"/>
               </a:rPr>
-              <a:t>and train a</a:t>
-            </a:r>
-            <a:r>
-              <a:rPr lang="en-US" dirty="0">
-                <a:latin typeface="National 2 Medium" panose="020B0504030502020203" pitchFamily="34" charset="77"/>
-              </a:rPr>
-              <a:t> simple neural network</a:t>
-            </a:r>
-          </a:p>
-          <a:p>
-            <a:pPr marL="457200" indent="-457200"/>
-            <a:r>
-              <a:rPr lang="en-US" dirty="0">
-                <a:solidFill>
-                  <a:schemeClr val="accent6">
-                    <a:lumMod val="50000"/>
-                  </a:schemeClr>
-                </a:solidFill>
-              </a:rPr>
-              <a:t>Use a</a:t>
-            </a:r>
-            <a:r>
-              <a:rPr lang="en-US" dirty="0">
-                <a:latin typeface="National 2 Medium" panose="020B0504030502020203" pitchFamily="34" charset="77"/>
-              </a:rPr>
-              <a:t> pre-trained neural network</a:t>
-            </a:r>
-            <a:endParaRPr lang="en-US" dirty="0">
-              <a:solidFill>
-                <a:schemeClr val="accent6">
-                  <a:lumMod val="50000"/>
-                </a:schemeClr>
-              </a:solidFill>
-            </a:endParaRPr>
-          </a:p>
-          <a:p>
-            <a:pPr marL="457200" indent="-457200"/>
-            <a:r>
-              <a:rPr lang="en-US" dirty="0">
-                <a:solidFill>
-                  <a:schemeClr val="accent6">
-                    <a:lumMod val="50000"/>
-                  </a:schemeClr>
-                </a:solidFill>
-              </a:rPr>
-              <a:t>Adapt a pre-trained neural network using </a:t>
-            </a:r>
-            <a:r>
-              <a:rPr lang="en-US" dirty="0">
-                <a:latin typeface="National 2 Medium" panose="020B0504030502020203" pitchFamily="34" charset="77"/>
-              </a:rPr>
-              <a:t>transfer learning</a:t>
+              <a:t>Limited by finite local resources</a:t>
             </a:r>
           </a:p>
         </p:txBody>
       </p:sp>
       <p:sp>
         <p:nvSpPr>
-          <p:cNvPr id="3" name="Title 2">
+          <p:cNvPr id="8" name="Content Placeholder 7">
             <a:extLst>
               <a:ext uri="{FF2B5EF4-FFF2-40B4-BE49-F238E27FC236}">
-                <a16:creationId xmlns:a16="http://schemas.microsoft.com/office/drawing/2014/main" id="{E1596C84-A306-B189-CDA1-74458B43CBD8}"/>
+                <a16:creationId xmlns:a16="http://schemas.microsoft.com/office/drawing/2014/main" id="{C7D29156-B5DD-CA16-EBA3-CF7E273C8819}"/>
+              </a:ext>
+            </a:extLst>
+          </p:cNvPr>
+          <p:cNvSpPr>
+            <a:spLocks noGrp="1"/>
+          </p:cNvSpPr>
+          <p:nvPr>
+            <p:ph sz="half" idx="2"/>
+          </p:nvPr>
+        </p:nvSpPr>
+        <p:spPr/>
+        <p:txBody>
+          <a:bodyPr/>
+          <a:lstStyle/>
+          <a:p>
+            <a:pPr marL="0" indent="0">
+              <a:buNone/>
+            </a:pPr>
+            <a:r>
+              <a:rPr lang="en-US" dirty="0">
+                <a:latin typeface="National 2 Medium" panose="020B0504030502020203" pitchFamily="34" charset="77"/>
+              </a:rPr>
+              <a:t>Version II: Multiple workers, multiple rooms</a:t>
+            </a:r>
+          </a:p>
+          <a:p>
+            <a:pPr marL="0" indent="0">
+              <a:buNone/>
+            </a:pPr>
+            <a:r>
+              <a:rPr lang="en-US" dirty="0">
+                <a:latin typeface="National 2 Medium" panose="020B0504030502020203" pitchFamily="34" charset="77"/>
+              </a:rPr>
+              <a:t>Pros:</a:t>
+            </a:r>
+          </a:p>
+          <a:p>
+            <a:pPr marL="285750" indent="-285750">
+              <a:buFont typeface=".Apple Color Emoji UI"/>
+              <a:buChar char="🚀"/>
+            </a:pPr>
+            <a:r>
+              <a:rPr lang="en-US" dirty="0">
+                <a:latin typeface="National 2" panose="020B0504030502020203" pitchFamily="34" charset="77"/>
+              </a:rPr>
+              <a:t>Virtually unlimited scaling</a:t>
+            </a:r>
+          </a:p>
+          <a:p>
+            <a:pPr marL="0" indent="0">
+              <a:buNone/>
+            </a:pPr>
+            <a:endParaRPr lang="en-US" dirty="0">
+              <a:latin typeface="National 2 Medium" panose="020B0504030502020203" pitchFamily="34" charset="77"/>
+            </a:endParaRPr>
+          </a:p>
+          <a:p>
+            <a:pPr marL="0" indent="0">
+              <a:buNone/>
+            </a:pPr>
+            <a:endParaRPr lang="en-US" dirty="0">
+              <a:latin typeface="National 2 Medium" panose="020B0504030502020203" pitchFamily="34" charset="77"/>
+            </a:endParaRPr>
+          </a:p>
+          <a:p>
+            <a:pPr marL="0" indent="0">
+              <a:buNone/>
+            </a:pPr>
+            <a:r>
+              <a:rPr lang="en-US" dirty="0">
+                <a:latin typeface="National 2 Medium" panose="020B0504030502020203" pitchFamily="34" charset="77"/>
+              </a:rPr>
+              <a:t>Cons:</a:t>
+            </a:r>
+          </a:p>
+          <a:p>
+            <a:pPr marL="285750" indent="-285750">
+              <a:buFont typeface=".Apple Color Emoji UI"/>
+              <a:buChar char="🏗"/>
+            </a:pPr>
+            <a:r>
+              <a:rPr lang="en-US" dirty="0">
+                <a:latin typeface="National 2" panose="020B0504030502020203" pitchFamily="34" charset="77"/>
+              </a:rPr>
+              <a:t>More complex implementation</a:t>
+            </a:r>
+          </a:p>
+          <a:p>
+            <a:pPr marL="285750" indent="-285750">
+              <a:buFont typeface=".Apple Color Emoji UI"/>
+              <a:buChar char="💬"/>
+            </a:pPr>
+            <a:r>
+              <a:rPr lang="en-US" dirty="0">
+                <a:latin typeface="National 2" panose="020B0504030502020203" pitchFamily="34" charset="77"/>
+              </a:rPr>
+              <a:t>Communication between workers causes overhead</a:t>
+            </a:r>
+          </a:p>
+          <a:p>
+            <a:pPr marL="0" indent="0">
+              <a:buNone/>
+            </a:pPr>
+            <a:endParaRPr lang="en-US" dirty="0">
+              <a:latin typeface="National 2 Medium" panose="020B0504030502020203" pitchFamily="34" charset="77"/>
+            </a:endParaRPr>
+          </a:p>
+        </p:txBody>
+      </p:sp>
+      <p:sp>
+        <p:nvSpPr>
+          <p:cNvPr id="6" name="Title 5">
+            <a:extLst>
+              <a:ext uri="{FF2B5EF4-FFF2-40B4-BE49-F238E27FC236}">
+                <a16:creationId xmlns:a16="http://schemas.microsoft.com/office/drawing/2014/main" id="{99DB46E0-B6C1-3C10-2C5F-3209AE91D181}"/>
               </a:ext>
             </a:extLst>
           </p:cNvPr>
@@ -16495,7 +21808,7 @@
           <a:p>
             <a:r>
               <a:rPr lang="en-US" dirty="0"/>
-              <a:t>What you will learn in this workshop</a:t>
+              <a:t>Comparison</a:t>
             </a:r>
           </a:p>
         </p:txBody>
@@ -16505,7 +21818,1395 @@
           <p:cNvPr id="4" name="Footer Placeholder 3">
             <a:extLst>
               <a:ext uri="{FF2B5EF4-FFF2-40B4-BE49-F238E27FC236}">
-                <a16:creationId xmlns:a16="http://schemas.microsoft.com/office/drawing/2014/main" id="{8AB0CDEB-4997-14D9-3B11-92B6181671E9}"/>
+                <a16:creationId xmlns:a16="http://schemas.microsoft.com/office/drawing/2014/main" id="{2DDD7653-DBEC-A46F-31D3-BDECB0308FEA}"/>
+              </a:ext>
+            </a:extLst>
+          </p:cNvPr>
+          <p:cNvSpPr>
+            <a:spLocks noGrp="1"/>
+          </p:cNvSpPr>
+          <p:nvPr>
+            <p:ph type="ftr" sz="quarter" idx="10"/>
+          </p:nvPr>
+        </p:nvSpPr>
+        <p:spPr/>
+        <p:txBody>
+          <a:bodyPr/>
+          <a:lstStyle/>
+          <a:p>
+            <a:r>
+              <a:rPr lang="en-AU"/>
+              <a:t>Massively parallel computing with MPI in Python</a:t>
+            </a:r>
+            <a:endParaRPr lang="en-AU" dirty="0"/>
+          </a:p>
+        </p:txBody>
+      </p:sp>
+      <p:sp>
+        <p:nvSpPr>
+          <p:cNvPr id="5" name="Slide Number Placeholder 4">
+            <a:extLst>
+              <a:ext uri="{FF2B5EF4-FFF2-40B4-BE49-F238E27FC236}">
+                <a16:creationId xmlns:a16="http://schemas.microsoft.com/office/drawing/2014/main" id="{A4221B02-64BE-2EA6-DBDA-35265F9C889D}"/>
+              </a:ext>
+            </a:extLst>
+          </p:cNvPr>
+          <p:cNvSpPr>
+            <a:spLocks noGrp="1"/>
+          </p:cNvSpPr>
+          <p:nvPr>
+            <p:ph type="sldNum" sz="quarter" idx="11"/>
+          </p:nvPr>
+        </p:nvSpPr>
+        <p:spPr/>
+        <p:txBody>
+          <a:bodyPr/>
+          <a:lstStyle/>
+          <a:p>
+            <a:fld id="{E917DE0E-AFB1-41FD-BC35-27DB61CA125F}" type="slidenum">
+              <a:rPr lang="en-AU" smtClean="0"/>
+              <a:pPr/>
+              <a:t>8</a:t>
+            </a:fld>
+            <a:endParaRPr lang="en-AU" dirty="0"/>
+          </a:p>
+        </p:txBody>
+      </p:sp>
+      <p:sp>
+        <p:nvSpPr>
+          <p:cNvPr id="9" name="Title 5">
+            <a:extLst>
+              <a:ext uri="{FF2B5EF4-FFF2-40B4-BE49-F238E27FC236}">
+                <a16:creationId xmlns:a16="http://schemas.microsoft.com/office/drawing/2014/main" id="{01ADB254-E209-AE63-A8DB-68D818999AD0}"/>
+              </a:ext>
+            </a:extLst>
+          </p:cNvPr>
+          <p:cNvSpPr txBox="1">
+            <a:spLocks/>
+          </p:cNvSpPr>
+          <p:nvPr/>
+        </p:nvSpPr>
+        <p:spPr>
+          <a:xfrm>
+            <a:off x="336425" y="1391440"/>
+            <a:ext cx="11546007" cy="923505"/>
+          </a:xfrm>
+          <a:prstGeom prst="rect">
+            <a:avLst/>
+          </a:prstGeom>
+        </p:spPr>
+        <p:txBody>
+          <a:bodyPr vert="horz" lIns="0" tIns="0" rIns="0" bIns="0" rtlCol="0" anchor="t">
+            <a:normAutofit/>
+          </a:bodyPr>
+          <a:lstStyle>
+            <a:lvl1pPr algn="l" defTabSz="642974" rtl="0" eaLnBrk="1" latinLnBrk="0" hangingPunct="1">
+              <a:lnSpc>
+                <a:spcPct val="85000"/>
+              </a:lnSpc>
+              <a:spcBef>
+                <a:spcPct val="0"/>
+              </a:spcBef>
+              <a:buNone/>
+              <a:defRPr sz="3200" b="0" i="0" kern="1200">
+                <a:solidFill>
+                  <a:schemeClr val="accent1"/>
+                </a:solidFill>
+                <a:latin typeface="National 2 Medium" charset="0"/>
+                <a:ea typeface="National 2 Medium" charset="0"/>
+                <a:cs typeface="National 2 Medium" charset="0"/>
+              </a:defRPr>
+            </a:lvl1pPr>
+          </a:lstStyle>
+          <a:p>
+            <a:r>
+              <a:rPr lang="en-US" dirty="0"/>
+              <a:t>Comparison </a:t>
+            </a:r>
+          </a:p>
+          <a:p>
+            <a:r>
+              <a:rPr lang="en-US" dirty="0"/>
+              <a:t>of shared-memory and distributed-memory parallelism</a:t>
+            </a:r>
+          </a:p>
+        </p:txBody>
+      </p:sp>
+      <p:sp>
+        <p:nvSpPr>
+          <p:cNvPr id="10" name="TextBox 9">
+            <a:extLst>
+              <a:ext uri="{FF2B5EF4-FFF2-40B4-BE49-F238E27FC236}">
+                <a16:creationId xmlns:a16="http://schemas.microsoft.com/office/drawing/2014/main" id="{91A67BF7-D15C-61CD-FDB1-8BFED6085A87}"/>
+              </a:ext>
+            </a:extLst>
+          </p:cNvPr>
+          <p:cNvSpPr txBox="1"/>
+          <p:nvPr/>
+        </p:nvSpPr>
+        <p:spPr>
+          <a:xfrm>
+            <a:off x="2029216" y="2350373"/>
+            <a:ext cx="838200" cy="338554"/>
+          </a:xfrm>
+          <a:prstGeom prst="rect">
+            <a:avLst/>
+          </a:prstGeom>
+          <a:solidFill>
+            <a:schemeClr val="bg1"/>
+          </a:solidFill>
+        </p:spPr>
+        <p:txBody>
+          <a:bodyPr wrap="square" lIns="0" rtlCol="0">
+            <a:spAutoFit/>
+          </a:bodyPr>
+          <a:lstStyle/>
+          <a:p>
+            <a:r>
+              <a:rPr lang="en-US" sz="1600" dirty="0">
+                <a:solidFill>
+                  <a:schemeClr val="accent1"/>
+                </a:solidFill>
+                <a:latin typeface="National 2 Medium" panose="020B0504030502020203" pitchFamily="34" charset="77"/>
+              </a:rPr>
+              <a:t>CPUs,</a:t>
+            </a:r>
+          </a:p>
+        </p:txBody>
+      </p:sp>
+      <p:sp>
+        <p:nvSpPr>
+          <p:cNvPr id="11" name="TextBox 10">
+            <a:extLst>
+              <a:ext uri="{FF2B5EF4-FFF2-40B4-BE49-F238E27FC236}">
+                <a16:creationId xmlns:a16="http://schemas.microsoft.com/office/drawing/2014/main" id="{920AE375-787C-D133-1B7A-26C87A85BA9A}"/>
+              </a:ext>
+            </a:extLst>
+          </p:cNvPr>
+          <p:cNvSpPr txBox="1"/>
+          <p:nvPr/>
+        </p:nvSpPr>
+        <p:spPr>
+          <a:xfrm>
+            <a:off x="8001000" y="2350373"/>
+            <a:ext cx="838200" cy="338554"/>
+          </a:xfrm>
+          <a:prstGeom prst="rect">
+            <a:avLst/>
+          </a:prstGeom>
+          <a:solidFill>
+            <a:schemeClr val="bg1"/>
+          </a:solidFill>
+        </p:spPr>
+        <p:txBody>
+          <a:bodyPr wrap="square" lIns="0" rtlCol="0">
+            <a:spAutoFit/>
+          </a:bodyPr>
+          <a:lstStyle/>
+          <a:p>
+            <a:r>
+              <a:rPr lang="en-US" sz="1600" dirty="0">
+                <a:solidFill>
+                  <a:schemeClr val="accent1"/>
+                </a:solidFill>
+                <a:latin typeface="National 2 Medium" panose="020B0504030502020203" pitchFamily="34" charset="77"/>
+              </a:rPr>
+              <a:t>CPUs,</a:t>
+            </a:r>
+          </a:p>
+        </p:txBody>
+      </p:sp>
+      <p:sp>
+        <p:nvSpPr>
+          <p:cNvPr id="12" name="TextBox 11">
+            <a:extLst>
+              <a:ext uri="{FF2B5EF4-FFF2-40B4-BE49-F238E27FC236}">
+                <a16:creationId xmlns:a16="http://schemas.microsoft.com/office/drawing/2014/main" id="{EB710A47-C7D4-F372-ECBB-6A487EBA4932}"/>
+              </a:ext>
+            </a:extLst>
+          </p:cNvPr>
+          <p:cNvSpPr txBox="1"/>
+          <p:nvPr/>
+        </p:nvSpPr>
+        <p:spPr>
+          <a:xfrm>
+            <a:off x="3488498" y="2350373"/>
+            <a:ext cx="778701" cy="338554"/>
+          </a:xfrm>
+          <a:prstGeom prst="rect">
+            <a:avLst/>
+          </a:prstGeom>
+          <a:solidFill>
+            <a:schemeClr val="bg1"/>
+          </a:solidFill>
+        </p:spPr>
+        <p:txBody>
+          <a:bodyPr wrap="square" lIns="0" rtlCol="0">
+            <a:spAutoFit/>
+          </a:bodyPr>
+          <a:lstStyle/>
+          <a:p>
+            <a:r>
+              <a:rPr lang="en-US" sz="1600" dirty="0">
+                <a:solidFill>
+                  <a:schemeClr val="accent1"/>
+                </a:solidFill>
+                <a:latin typeface="National 2 Medium" panose="020B0504030502020203" pitchFamily="34" charset="77"/>
+              </a:rPr>
+              <a:t>node</a:t>
+            </a:r>
+          </a:p>
+        </p:txBody>
+      </p:sp>
+      <p:sp>
+        <p:nvSpPr>
+          <p:cNvPr id="13" name="TextBox 12">
+            <a:extLst>
+              <a:ext uri="{FF2B5EF4-FFF2-40B4-BE49-F238E27FC236}">
+                <a16:creationId xmlns:a16="http://schemas.microsoft.com/office/drawing/2014/main" id="{4FF035F2-3412-6548-B785-2D5BAC45B7CB}"/>
+              </a:ext>
+            </a:extLst>
+          </p:cNvPr>
+          <p:cNvSpPr txBox="1"/>
+          <p:nvPr/>
+        </p:nvSpPr>
+        <p:spPr>
+          <a:xfrm>
+            <a:off x="9682618" y="2350373"/>
+            <a:ext cx="832981" cy="338554"/>
+          </a:xfrm>
+          <a:prstGeom prst="rect">
+            <a:avLst/>
+          </a:prstGeom>
+          <a:solidFill>
+            <a:schemeClr val="bg1"/>
+          </a:solidFill>
+        </p:spPr>
+        <p:txBody>
+          <a:bodyPr wrap="square" lIns="0" rtlCol="0">
+            <a:spAutoFit/>
+          </a:bodyPr>
+          <a:lstStyle/>
+          <a:p>
+            <a:r>
+              <a:rPr lang="en-US" sz="1600" dirty="0">
+                <a:solidFill>
+                  <a:schemeClr val="accent1"/>
+                </a:solidFill>
+                <a:latin typeface="National 2 Medium" panose="020B0504030502020203" pitchFamily="34" charset="77"/>
+              </a:rPr>
+              <a:t>nodes</a:t>
+            </a:r>
+          </a:p>
+        </p:txBody>
+      </p:sp>
+      <p:sp>
+        <p:nvSpPr>
+          <p:cNvPr id="15" name="TextBox 14">
+            <a:extLst>
+              <a:ext uri="{FF2B5EF4-FFF2-40B4-BE49-F238E27FC236}">
+                <a16:creationId xmlns:a16="http://schemas.microsoft.com/office/drawing/2014/main" id="{5360EA1C-0734-3B3C-C3B1-4F54E79DA51B}"/>
+              </a:ext>
+            </a:extLst>
+          </p:cNvPr>
+          <p:cNvSpPr txBox="1"/>
+          <p:nvPr/>
+        </p:nvSpPr>
+        <p:spPr>
+          <a:xfrm>
+            <a:off x="1232641" y="6019800"/>
+            <a:ext cx="3269549" cy="338554"/>
+          </a:xfrm>
+          <a:prstGeom prst="rect">
+            <a:avLst/>
+          </a:prstGeom>
+          <a:noFill/>
+        </p:spPr>
+        <p:txBody>
+          <a:bodyPr wrap="none" rtlCol="0">
+            <a:spAutoFit/>
+          </a:bodyPr>
+          <a:lstStyle/>
+          <a:p>
+            <a:r>
+              <a:rPr lang="en-US" sz="1600" dirty="0">
+                <a:solidFill>
+                  <a:schemeClr val="accent1"/>
+                </a:solidFill>
+                <a:latin typeface="National 2 Medium" panose="020B0504030502020203" pitchFamily="34" charset="77"/>
+              </a:rPr>
+              <a:t>OpenMP, C++11 threads, </a:t>
+            </a:r>
+            <a:r>
+              <a:rPr lang="en-US" sz="1600" dirty="0" err="1">
+                <a:solidFill>
+                  <a:schemeClr val="accent1"/>
+                </a:solidFill>
+                <a:latin typeface="National 2 Medium" panose="020B0504030502020203" pitchFamily="34" charset="77"/>
+              </a:rPr>
+              <a:t>joblib</a:t>
+            </a:r>
+            <a:r>
+              <a:rPr lang="en-US" sz="1600" dirty="0">
+                <a:solidFill>
+                  <a:schemeClr val="accent1"/>
+                </a:solidFill>
+                <a:latin typeface="National 2 Medium" panose="020B0504030502020203" pitchFamily="34" charset="77"/>
+              </a:rPr>
+              <a:t>, …</a:t>
+            </a:r>
+          </a:p>
+        </p:txBody>
+      </p:sp>
+      <p:sp>
+        <p:nvSpPr>
+          <p:cNvPr id="16" name="TextBox 15">
+            <a:extLst>
+              <a:ext uri="{FF2B5EF4-FFF2-40B4-BE49-F238E27FC236}">
+                <a16:creationId xmlns:a16="http://schemas.microsoft.com/office/drawing/2014/main" id="{D6C77C7E-B04E-0E5F-6469-5ECFEAA28E56}"/>
+              </a:ext>
+            </a:extLst>
+          </p:cNvPr>
+          <p:cNvSpPr txBox="1"/>
+          <p:nvPr/>
+        </p:nvSpPr>
+        <p:spPr>
+          <a:xfrm>
+            <a:off x="8154642" y="6014375"/>
+            <a:ext cx="530915" cy="338554"/>
+          </a:xfrm>
+          <a:prstGeom prst="rect">
+            <a:avLst/>
+          </a:prstGeom>
+          <a:noFill/>
+        </p:spPr>
+        <p:txBody>
+          <a:bodyPr wrap="none" rtlCol="0">
+            <a:spAutoFit/>
+          </a:bodyPr>
+          <a:lstStyle/>
+          <a:p>
+            <a:r>
+              <a:rPr lang="en-US" sz="1600" dirty="0">
+                <a:solidFill>
+                  <a:schemeClr val="accent1"/>
+                </a:solidFill>
+                <a:latin typeface="National 2 Medium" panose="020B0504030502020203" pitchFamily="34" charset="77"/>
+              </a:rPr>
+              <a:t>MPI</a:t>
+            </a:r>
+          </a:p>
+        </p:txBody>
+      </p:sp>
+    </p:spTree>
+    <p:extLst>
+      <p:ext uri="{BB962C8B-B14F-4D97-AF65-F5344CB8AC3E}">
+        <p14:creationId xmlns:p14="http://schemas.microsoft.com/office/powerpoint/2010/main" val="1305569162"/>
+      </p:ext>
+    </p:extLst>
+  </p:cSld>
+  <p:clrMapOvr>
+    <a:masterClrMapping/>
+  </p:clrMapOvr>
+  <mc:AlternateContent xmlns:mc="http://schemas.openxmlformats.org/markup-compatibility/2006" xmlns:p14="http://schemas.microsoft.com/office/powerpoint/2010/main">
+    <mc:Choice Requires="p14">
+      <p:transition spd="med" p14:dur="700">
+        <p:fade/>
+      </p:transition>
+    </mc:Choice>
+    <mc:Fallback xmlns="">
+      <p:transition spd="med">
+        <p:fade/>
+      </p:transition>
+    </mc:Fallback>
+  </mc:AlternateContent>
+  <p:timing>
+    <p:tnLst>
+      <p:par>
+        <p:cTn id="1" dur="indefinite" restart="never" nodeType="tmRoot">
+          <p:childTnLst>
+            <p:seq concurrent="1" nextAc="seek">
+              <p:cTn id="2" dur="indefinite" nodeType="mainSeq">
+                <p:childTnLst>
+                  <p:par>
+                    <p:cTn id="3" fill="hold">
+                      <p:stCondLst>
+                        <p:cond delay="indefinite"/>
+                      </p:stCondLst>
+                      <p:childTnLst>
+                        <p:par>
+                          <p:cTn id="4" fill="hold">
+                            <p:stCondLst>
+                              <p:cond delay="0"/>
+                            </p:stCondLst>
+                            <p:childTnLst>
+                              <p:par>
+                                <p:cTn id="5" presetID="10" presetClass="entr" presetSubtype="0" fill="hold" nodeType="clickEffect">
+                                  <p:stCondLst>
+                                    <p:cond delay="0"/>
+                                  </p:stCondLst>
+                                  <p:childTnLst>
+                                    <p:set>
+                                      <p:cBhvr>
+                                        <p:cTn id="6" dur="1" fill="hold">
+                                          <p:stCondLst>
+                                            <p:cond delay="0"/>
+                                          </p:stCondLst>
+                                        </p:cTn>
+                                        <p:tgtEl>
+                                          <p:spTgt spid="7">
+                                            <p:txEl>
+                                              <p:pRg st="2" end="2"/>
+                                            </p:txEl>
+                                          </p:spTgt>
+                                        </p:tgtEl>
+                                        <p:attrNameLst>
+                                          <p:attrName>style.visibility</p:attrName>
+                                        </p:attrNameLst>
+                                      </p:cBhvr>
+                                      <p:to>
+                                        <p:strVal val="visible"/>
+                                      </p:to>
+                                    </p:set>
+                                    <p:animEffect transition="in" filter="fade">
+                                      <p:cBhvr>
+                                        <p:cTn id="7" dur="500"/>
+                                        <p:tgtEl>
+                                          <p:spTgt spid="7">
+                                            <p:txEl>
+                                              <p:pRg st="2" end="2"/>
+                                            </p:txEl>
+                                          </p:spTgt>
+                                        </p:tgtEl>
+                                      </p:cBhvr>
+                                    </p:animEffect>
+                                  </p:childTnLst>
+                                </p:cTn>
+                              </p:par>
+                              <p:par>
+                                <p:cTn id="8" presetID="10" presetClass="entr" presetSubtype="0" fill="hold" nodeType="withEffect">
+                                  <p:stCondLst>
+                                    <p:cond delay="0"/>
+                                  </p:stCondLst>
+                                  <p:childTnLst>
+                                    <p:set>
+                                      <p:cBhvr>
+                                        <p:cTn id="9" dur="1" fill="hold">
+                                          <p:stCondLst>
+                                            <p:cond delay="0"/>
+                                          </p:stCondLst>
+                                        </p:cTn>
+                                        <p:tgtEl>
+                                          <p:spTgt spid="8">
+                                            <p:txEl>
+                                              <p:pRg st="6" end="6"/>
+                                            </p:txEl>
+                                          </p:spTgt>
+                                        </p:tgtEl>
+                                        <p:attrNameLst>
+                                          <p:attrName>style.visibility</p:attrName>
+                                        </p:attrNameLst>
+                                      </p:cBhvr>
+                                      <p:to>
+                                        <p:strVal val="visible"/>
+                                      </p:to>
+                                    </p:set>
+                                    <p:animEffect transition="in" filter="fade">
+                                      <p:cBhvr>
+                                        <p:cTn id="10" dur="500"/>
+                                        <p:tgtEl>
+                                          <p:spTgt spid="8">
+                                            <p:txEl>
+                                              <p:pRg st="6" end="6"/>
+                                            </p:txEl>
+                                          </p:spTgt>
+                                        </p:tgtEl>
+                                      </p:cBhvr>
+                                    </p:animEffect>
+                                  </p:childTnLst>
+                                </p:cTn>
+                              </p:par>
+                            </p:childTnLst>
+                          </p:cTn>
+                        </p:par>
+                      </p:childTnLst>
+                    </p:cTn>
+                  </p:par>
+                  <p:par>
+                    <p:cTn id="11" fill="hold">
+                      <p:stCondLst>
+                        <p:cond delay="indefinite"/>
+                      </p:stCondLst>
+                      <p:childTnLst>
+                        <p:par>
+                          <p:cTn id="12" fill="hold">
+                            <p:stCondLst>
+                              <p:cond delay="0"/>
+                            </p:stCondLst>
+                            <p:childTnLst>
+                              <p:par>
+                                <p:cTn id="13" presetID="10" presetClass="entr" presetSubtype="0" fill="hold" nodeType="clickEffect">
+                                  <p:stCondLst>
+                                    <p:cond delay="0"/>
+                                  </p:stCondLst>
+                                  <p:childTnLst>
+                                    <p:set>
+                                      <p:cBhvr>
+                                        <p:cTn id="14" dur="1" fill="hold">
+                                          <p:stCondLst>
+                                            <p:cond delay="0"/>
+                                          </p:stCondLst>
+                                        </p:cTn>
+                                        <p:tgtEl>
+                                          <p:spTgt spid="7">
+                                            <p:txEl>
+                                              <p:pRg st="3" end="3"/>
+                                            </p:txEl>
+                                          </p:spTgt>
+                                        </p:tgtEl>
+                                        <p:attrNameLst>
+                                          <p:attrName>style.visibility</p:attrName>
+                                        </p:attrNameLst>
+                                      </p:cBhvr>
+                                      <p:to>
+                                        <p:strVal val="visible"/>
+                                      </p:to>
+                                    </p:set>
+                                    <p:animEffect transition="in" filter="fade">
+                                      <p:cBhvr>
+                                        <p:cTn id="15" dur="500"/>
+                                        <p:tgtEl>
+                                          <p:spTgt spid="7">
+                                            <p:txEl>
+                                              <p:pRg st="3" end="3"/>
+                                            </p:txEl>
+                                          </p:spTgt>
+                                        </p:tgtEl>
+                                      </p:cBhvr>
+                                    </p:animEffect>
+                                  </p:childTnLst>
+                                </p:cTn>
+                              </p:par>
+                              <p:par>
+                                <p:cTn id="16" presetID="10" presetClass="entr" presetSubtype="0" fill="hold" nodeType="withEffect">
+                                  <p:stCondLst>
+                                    <p:cond delay="0"/>
+                                  </p:stCondLst>
+                                  <p:childTnLst>
+                                    <p:set>
+                                      <p:cBhvr>
+                                        <p:cTn id="17" dur="1" fill="hold">
+                                          <p:stCondLst>
+                                            <p:cond delay="0"/>
+                                          </p:stCondLst>
+                                        </p:cTn>
+                                        <p:tgtEl>
+                                          <p:spTgt spid="8">
+                                            <p:txEl>
+                                              <p:pRg st="7" end="7"/>
+                                            </p:txEl>
+                                          </p:spTgt>
+                                        </p:tgtEl>
+                                        <p:attrNameLst>
+                                          <p:attrName>style.visibility</p:attrName>
+                                        </p:attrNameLst>
+                                      </p:cBhvr>
+                                      <p:to>
+                                        <p:strVal val="visible"/>
+                                      </p:to>
+                                    </p:set>
+                                    <p:animEffect transition="in" filter="fade">
+                                      <p:cBhvr>
+                                        <p:cTn id="18" dur="500"/>
+                                        <p:tgtEl>
+                                          <p:spTgt spid="8">
+                                            <p:txEl>
+                                              <p:pRg st="7" end="7"/>
+                                            </p:txEl>
+                                          </p:spTgt>
+                                        </p:tgtEl>
+                                      </p:cBhvr>
+                                    </p:animEffect>
+                                  </p:childTnLst>
+                                </p:cTn>
+                              </p:par>
+                            </p:childTnLst>
+                          </p:cTn>
+                        </p:par>
+                      </p:childTnLst>
+                    </p:cTn>
+                  </p:par>
+                  <p:par>
+                    <p:cTn id="19" fill="hold">
+                      <p:stCondLst>
+                        <p:cond delay="indefinite"/>
+                      </p:stCondLst>
+                      <p:childTnLst>
+                        <p:par>
+                          <p:cTn id="20" fill="hold">
+                            <p:stCondLst>
+                              <p:cond delay="0"/>
+                            </p:stCondLst>
+                            <p:childTnLst>
+                              <p:par>
+                                <p:cTn id="21" presetID="10" presetClass="entr" presetSubtype="0" fill="hold" nodeType="clickEffect">
+                                  <p:stCondLst>
+                                    <p:cond delay="0"/>
+                                  </p:stCondLst>
+                                  <p:childTnLst>
+                                    <p:set>
+                                      <p:cBhvr>
+                                        <p:cTn id="22" dur="1" fill="hold">
+                                          <p:stCondLst>
+                                            <p:cond delay="0"/>
+                                          </p:stCondLst>
+                                        </p:cTn>
+                                        <p:tgtEl>
+                                          <p:spTgt spid="8">
+                                            <p:txEl>
+                                              <p:pRg st="2" end="2"/>
+                                            </p:txEl>
+                                          </p:spTgt>
+                                        </p:tgtEl>
+                                        <p:attrNameLst>
+                                          <p:attrName>style.visibility</p:attrName>
+                                        </p:attrNameLst>
+                                      </p:cBhvr>
+                                      <p:to>
+                                        <p:strVal val="visible"/>
+                                      </p:to>
+                                    </p:set>
+                                    <p:animEffect transition="in" filter="fade">
+                                      <p:cBhvr>
+                                        <p:cTn id="23" dur="500"/>
+                                        <p:tgtEl>
+                                          <p:spTgt spid="8">
+                                            <p:txEl>
+                                              <p:pRg st="2" end="2"/>
+                                            </p:txEl>
+                                          </p:spTgt>
+                                        </p:tgtEl>
+                                      </p:cBhvr>
+                                    </p:animEffect>
+                                  </p:childTnLst>
+                                </p:cTn>
+                              </p:par>
+                              <p:par>
+                                <p:cTn id="24" presetID="10" presetClass="entr" presetSubtype="0" fill="hold" nodeType="withEffect">
+                                  <p:stCondLst>
+                                    <p:cond delay="0"/>
+                                  </p:stCondLst>
+                                  <p:childTnLst>
+                                    <p:set>
+                                      <p:cBhvr>
+                                        <p:cTn id="25" dur="1" fill="hold">
+                                          <p:stCondLst>
+                                            <p:cond delay="0"/>
+                                          </p:stCondLst>
+                                        </p:cTn>
+                                        <p:tgtEl>
+                                          <p:spTgt spid="7">
+                                            <p:txEl>
+                                              <p:pRg st="6" end="6"/>
+                                            </p:txEl>
+                                          </p:spTgt>
+                                        </p:tgtEl>
+                                        <p:attrNameLst>
+                                          <p:attrName>style.visibility</p:attrName>
+                                        </p:attrNameLst>
+                                      </p:cBhvr>
+                                      <p:to>
+                                        <p:strVal val="visible"/>
+                                      </p:to>
+                                    </p:set>
+                                    <p:animEffect transition="in" filter="fade">
+                                      <p:cBhvr>
+                                        <p:cTn id="26" dur="500"/>
+                                        <p:tgtEl>
+                                          <p:spTgt spid="7">
+                                            <p:txEl>
+                                              <p:pRg st="6" end="6"/>
+                                            </p:txEl>
+                                          </p:spTgt>
+                                        </p:tgtEl>
+                                      </p:cBhvr>
+                                    </p:animEffect>
+                                  </p:childTnLst>
+                                </p:cTn>
+                              </p:par>
+                            </p:childTnLst>
+                          </p:cTn>
+                        </p:par>
+                      </p:childTnLst>
+                    </p:cTn>
+                  </p:par>
+                  <p:par>
+                    <p:cTn id="27" fill="hold">
+                      <p:stCondLst>
+                        <p:cond delay="indefinite"/>
+                      </p:stCondLst>
+                      <p:childTnLst>
+                        <p:par>
+                          <p:cTn id="28" fill="hold">
+                            <p:stCondLst>
+                              <p:cond delay="0"/>
+                            </p:stCondLst>
+                            <p:childTnLst>
+                              <p:par>
+                                <p:cTn id="29" presetID="10" presetClass="entr" presetSubtype="0" fill="hold" nodeType="clickEffect">
+                                  <p:stCondLst>
+                                    <p:cond delay="0"/>
+                                  </p:stCondLst>
+                                  <p:childTnLst>
+                                    <p:set>
+                                      <p:cBhvr>
+                                        <p:cTn id="30" dur="1" fill="hold">
+                                          <p:stCondLst>
+                                            <p:cond delay="0"/>
+                                          </p:stCondLst>
+                                        </p:cTn>
+                                        <p:tgtEl>
+                                          <p:spTgt spid="9">
+                                            <p:txEl>
+                                              <p:pRg st="0" end="0"/>
+                                            </p:txEl>
+                                          </p:spTgt>
+                                        </p:tgtEl>
+                                        <p:attrNameLst>
+                                          <p:attrName>style.visibility</p:attrName>
+                                        </p:attrNameLst>
+                                      </p:cBhvr>
+                                      <p:to>
+                                        <p:strVal val="visible"/>
+                                      </p:to>
+                                    </p:set>
+                                    <p:animEffect transition="in" filter="fade">
+                                      <p:cBhvr>
+                                        <p:cTn id="31" dur="500"/>
+                                        <p:tgtEl>
+                                          <p:spTgt spid="9">
+                                            <p:txEl>
+                                              <p:pRg st="0" end="0"/>
+                                            </p:txEl>
+                                          </p:spTgt>
+                                        </p:tgtEl>
+                                      </p:cBhvr>
+                                    </p:animEffect>
+                                  </p:childTnLst>
+                                </p:cTn>
+                              </p:par>
+                              <p:par>
+                                <p:cTn id="32" presetID="10" presetClass="entr" presetSubtype="0" fill="hold" nodeType="withEffect">
+                                  <p:stCondLst>
+                                    <p:cond delay="0"/>
+                                  </p:stCondLst>
+                                  <p:childTnLst>
+                                    <p:set>
+                                      <p:cBhvr>
+                                        <p:cTn id="33" dur="1" fill="hold">
+                                          <p:stCondLst>
+                                            <p:cond delay="0"/>
+                                          </p:stCondLst>
+                                        </p:cTn>
+                                        <p:tgtEl>
+                                          <p:spTgt spid="9">
+                                            <p:txEl>
+                                              <p:pRg st="1" end="1"/>
+                                            </p:txEl>
+                                          </p:spTgt>
+                                        </p:tgtEl>
+                                        <p:attrNameLst>
+                                          <p:attrName>style.visibility</p:attrName>
+                                        </p:attrNameLst>
+                                      </p:cBhvr>
+                                      <p:to>
+                                        <p:strVal val="visible"/>
+                                      </p:to>
+                                    </p:set>
+                                    <p:animEffect transition="in" filter="fade">
+                                      <p:cBhvr>
+                                        <p:cTn id="34" dur="500"/>
+                                        <p:tgtEl>
+                                          <p:spTgt spid="9">
+                                            <p:txEl>
+                                              <p:pRg st="1" end="1"/>
+                                            </p:txEl>
+                                          </p:spTgt>
+                                        </p:tgtEl>
+                                      </p:cBhvr>
+                                    </p:animEffect>
+                                  </p:childTnLst>
+                                </p:cTn>
+                              </p:par>
+                            </p:childTnLst>
+                          </p:cTn>
+                        </p:par>
+                      </p:childTnLst>
+                    </p:cTn>
+                  </p:par>
+                  <p:par>
+                    <p:cTn id="35" fill="hold">
+                      <p:stCondLst>
+                        <p:cond delay="indefinite"/>
+                      </p:stCondLst>
+                      <p:childTnLst>
+                        <p:par>
+                          <p:cTn id="36" fill="hold">
+                            <p:stCondLst>
+                              <p:cond delay="0"/>
+                            </p:stCondLst>
+                            <p:childTnLst>
+                              <p:par>
+                                <p:cTn id="37" presetID="10" presetClass="entr" presetSubtype="0" fill="hold" grpId="0" nodeType="clickEffect">
+                                  <p:stCondLst>
+                                    <p:cond delay="0"/>
+                                  </p:stCondLst>
+                                  <p:childTnLst>
+                                    <p:set>
+                                      <p:cBhvr>
+                                        <p:cTn id="38" dur="1" fill="hold">
+                                          <p:stCondLst>
+                                            <p:cond delay="0"/>
+                                          </p:stCondLst>
+                                        </p:cTn>
+                                        <p:tgtEl>
+                                          <p:spTgt spid="10"/>
+                                        </p:tgtEl>
+                                        <p:attrNameLst>
+                                          <p:attrName>style.visibility</p:attrName>
+                                        </p:attrNameLst>
+                                      </p:cBhvr>
+                                      <p:to>
+                                        <p:strVal val="visible"/>
+                                      </p:to>
+                                    </p:set>
+                                    <p:animEffect transition="in" filter="fade">
+                                      <p:cBhvr>
+                                        <p:cTn id="39" dur="500"/>
+                                        <p:tgtEl>
+                                          <p:spTgt spid="10"/>
+                                        </p:tgtEl>
+                                      </p:cBhvr>
+                                    </p:animEffect>
+                                  </p:childTnLst>
+                                </p:cTn>
+                              </p:par>
+                              <p:par>
+                                <p:cTn id="40" presetID="10" presetClass="entr" presetSubtype="0" fill="hold" grpId="0" nodeType="withEffect">
+                                  <p:stCondLst>
+                                    <p:cond delay="0"/>
+                                  </p:stCondLst>
+                                  <p:childTnLst>
+                                    <p:set>
+                                      <p:cBhvr>
+                                        <p:cTn id="41" dur="1" fill="hold">
+                                          <p:stCondLst>
+                                            <p:cond delay="0"/>
+                                          </p:stCondLst>
+                                        </p:cTn>
+                                        <p:tgtEl>
+                                          <p:spTgt spid="11"/>
+                                        </p:tgtEl>
+                                        <p:attrNameLst>
+                                          <p:attrName>style.visibility</p:attrName>
+                                        </p:attrNameLst>
+                                      </p:cBhvr>
+                                      <p:to>
+                                        <p:strVal val="visible"/>
+                                      </p:to>
+                                    </p:set>
+                                    <p:animEffect transition="in" filter="fade">
+                                      <p:cBhvr>
+                                        <p:cTn id="42" dur="500"/>
+                                        <p:tgtEl>
+                                          <p:spTgt spid="11"/>
+                                        </p:tgtEl>
+                                      </p:cBhvr>
+                                    </p:animEffect>
+                                  </p:childTnLst>
+                                </p:cTn>
+                              </p:par>
+                            </p:childTnLst>
+                          </p:cTn>
+                        </p:par>
+                      </p:childTnLst>
+                    </p:cTn>
+                  </p:par>
+                  <p:par>
+                    <p:cTn id="43" fill="hold">
+                      <p:stCondLst>
+                        <p:cond delay="indefinite"/>
+                      </p:stCondLst>
+                      <p:childTnLst>
+                        <p:par>
+                          <p:cTn id="44" fill="hold">
+                            <p:stCondLst>
+                              <p:cond delay="0"/>
+                            </p:stCondLst>
+                            <p:childTnLst>
+                              <p:par>
+                                <p:cTn id="45" presetID="10" presetClass="entr" presetSubtype="0" fill="hold" grpId="0" nodeType="clickEffect">
+                                  <p:stCondLst>
+                                    <p:cond delay="0"/>
+                                  </p:stCondLst>
+                                  <p:childTnLst>
+                                    <p:set>
+                                      <p:cBhvr>
+                                        <p:cTn id="46" dur="1" fill="hold">
+                                          <p:stCondLst>
+                                            <p:cond delay="0"/>
+                                          </p:stCondLst>
+                                        </p:cTn>
+                                        <p:tgtEl>
+                                          <p:spTgt spid="12"/>
+                                        </p:tgtEl>
+                                        <p:attrNameLst>
+                                          <p:attrName>style.visibility</p:attrName>
+                                        </p:attrNameLst>
+                                      </p:cBhvr>
+                                      <p:to>
+                                        <p:strVal val="visible"/>
+                                      </p:to>
+                                    </p:set>
+                                    <p:animEffect transition="in" filter="fade">
+                                      <p:cBhvr>
+                                        <p:cTn id="47" dur="500"/>
+                                        <p:tgtEl>
+                                          <p:spTgt spid="12"/>
+                                        </p:tgtEl>
+                                      </p:cBhvr>
+                                    </p:animEffect>
+                                  </p:childTnLst>
+                                </p:cTn>
+                              </p:par>
+                              <p:par>
+                                <p:cTn id="48" presetID="10" presetClass="entr" presetSubtype="0" fill="hold" grpId="0" nodeType="withEffect">
+                                  <p:stCondLst>
+                                    <p:cond delay="0"/>
+                                  </p:stCondLst>
+                                  <p:childTnLst>
+                                    <p:set>
+                                      <p:cBhvr>
+                                        <p:cTn id="49" dur="1" fill="hold">
+                                          <p:stCondLst>
+                                            <p:cond delay="0"/>
+                                          </p:stCondLst>
+                                        </p:cTn>
+                                        <p:tgtEl>
+                                          <p:spTgt spid="13"/>
+                                        </p:tgtEl>
+                                        <p:attrNameLst>
+                                          <p:attrName>style.visibility</p:attrName>
+                                        </p:attrNameLst>
+                                      </p:cBhvr>
+                                      <p:to>
+                                        <p:strVal val="visible"/>
+                                      </p:to>
+                                    </p:set>
+                                    <p:animEffect transition="in" filter="fade">
+                                      <p:cBhvr>
+                                        <p:cTn id="50" dur="500"/>
+                                        <p:tgtEl>
+                                          <p:spTgt spid="13"/>
+                                        </p:tgtEl>
+                                      </p:cBhvr>
+                                    </p:animEffect>
+                                  </p:childTnLst>
+                                </p:cTn>
+                              </p:par>
+                            </p:childTnLst>
+                          </p:cTn>
+                        </p:par>
+                      </p:childTnLst>
+                    </p:cTn>
+                  </p:par>
+                  <p:par>
+                    <p:cTn id="51" fill="hold">
+                      <p:stCondLst>
+                        <p:cond delay="indefinite"/>
+                      </p:stCondLst>
+                      <p:childTnLst>
+                        <p:par>
+                          <p:cTn id="52" fill="hold">
+                            <p:stCondLst>
+                              <p:cond delay="0"/>
+                            </p:stCondLst>
+                            <p:childTnLst>
+                              <p:par>
+                                <p:cTn id="53" presetID="10" presetClass="entr" presetSubtype="0" fill="hold" grpId="0" nodeType="clickEffect">
+                                  <p:stCondLst>
+                                    <p:cond delay="0"/>
+                                  </p:stCondLst>
+                                  <p:childTnLst>
+                                    <p:set>
+                                      <p:cBhvr>
+                                        <p:cTn id="54" dur="1" fill="hold">
+                                          <p:stCondLst>
+                                            <p:cond delay="0"/>
+                                          </p:stCondLst>
+                                        </p:cTn>
+                                        <p:tgtEl>
+                                          <p:spTgt spid="15"/>
+                                        </p:tgtEl>
+                                        <p:attrNameLst>
+                                          <p:attrName>style.visibility</p:attrName>
+                                        </p:attrNameLst>
+                                      </p:cBhvr>
+                                      <p:to>
+                                        <p:strVal val="visible"/>
+                                      </p:to>
+                                    </p:set>
+                                    <p:animEffect transition="in" filter="fade">
+                                      <p:cBhvr>
+                                        <p:cTn id="55" dur="500"/>
+                                        <p:tgtEl>
+                                          <p:spTgt spid="15"/>
+                                        </p:tgtEl>
+                                      </p:cBhvr>
+                                    </p:animEffect>
+                                  </p:childTnLst>
+                                </p:cTn>
+                              </p:par>
+                            </p:childTnLst>
+                          </p:cTn>
+                        </p:par>
+                      </p:childTnLst>
+                    </p:cTn>
+                  </p:par>
+                  <p:par>
+                    <p:cTn id="56" fill="hold">
+                      <p:stCondLst>
+                        <p:cond delay="indefinite"/>
+                      </p:stCondLst>
+                      <p:childTnLst>
+                        <p:par>
+                          <p:cTn id="57" fill="hold">
+                            <p:stCondLst>
+                              <p:cond delay="0"/>
+                            </p:stCondLst>
+                            <p:childTnLst>
+                              <p:par>
+                                <p:cTn id="58" presetID="10" presetClass="entr" presetSubtype="0" fill="hold" grpId="0" nodeType="clickEffect">
+                                  <p:stCondLst>
+                                    <p:cond delay="0"/>
+                                  </p:stCondLst>
+                                  <p:childTnLst>
+                                    <p:set>
+                                      <p:cBhvr>
+                                        <p:cTn id="59" dur="1" fill="hold">
+                                          <p:stCondLst>
+                                            <p:cond delay="0"/>
+                                          </p:stCondLst>
+                                        </p:cTn>
+                                        <p:tgtEl>
+                                          <p:spTgt spid="16"/>
+                                        </p:tgtEl>
+                                        <p:attrNameLst>
+                                          <p:attrName>style.visibility</p:attrName>
+                                        </p:attrNameLst>
+                                      </p:cBhvr>
+                                      <p:to>
+                                        <p:strVal val="visible"/>
+                                      </p:to>
+                                    </p:set>
+                                    <p:animEffect transition="in" filter="fade">
+                                      <p:cBhvr>
+                                        <p:cTn id="60" dur="500"/>
+                                        <p:tgtEl>
+                                          <p:spTgt spid="16"/>
+                                        </p:tgtEl>
+                                      </p:cBhvr>
+                                    </p:animEffect>
+                                  </p:childTnLst>
+                                </p:cTn>
+                              </p:par>
+                            </p:childTnLst>
+                          </p:cTn>
+                        </p:par>
+                      </p:childTnLst>
+                    </p:cTn>
+                  </p:par>
+                </p:childTnLst>
+              </p:cTn>
+              <p:prevCondLst>
+                <p:cond evt="onPrev" delay="0">
+                  <p:tgtEl>
+                    <p:sldTgt/>
+                  </p:tgtEl>
+                </p:cond>
+              </p:prevCondLst>
+              <p:nextCondLst>
+                <p:cond evt="onNext" delay="0">
+                  <p:tgtEl>
+                    <p:sldTgt/>
+                  </p:tgtEl>
+                </p:cond>
+              </p:nextCondLst>
+            </p:seq>
+          </p:childTnLst>
+        </p:cTn>
+      </p:par>
+    </p:tnLst>
+    <p:bldLst>
+      <p:bldP spid="10" grpId="0" animBg="1"/>
+      <p:bldP spid="11" grpId="0" animBg="1"/>
+      <p:bldP spid="12" grpId="0" animBg="1"/>
+      <p:bldP spid="13" grpId="0" animBg="1"/>
+      <p:bldP spid="15" grpId="0"/>
+      <p:bldP spid="16" grpId="0"/>
+    </p:bldLst>
+  </p:timing>
+</p:sld>
+</file>
+
+<file path=ppt/slides/slide9.xml><?xml version="1.0" encoding="utf-8"?>
+<p:sld xmlns:a="http://schemas.openxmlformats.org/drawingml/2006/main" xmlns:r="http://schemas.openxmlformats.org/officeDocument/2006/relationships" xmlns:p="http://schemas.openxmlformats.org/presentationml/2006/main">
+  <p:cSld>
+    <p:spTree>
+      <p:nvGrpSpPr>
+        <p:cNvPr id="1" name=""/>
+        <p:cNvGrpSpPr/>
+        <p:nvPr/>
+      </p:nvGrpSpPr>
+      <p:grpSpPr>
+        <a:xfrm>
+          <a:off x="0" y="0"/>
+          <a:ext cx="0" cy="0"/>
+          <a:chOff x="0" y="0"/>
+          <a:chExt cx="0" cy="0"/>
+        </a:xfrm>
+      </p:grpSpPr>
+      <p:sp>
+        <p:nvSpPr>
+          <p:cNvPr id="2" name="Content Placeholder 1">
+            <a:extLst>
+              <a:ext uri="{FF2B5EF4-FFF2-40B4-BE49-F238E27FC236}">
+                <a16:creationId xmlns:a16="http://schemas.microsoft.com/office/drawing/2014/main" id="{74DDB33E-DB0A-06D7-B778-D0D01BB6ED7C}"/>
+              </a:ext>
+            </a:extLst>
+          </p:cNvPr>
+          <p:cNvSpPr>
+            <a:spLocks noGrp="1"/>
+          </p:cNvSpPr>
+          <p:nvPr>
+            <p:ph sz="quarter" idx="11"/>
+          </p:nvPr>
+        </p:nvSpPr>
+        <p:spPr/>
+        <p:txBody>
+          <a:bodyPr anchor="t">
+            <a:normAutofit/>
+          </a:bodyPr>
+          <a:lstStyle/>
+          <a:p>
+            <a:pPr marL="4762" indent="0">
+              <a:buSzPct val="75000"/>
+              <a:buNone/>
+            </a:pPr>
+            <a:r>
+              <a:rPr lang="en-US" dirty="0">
+                <a:latin typeface="National 2 Medium" panose="020B0504030502020203" pitchFamily="34" charset="77"/>
+              </a:rPr>
+              <a:t>MPI: </a:t>
+            </a:r>
+            <a:r>
+              <a:rPr lang="en-US" dirty="0">
+                <a:solidFill>
+                  <a:schemeClr val="accent6">
+                    <a:lumMod val="50000"/>
+                  </a:schemeClr>
+                </a:solidFill>
+                <a:latin typeface="National 2" panose="020B0504030502020203" pitchFamily="34" charset="77"/>
+              </a:rPr>
+              <a:t>Standard for a </a:t>
+            </a:r>
+            <a:r>
+              <a:rPr lang="en-US" dirty="0">
+                <a:latin typeface="National 2 Medium" panose="020B0504030502020203" pitchFamily="34" charset="77"/>
+              </a:rPr>
+              <a:t>Message Passing Interface</a:t>
+            </a:r>
+          </a:p>
+          <a:p>
+            <a:pPr marL="4762" indent="0">
+              <a:buSzPct val="75000"/>
+              <a:buNone/>
+            </a:pPr>
+            <a:r>
+              <a:rPr lang="en-US" dirty="0">
+                <a:latin typeface="National 2 Medium" panose="020B0504030502020203" pitchFamily="34" charset="77"/>
+              </a:rPr>
+              <a:t>Defines:</a:t>
+            </a:r>
+          </a:p>
+          <a:p>
+            <a:pPr marL="461962" indent="-457200">
+              <a:buSzPct val="75000"/>
+            </a:pPr>
+            <a:r>
+              <a:rPr lang="en-US" dirty="0">
+                <a:solidFill>
+                  <a:schemeClr val="accent6">
+                    <a:lumMod val="50000"/>
+                  </a:schemeClr>
+                </a:solidFill>
+                <a:latin typeface="National 2" panose="020B0504030502020203" pitchFamily="34" charset="77"/>
+              </a:rPr>
+              <a:t>Ways for </a:t>
+            </a:r>
+            <a:r>
+              <a:rPr lang="en-US" dirty="0">
+                <a:latin typeface="National 2 Medium" panose="020B0504030502020203" pitchFamily="34" charset="77"/>
+              </a:rPr>
+              <a:t>exchanging messages </a:t>
+            </a:r>
+            <a:r>
+              <a:rPr lang="en-US" dirty="0">
+                <a:solidFill>
+                  <a:schemeClr val="accent6">
+                    <a:lumMod val="50000"/>
+                  </a:schemeClr>
+                </a:solidFill>
+                <a:latin typeface="National 2" panose="020B0504030502020203" pitchFamily="34" charset="77"/>
+              </a:rPr>
+              <a:t>between</a:t>
+            </a:r>
+            <a:r>
+              <a:rPr lang="en-US" dirty="0">
+                <a:latin typeface="National 2 Medium" panose="020B0504030502020203" pitchFamily="34" charset="77"/>
+              </a:rPr>
+              <a:t> computing units</a:t>
+            </a:r>
+          </a:p>
+          <a:p>
+            <a:pPr marL="461962" indent="-457200">
+              <a:lnSpc>
+                <a:spcPct val="150000"/>
+              </a:lnSpc>
+              <a:buSzPct val="75000"/>
+            </a:pPr>
+            <a:r>
+              <a:rPr lang="en-US" dirty="0">
+                <a:solidFill>
+                  <a:schemeClr val="accent6">
+                    <a:lumMod val="50000"/>
+                  </a:schemeClr>
+                </a:solidFill>
+                <a:latin typeface="National 2" panose="020B0504030502020203" pitchFamily="34" charset="77"/>
+              </a:rPr>
+              <a:t>Messages can contain </a:t>
+            </a:r>
+            <a:r>
+              <a:rPr lang="en-US" dirty="0">
+                <a:latin typeface="National 2 Medium" panose="020B0504030502020203" pitchFamily="34" charset="77"/>
+              </a:rPr>
+              <a:t>flow control signals, data, </a:t>
+            </a:r>
+            <a:r>
+              <a:rPr lang="en-US" dirty="0">
+                <a:solidFill>
+                  <a:schemeClr val="accent6">
+                    <a:lumMod val="50000"/>
+                  </a:schemeClr>
+                </a:solidFill>
+                <a:latin typeface="National 2" panose="020B0504030502020203" pitchFamily="34" charset="77"/>
+              </a:rPr>
+              <a:t>and</a:t>
+            </a:r>
+            <a:r>
+              <a:rPr lang="en-US" dirty="0">
+                <a:latin typeface="National 2 Medium" panose="020B0504030502020203" pitchFamily="34" charset="77"/>
+              </a:rPr>
+              <a:t> additional info</a:t>
+            </a:r>
+          </a:p>
+          <a:p>
+            <a:pPr marL="461962" indent="-457200">
+              <a:lnSpc>
+                <a:spcPct val="150000"/>
+              </a:lnSpc>
+              <a:buSzPct val="75000"/>
+            </a:pPr>
+            <a:r>
+              <a:rPr lang="en-US" dirty="0">
+                <a:solidFill>
+                  <a:schemeClr val="accent6">
+                    <a:lumMod val="50000"/>
+                  </a:schemeClr>
+                </a:solidFill>
+                <a:latin typeface="National 2" panose="020B0504030502020203" pitchFamily="34" charset="77"/>
+              </a:rPr>
+              <a:t>Implemented by </a:t>
+            </a:r>
+            <a:r>
+              <a:rPr lang="en-US" dirty="0">
+                <a:latin typeface="National 2 Medium" panose="020B0504030502020203" pitchFamily="34" charset="77"/>
+              </a:rPr>
+              <a:t>various C/C++/Fortran libraries</a:t>
+            </a:r>
+          </a:p>
+          <a:p>
+            <a:pPr marL="919162" lvl="1" indent="-457200">
+              <a:lnSpc>
+                <a:spcPct val="70000"/>
+              </a:lnSpc>
+              <a:buSzPct val="75000"/>
+            </a:pPr>
+            <a:r>
+              <a:rPr lang="en-US" dirty="0">
+                <a:latin typeface="National 2" panose="020B0504030502020203" pitchFamily="34" charset="77"/>
+              </a:rPr>
+              <a:t>MVAPICH2, </a:t>
+            </a:r>
+            <a:r>
+              <a:rPr lang="en-US" dirty="0" err="1">
+                <a:latin typeface="National 2" panose="020B0504030502020203" pitchFamily="34" charset="77"/>
+              </a:rPr>
+              <a:t>OpenMPI</a:t>
+            </a:r>
+            <a:r>
+              <a:rPr lang="en-US" dirty="0">
+                <a:latin typeface="National 2" panose="020B0504030502020203" pitchFamily="34" charset="77"/>
+              </a:rPr>
+              <a:t>, MPICH, Intel MPI, …</a:t>
+            </a:r>
+          </a:p>
+        </p:txBody>
+      </p:sp>
+      <p:sp>
+        <p:nvSpPr>
+          <p:cNvPr id="3" name="Title 2">
+            <a:extLst>
+              <a:ext uri="{FF2B5EF4-FFF2-40B4-BE49-F238E27FC236}">
+                <a16:creationId xmlns:a16="http://schemas.microsoft.com/office/drawing/2014/main" id="{D6C3D70B-F697-CE72-CC1A-0129AD1DD7A9}"/>
+              </a:ext>
+            </a:extLst>
+          </p:cNvPr>
+          <p:cNvSpPr>
+            <a:spLocks noGrp="1"/>
+          </p:cNvSpPr>
+          <p:nvPr>
+            <p:ph type="title"/>
+          </p:nvPr>
+        </p:nvSpPr>
+        <p:spPr/>
+        <p:txBody>
+          <a:bodyPr/>
+          <a:lstStyle/>
+          <a:p>
+            <a:r>
+              <a:rPr lang="en-US" dirty="0"/>
+              <a:t>What is MPI?</a:t>
+            </a:r>
+          </a:p>
+        </p:txBody>
+      </p:sp>
+      <p:sp>
+        <p:nvSpPr>
+          <p:cNvPr id="4" name="Footer Placeholder 3">
+            <a:extLst>
+              <a:ext uri="{FF2B5EF4-FFF2-40B4-BE49-F238E27FC236}">
+                <a16:creationId xmlns:a16="http://schemas.microsoft.com/office/drawing/2014/main" id="{8AD73267-12C3-5AF1-40CD-D6E195026C3C}"/>
               </a:ext>
             </a:extLst>
           </p:cNvPr>
@@ -16522,9 +23223,10 @@
           <a:lstStyle/>
           <a:p>
             <a:r>
-              <a:rPr lang="en-AU" dirty="0"/>
-              <a:t>Intro to PyTorch</a:t>
-            </a:r>
+              <a:rPr lang="en-AU"/>
+              <a:t>Massively parallel computing with MPI in Python</a:t>
+            </a:r>
+            <a:endParaRPr lang="en-AU" dirty="0"/>
           </a:p>
         </p:txBody>
       </p:sp>
@@ -16533,7 +23235,7 @@
           <p:cNvPr id="5" name="Slide Number Placeholder 4">
             <a:extLst>
               <a:ext uri="{FF2B5EF4-FFF2-40B4-BE49-F238E27FC236}">
-                <a16:creationId xmlns:a16="http://schemas.microsoft.com/office/drawing/2014/main" id="{FD2F5860-3C05-603D-96AF-B25858484956}"/>
+                <a16:creationId xmlns:a16="http://schemas.microsoft.com/office/drawing/2014/main" id="{26CD214A-B78A-621F-824E-1B58D4E120FC}"/>
               </a:ext>
             </a:extLst>
           </p:cNvPr>
@@ -16552,16 +23254,123 @@
             <a:fld id="{E917DE0E-AFB1-41FD-BC35-27DB61CA125F}" type="slidenum">
               <a:rPr lang="en-AU" smtClean="0"/>
               <a:pPr/>
-              <a:t>8</a:t>
+              <a:t>9</a:t>
             </a:fld>
             <a:endParaRPr lang="en-AU" dirty="0"/>
           </a:p>
         </p:txBody>
       </p:sp>
+      <p:grpSp>
+        <p:nvGrpSpPr>
+          <p:cNvPr id="8" name="Group 7">
+            <a:extLst>
+              <a:ext uri="{FF2B5EF4-FFF2-40B4-BE49-F238E27FC236}">
+                <a16:creationId xmlns:a16="http://schemas.microsoft.com/office/drawing/2014/main" id="{1EF443D6-5466-3BB3-A120-9199148436D5}"/>
+              </a:ext>
+            </a:extLst>
+          </p:cNvPr>
+          <p:cNvGrpSpPr/>
+          <p:nvPr/>
+        </p:nvGrpSpPr>
+        <p:grpSpPr>
+          <a:xfrm>
+            <a:off x="6757792" y="4114800"/>
+            <a:ext cx="3714673" cy="460177"/>
+            <a:chOff x="6803367" y="4084900"/>
+            <a:chExt cx="3766865" cy="460177"/>
+          </a:xfrm>
+        </p:grpSpPr>
+        <p:sp>
+          <p:nvSpPr>
+            <p:cNvPr id="6" name="TextBox 5">
+              <a:extLst>
+                <a:ext uri="{FF2B5EF4-FFF2-40B4-BE49-F238E27FC236}">
+                  <a16:creationId xmlns:a16="http://schemas.microsoft.com/office/drawing/2014/main" id="{04FDF976-55F9-5C19-7BB5-566FC544AB11}"/>
+                </a:ext>
+              </a:extLst>
+            </p:cNvPr>
+            <p:cNvSpPr txBox="1"/>
+            <p:nvPr/>
+          </p:nvSpPr>
+          <p:spPr>
+            <a:xfrm>
+              <a:off x="6803367" y="4237300"/>
+              <a:ext cx="3766865" cy="307777"/>
+            </a:xfrm>
+            <a:prstGeom prst="rect">
+              <a:avLst/>
+            </a:prstGeom>
+            <a:noFill/>
+          </p:spPr>
+          <p:txBody>
+            <a:bodyPr wrap="none" rtlCol="0">
+              <a:spAutoFit/>
+            </a:bodyPr>
+            <a:lstStyle/>
+            <a:p>
+              <a:pPr algn="ctr"/>
+              <a:r>
+                <a:rPr lang="en-US" sz="1400" dirty="0">
+                  <a:solidFill>
+                    <a:schemeClr val="accent1"/>
+                  </a:solidFill>
+                  <a:latin typeface="National 2" panose="020B0504030502020203" pitchFamily="34" charset="77"/>
+                </a:rPr>
+                <a:t>CPUs, cores, threads, processes, HPC nodes</a:t>
+              </a:r>
+            </a:p>
+          </p:txBody>
+        </p:sp>
+        <p:sp>
+          <p:nvSpPr>
+            <p:cNvPr id="7" name="Right Brace 6">
+              <a:extLst>
+                <a:ext uri="{FF2B5EF4-FFF2-40B4-BE49-F238E27FC236}">
+                  <a16:creationId xmlns:a16="http://schemas.microsoft.com/office/drawing/2014/main" id="{B19EFAFA-92E8-C4BD-FA9E-A017BD49913E}"/>
+                </a:ext>
+              </a:extLst>
+            </p:cNvPr>
+            <p:cNvSpPr/>
+            <p:nvPr/>
+          </p:nvSpPr>
+          <p:spPr>
+            <a:xfrm rot="5400000">
+              <a:off x="8591550" y="2808550"/>
+              <a:ext cx="190500" cy="2743200"/>
+            </a:xfrm>
+            <a:prstGeom prst="rightBrace">
+              <a:avLst/>
+            </a:prstGeom>
+            <a:ln w="28575"/>
+          </p:spPr>
+          <p:style>
+            <a:lnRef idx="1">
+              <a:schemeClr val="accent1"/>
+            </a:lnRef>
+            <a:fillRef idx="0">
+              <a:schemeClr val="accent1"/>
+            </a:fillRef>
+            <a:effectRef idx="0">
+              <a:schemeClr val="accent1"/>
+            </a:effectRef>
+            <a:fontRef idx="minor">
+              <a:schemeClr val="tx1"/>
+            </a:fontRef>
+          </p:style>
+          <p:txBody>
+            <a:bodyPr rtlCol="0" anchor="ctr"/>
+            <a:lstStyle/>
+            <a:p>
+              <a:pPr algn="ctr"/>
+              <a:endParaRPr lang="en-US"/>
+            </a:p>
+          </p:txBody>
+        </p:sp>
+      </p:grpSp>
     </p:spTree>
     <p:extLst>
       <p:ext uri="{BB962C8B-B14F-4D97-AF65-F5344CB8AC3E}">
-        <p14:creationId xmlns:p14="http://schemas.microsoft.com/office/powerpoint/2010/main" val="3807905586"/>
+        <p14:creationId xmlns:p14="http://schemas.microsoft.com/office/powerpoint/2010/main" val="4032137354"/>
       </p:ext>
     </p:extLst>
   </p:cSld>
@@ -16775,7 +23584,7 @@
                             </p:stCondLst>
                             <p:childTnLst>
                               <p:par>
-                                <p:cTn id="20" presetID="10" presetClass="entr" presetSubtype="0" fill="hold" grpId="0" nodeType="clickEffect">
+                                <p:cTn id="20" presetID="22" presetClass="entr" presetSubtype="1" fill="hold" nodeType="clickEffect">
                                   <p:stCondLst>
                                     <p:cond delay="0"/>
                                   </p:stCondLst>
@@ -16788,11 +23597,7 @@
                                           </p:stCondLst>
                                         </p:cTn>
                                         <p:tgtEl>
-                                          <p:spTgt spid="2">
-                                            <p:txEl>
-                                              <p:pRg st="3" end="3"/>
-                                            </p:txEl>
-                                          </p:spTgt>
+                                          <p:spTgt spid="8"/>
                                         </p:tgtEl>
                                         <p:attrNameLst>
                                           <p:attrName>style.visibility</p:attrName>
@@ -16802,15 +23607,11 @@
                                         <p:strVal val="visible"/>
                                       </p:to>
                                     </p:set>
-                                    <p:animEffect transition="in" filter="fade">
+                                    <p:animEffect transition="in" filter="wipe(up)">
                                       <p:cBhvr>
                                         <p:cTn id="22" dur="500"/>
                                         <p:tgtEl>
-                                          <p:spTgt spid="2">
-                                            <p:txEl>
-                                              <p:pRg st="3" end="3"/>
-                                            </p:txEl>
-                                          </p:spTgt>
+                                          <p:spTgt spid="8"/>
                                         </p:tgtEl>
                                       </p:cBhvr>
                                     </p:animEffect>
@@ -16851,7 +23652,7 @@
                                         <p:tgtEl>
                                           <p:spTgt spid="2">
                                             <p:txEl>
-                                              <p:pRg st="4" end="4"/>
+                                              <p:pRg st="3" end="3"/>
                                             </p:txEl>
                                           </p:spTgt>
                                         </p:tgtEl>
@@ -16869,7 +23670,7 @@
                                         <p:tgtEl>
                                           <p:spTgt spid="2">
                                             <p:txEl>
-                                              <p:pRg st="4" end="4"/>
+                                              <p:pRg st="3" end="3"/>
                                             </p:txEl>
                                           </p:spTgt>
                                         </p:tgtEl>
@@ -16884,454 +23685,27 @@
                       </p:childTnLst>
                     </p:cTn>
                   </p:par>
-                </p:childTnLst>
-              </p:cTn>
-              <p:prevCondLst>
-                <p:cond evt="onPrev" delay="0">
-                  <p:tgtEl>
-                    <p:sldTgt/>
-                  </p:tgtEl>
-                </p:cond>
-              </p:prevCondLst>
-              <p:nextCondLst>
-                <p:cond evt="onNext" delay="0">
-                  <p:tgtEl>
-                    <p:sldTgt/>
-                  </p:tgtEl>
-                </p:cond>
-              </p:nextCondLst>
-            </p:seq>
-          </p:childTnLst>
-        </p:cTn>
-      </p:par>
-    </p:tnLst>
-    <p:bldLst>
-      <p:bldP spid="2" grpId="0" build="p"/>
-    </p:bldLst>
-  </p:timing>
-</p:sld>
-</file>
-
-<file path=ppt/slides/slide9.xml><?xml version="1.0" encoding="utf-8"?>
-<p:sld xmlns:a="http://schemas.openxmlformats.org/drawingml/2006/main" xmlns:r="http://schemas.openxmlformats.org/officeDocument/2006/relationships" xmlns:p="http://schemas.openxmlformats.org/presentationml/2006/main">
-  <p:cSld>
-    <p:spTree>
-      <p:nvGrpSpPr>
-        <p:cNvPr id="1" name=""/>
-        <p:cNvGrpSpPr/>
-        <p:nvPr/>
-      </p:nvGrpSpPr>
-      <p:grpSpPr>
-        <a:xfrm>
-          <a:off x="0" y="0"/>
-          <a:ext cx="0" cy="0"/>
-          <a:chOff x="0" y="0"/>
-          <a:chExt cx="0" cy="0"/>
-        </a:xfrm>
-      </p:grpSpPr>
-      <p:sp>
-        <p:nvSpPr>
-          <p:cNvPr id="2" name="Content Placeholder 1">
-            <a:extLst>
-              <a:ext uri="{FF2B5EF4-FFF2-40B4-BE49-F238E27FC236}">
-                <a16:creationId xmlns:a16="http://schemas.microsoft.com/office/drawing/2014/main" id="{27BF64D7-8FF1-F778-4E25-BC990AAA8BEB}"/>
-              </a:ext>
-            </a:extLst>
-          </p:cNvPr>
-          <p:cNvSpPr>
-            <a:spLocks noGrp="1"/>
-          </p:cNvSpPr>
-          <p:nvPr>
-            <p:ph sz="quarter" idx="11"/>
-          </p:nvPr>
-        </p:nvSpPr>
-        <p:spPr>
-          <a:xfrm>
-            <a:off x="321509" y="2365638"/>
-            <a:ext cx="5514184" cy="4127303"/>
-          </a:xfrm>
-        </p:spPr>
-        <p:txBody>
-          <a:bodyPr/>
-          <a:lstStyle/>
-          <a:p>
-            <a:pPr marL="457200" indent="-457200"/>
-            <a:r>
-              <a:rPr lang="en-US" dirty="0">
-                <a:solidFill>
-                  <a:schemeClr val="accent6">
-                    <a:lumMod val="50000"/>
-                  </a:schemeClr>
-                </a:solidFill>
-              </a:rPr>
-              <a:t>We will use </a:t>
-            </a:r>
-            <a:r>
-              <a:rPr lang="en-US" dirty="0">
-                <a:latin typeface="National 2 Medium" panose="020B0504030502020203" pitchFamily="34" charset="77"/>
-              </a:rPr>
-              <a:t>Python</a:t>
-            </a:r>
-            <a:r>
-              <a:rPr lang="en-US" dirty="0">
-                <a:solidFill>
-                  <a:schemeClr val="accent6">
-                    <a:lumMod val="50000"/>
-                  </a:schemeClr>
-                </a:solidFill>
-              </a:rPr>
-              <a:t>, a teeny bit of </a:t>
-            </a:r>
-            <a:r>
-              <a:rPr lang="en-US" dirty="0">
-                <a:latin typeface="National 2 Medium" panose="020B0504030502020203" pitchFamily="34" charset="77"/>
-              </a:rPr>
-              <a:t>Pandas</a:t>
-            </a:r>
-            <a:r>
-              <a:rPr lang="en-US" dirty="0">
-                <a:solidFill>
-                  <a:schemeClr val="accent6">
-                    <a:lumMod val="50000"/>
-                  </a:schemeClr>
-                </a:solidFill>
-              </a:rPr>
-              <a:t>, and plenty of </a:t>
-            </a:r>
-            <a:r>
-              <a:rPr lang="en-US" dirty="0" err="1">
-                <a:latin typeface="National 2 Medium" panose="020B0504030502020203" pitchFamily="34" charset="77"/>
-              </a:rPr>
-              <a:t>PyTorch</a:t>
-            </a:r>
-            <a:endParaRPr lang="en-US" dirty="0">
-              <a:latin typeface="National 2 Medium" panose="020B0504030502020203" pitchFamily="34" charset="77"/>
-            </a:endParaRPr>
-          </a:p>
-          <a:p>
-            <a:pPr marL="457200" indent="-457200"/>
-            <a:r>
-              <a:rPr lang="en-US" dirty="0">
-                <a:solidFill>
-                  <a:schemeClr val="accent6">
-                    <a:lumMod val="50000"/>
-                  </a:schemeClr>
-                </a:solidFill>
-              </a:rPr>
-              <a:t>As a </a:t>
-            </a:r>
-            <a:r>
-              <a:rPr lang="en-US" dirty="0">
-                <a:latin typeface="National 2 Medium" panose="020B0504030502020203" pitchFamily="34" charset="77"/>
-              </a:rPr>
-              <a:t>programming environment</a:t>
-            </a:r>
-            <a:r>
-              <a:rPr lang="en-US" dirty="0"/>
-              <a:t>, </a:t>
-            </a:r>
-            <a:r>
-              <a:rPr lang="en-US" dirty="0">
-                <a:solidFill>
-                  <a:schemeClr val="accent6">
-                    <a:lumMod val="50000"/>
-                  </a:schemeClr>
-                </a:solidFill>
-              </a:rPr>
-              <a:t>we will use our </a:t>
-            </a:r>
-            <a:r>
-              <a:rPr lang="en-US" dirty="0" err="1">
-                <a:latin typeface="National 2 Medium" panose="020B0504030502020203" pitchFamily="34" charset="77"/>
-              </a:rPr>
-              <a:t>JupyterHub</a:t>
-            </a:r>
-            <a:r>
-              <a:rPr lang="en-US" dirty="0"/>
-              <a:t>:</a:t>
-            </a:r>
-            <a:br>
-              <a:rPr lang="en-US" dirty="0"/>
-            </a:br>
-            <a:r>
-              <a:rPr lang="en-US" dirty="0">
-                <a:hlinkClick r:id="rId2"/>
-              </a:rPr>
-              <a:t>https://jhub.dartmouth.edu</a:t>
-            </a:r>
-            <a:endParaRPr lang="en-US" dirty="0"/>
-          </a:p>
-          <a:p>
-            <a:pPr marL="457200" indent="-457200"/>
-            <a:endParaRPr lang="en-US" dirty="0"/>
-          </a:p>
-        </p:txBody>
-      </p:sp>
-      <p:sp>
-        <p:nvSpPr>
-          <p:cNvPr id="3" name="Title 2">
-            <a:extLst>
-              <a:ext uri="{FF2B5EF4-FFF2-40B4-BE49-F238E27FC236}">
-                <a16:creationId xmlns:a16="http://schemas.microsoft.com/office/drawing/2014/main" id="{E1596C84-A306-B189-CDA1-74458B43CBD8}"/>
-              </a:ext>
-            </a:extLst>
-          </p:cNvPr>
-          <p:cNvSpPr>
-            <a:spLocks noGrp="1"/>
-          </p:cNvSpPr>
-          <p:nvPr>
-            <p:ph type="title"/>
-          </p:nvPr>
-        </p:nvSpPr>
-        <p:spPr/>
-        <p:txBody>
-          <a:bodyPr/>
-          <a:lstStyle/>
-          <a:p>
-            <a:r>
-              <a:rPr lang="en-US" dirty="0"/>
-              <a:t>What we will work with in this workshop</a:t>
-            </a:r>
-          </a:p>
-        </p:txBody>
-      </p:sp>
-      <p:sp>
-        <p:nvSpPr>
-          <p:cNvPr id="4" name="Footer Placeholder 3">
-            <a:extLst>
-              <a:ext uri="{FF2B5EF4-FFF2-40B4-BE49-F238E27FC236}">
-                <a16:creationId xmlns:a16="http://schemas.microsoft.com/office/drawing/2014/main" id="{8AB0CDEB-4997-14D9-3B11-92B6181671E9}"/>
-              </a:ext>
-            </a:extLst>
-          </p:cNvPr>
-          <p:cNvSpPr>
-            <a:spLocks noGrp="1"/>
-          </p:cNvSpPr>
-          <p:nvPr>
-            <p:ph type="ftr" sz="quarter" idx="12"/>
-          </p:nvPr>
-        </p:nvSpPr>
-        <p:spPr/>
-        <p:txBody>
-          <a:bodyPr/>
-          <a:lstStyle/>
-          <a:p>
-            <a:r>
-              <a:rPr lang="en-AU" dirty="0"/>
-              <a:t>Intro to PyTorch</a:t>
-            </a:r>
-          </a:p>
-        </p:txBody>
-      </p:sp>
-      <p:sp>
-        <p:nvSpPr>
-          <p:cNvPr id="5" name="Slide Number Placeholder 4">
-            <a:extLst>
-              <a:ext uri="{FF2B5EF4-FFF2-40B4-BE49-F238E27FC236}">
-                <a16:creationId xmlns:a16="http://schemas.microsoft.com/office/drawing/2014/main" id="{FD2F5860-3C05-603D-96AF-B25858484956}"/>
-              </a:ext>
-            </a:extLst>
-          </p:cNvPr>
-          <p:cNvSpPr>
-            <a:spLocks noGrp="1"/>
-          </p:cNvSpPr>
-          <p:nvPr>
-            <p:ph type="sldNum" sz="quarter" idx="13"/>
-          </p:nvPr>
-        </p:nvSpPr>
-        <p:spPr/>
-        <p:txBody>
-          <a:bodyPr/>
-          <a:lstStyle/>
-          <a:p>
-            <a:fld id="{E917DE0E-AFB1-41FD-BC35-27DB61CA125F}" type="slidenum">
-              <a:rPr lang="en-AU" smtClean="0"/>
-              <a:pPr/>
-              <a:t>9</a:t>
-            </a:fld>
-            <a:endParaRPr lang="en-AU" dirty="0"/>
-          </a:p>
-        </p:txBody>
-      </p:sp>
-      <p:pic>
-        <p:nvPicPr>
-          <p:cNvPr id="10" name="Picture 9">
-            <a:extLst>
-              <a:ext uri="{FF2B5EF4-FFF2-40B4-BE49-F238E27FC236}">
-                <a16:creationId xmlns:a16="http://schemas.microsoft.com/office/drawing/2014/main" id="{24BECAAE-AACA-A31F-8366-040E3F54D9CC}"/>
-              </a:ext>
-            </a:extLst>
-          </p:cNvPr>
-          <p:cNvPicPr>
-            <a:picLocks noChangeAspect="1"/>
-          </p:cNvPicPr>
-          <p:nvPr/>
-        </p:nvPicPr>
-        <p:blipFill>
-          <a:blip r:embed="rId3"/>
-          <a:stretch>
-            <a:fillRect/>
-          </a:stretch>
-        </p:blipFill>
-        <p:spPr>
-          <a:xfrm>
-            <a:off x="7239000" y="2400142"/>
-            <a:ext cx="2517652" cy="747428"/>
-          </a:xfrm>
-          <a:prstGeom prst="rect">
-            <a:avLst/>
-          </a:prstGeom>
-        </p:spPr>
-      </p:pic>
-      <p:pic>
-        <p:nvPicPr>
-          <p:cNvPr id="11" name="Picture 10">
-            <a:extLst>
-              <a:ext uri="{FF2B5EF4-FFF2-40B4-BE49-F238E27FC236}">
-                <a16:creationId xmlns:a16="http://schemas.microsoft.com/office/drawing/2014/main" id="{730C233D-2550-82E6-EE33-5F9E71237742}"/>
-              </a:ext>
-            </a:extLst>
-          </p:cNvPr>
-          <p:cNvPicPr>
-            <a:picLocks noChangeAspect="1"/>
-          </p:cNvPicPr>
-          <p:nvPr/>
-        </p:nvPicPr>
-        <p:blipFill>
-          <a:blip r:embed="rId4"/>
-          <a:stretch>
-            <a:fillRect/>
-          </a:stretch>
-        </p:blipFill>
-        <p:spPr>
-          <a:xfrm>
-            <a:off x="7853095" y="3073367"/>
-            <a:ext cx="2517652" cy="1017879"/>
-          </a:xfrm>
-          <a:prstGeom prst="rect">
-            <a:avLst/>
-          </a:prstGeom>
-        </p:spPr>
-      </p:pic>
-      <p:pic>
-        <p:nvPicPr>
-          <p:cNvPr id="1026" name="Picture 2">
-            <a:extLst>
-              <a:ext uri="{FF2B5EF4-FFF2-40B4-BE49-F238E27FC236}">
-                <a16:creationId xmlns:a16="http://schemas.microsoft.com/office/drawing/2014/main" id="{F2DF8AAB-E9A4-DDB0-334E-37956C911046}"/>
-              </a:ext>
-            </a:extLst>
-          </p:cNvPr>
-          <p:cNvPicPr>
-            <a:picLocks noChangeAspect="1" noChangeArrowheads="1"/>
-          </p:cNvPicPr>
-          <p:nvPr/>
-        </p:nvPicPr>
-        <p:blipFill>
-          <a:blip r:embed="rId5">
-            <a:extLst>
-              <a:ext uri="{28A0092B-C50C-407E-A947-70E740481C1C}">
-                <a14:useLocalDpi xmlns:a14="http://schemas.microsoft.com/office/drawing/2010/main" val="0"/>
-              </a:ext>
-            </a:extLst>
-          </a:blip>
-          <a:srcRect/>
-          <a:stretch>
-            <a:fillRect/>
-          </a:stretch>
-        </p:blipFill>
-        <p:spPr bwMode="auto">
-          <a:xfrm>
-            <a:off x="9217450" y="5029200"/>
-            <a:ext cx="1183005" cy="1371600"/>
-          </a:xfrm>
-          <a:prstGeom prst="rect">
-            <a:avLst/>
-          </a:prstGeom>
-          <a:noFill/>
-          <a:extLst>
-            <a:ext uri="{909E8E84-426E-40DD-AFC4-6F175D3DCCD1}">
-              <a14:hiddenFill xmlns:a14="http://schemas.microsoft.com/office/drawing/2010/main">
-                <a:solidFill>
-                  <a:srgbClr val="FFFFFF"/>
-                </a:solidFill>
-              </a14:hiddenFill>
-            </a:ext>
-          </a:extLst>
-        </p:spPr>
-      </p:pic>
-      <p:pic>
-        <p:nvPicPr>
-          <p:cNvPr id="6" name="Picture 5">
-            <a:extLst>
-              <a:ext uri="{FF2B5EF4-FFF2-40B4-BE49-F238E27FC236}">
-                <a16:creationId xmlns:a16="http://schemas.microsoft.com/office/drawing/2014/main" id="{C27D05E5-B7FB-60E3-C0A6-A10AB30D414C}"/>
-              </a:ext>
-            </a:extLst>
-          </p:cNvPr>
-          <p:cNvPicPr>
-            <a:picLocks noChangeAspect="1"/>
-          </p:cNvPicPr>
-          <p:nvPr/>
-        </p:nvPicPr>
-        <p:blipFill>
-          <a:blip r:embed="rId6"/>
-          <a:stretch>
-            <a:fillRect/>
-          </a:stretch>
-        </p:blipFill>
-        <p:spPr>
-          <a:xfrm>
-            <a:off x="8456325" y="4099294"/>
-            <a:ext cx="2885361" cy="712324"/>
-          </a:xfrm>
-          <a:prstGeom prst="rect">
-            <a:avLst/>
-          </a:prstGeom>
-        </p:spPr>
-      </p:pic>
-    </p:spTree>
-    <p:extLst>
-      <p:ext uri="{BB962C8B-B14F-4D97-AF65-F5344CB8AC3E}">
-        <p14:creationId xmlns:p14="http://schemas.microsoft.com/office/powerpoint/2010/main" val="2796429274"/>
-      </p:ext>
-    </p:extLst>
-  </p:cSld>
-  <p:clrMapOvr>
-    <a:masterClrMapping/>
-  </p:clrMapOvr>
-  <p:transition spd="slow">
-    <p:push dir="u"/>
-  </p:transition>
-  <p:timing>
-    <p:tnLst>
-      <p:par>
-        <p:cTn id="1" dur="indefinite" restart="never" nodeType="tmRoot">
-          <p:childTnLst>
-            <p:seq concurrent="1" nextAc="seek">
-              <p:cTn id="2" dur="indefinite" nodeType="mainSeq">
-                <p:childTnLst>
                   <p:par>
-                    <p:cTn id="3" fill="hold">
+                    <p:cTn id="28" fill="hold">
                       <p:stCondLst>
                         <p:cond delay="indefinite"/>
                       </p:stCondLst>
                       <p:childTnLst>
                         <p:par>
-                          <p:cTn id="4" fill="hold">
+                          <p:cTn id="29" fill="hold">
                             <p:stCondLst>
                               <p:cond delay="0"/>
                             </p:stCondLst>
                             <p:childTnLst>
                               <p:par>
-                                <p:cTn id="5" presetID="10" presetClass="entr" presetSubtype="0" fill="hold" grpId="0" nodeType="clickEffect">
+                                <p:cTn id="30" presetID="10" presetClass="entr" presetSubtype="0" fill="hold" grpId="0" nodeType="clickEffect">
                                   <p:stCondLst>
                                     <p:cond delay="0"/>
                                   </p:stCondLst>
                                   <p:childTnLst>
                                     <p:set>
                                       <p:cBhvr>
-                                        <p:cTn id="6" dur="1" fill="hold">
+                                        <p:cTn id="31" dur="1" fill="hold">
                                           <p:stCondLst>
                                             <p:cond delay="0"/>
                                           </p:stCondLst>
@@ -17339,7 +23713,7 @@
                                         <p:tgtEl>
                                           <p:spTgt spid="2">
                                             <p:txEl>
-                                              <p:pRg st="0" end="0"/>
+                                              <p:pRg st="4" end="4"/>
                                             </p:txEl>
                                           </p:spTgt>
                                         </p:tgtEl>
@@ -17353,11 +23727,11 @@
                                     </p:set>
                                     <p:animEffect transition="in" filter="fade">
                                       <p:cBhvr>
-                                        <p:cTn id="7" dur="500"/>
+                                        <p:cTn id="32" dur="500"/>
                                         <p:tgtEl>
                                           <p:spTgt spid="2">
                                             <p:txEl>
-                                              <p:pRg st="0" end="0"/>
+                                              <p:pRg st="4" end="4"/>
                                             </p:txEl>
                                           </p:spTgt>
                                         </p:tgtEl>
@@ -17367,137 +23741,14 @@
                                 </p:cTn>
                               </p:par>
                               <p:par>
-                                <p:cTn id="8" presetID="10" presetClass="entr" presetSubtype="0" fill="hold" nodeType="withEffect">
+                                <p:cTn id="33" presetID="10" presetClass="entr" presetSubtype="0" fill="hold" grpId="0" nodeType="withEffect">
                                   <p:stCondLst>
                                     <p:cond delay="0"/>
                                   </p:stCondLst>
                                   <p:childTnLst>
                                     <p:set>
                                       <p:cBhvr>
-                                        <p:cTn id="9" dur="1" fill="hold">
-                                          <p:stCondLst>
-                                            <p:cond delay="0"/>
-                                          </p:stCondLst>
-                                        </p:cTn>
-                                        <p:tgtEl>
-                                          <p:spTgt spid="11"/>
-                                        </p:tgtEl>
-                                        <p:attrNameLst>
-                                          <p:attrName>style.visibility</p:attrName>
-                                        </p:attrNameLst>
-                                      </p:cBhvr>
-                                      <p:to>
-                                        <p:strVal val="visible"/>
-                                      </p:to>
-                                    </p:set>
-                                    <p:animEffect transition="in" filter="fade">
-                                      <p:cBhvr>
-                                        <p:cTn id="10" dur="500"/>
-                                        <p:tgtEl>
-                                          <p:spTgt spid="11"/>
-                                        </p:tgtEl>
-                                      </p:cBhvr>
-                                    </p:animEffect>
-                                  </p:childTnLst>
-                                </p:cTn>
-                              </p:par>
-                              <p:par>
-                                <p:cTn id="11" presetID="10" presetClass="entr" presetSubtype="0" fill="hold" nodeType="withEffect">
-                                  <p:stCondLst>
-                                    <p:cond delay="0"/>
-                                  </p:stCondLst>
-                                  <p:childTnLst>
-                                    <p:set>
-                                      <p:cBhvr>
-                                        <p:cTn id="12" dur="1" fill="hold">
-                                          <p:stCondLst>
-                                            <p:cond delay="0"/>
-                                          </p:stCondLst>
-                                        </p:cTn>
-                                        <p:tgtEl>
-                                          <p:spTgt spid="10"/>
-                                        </p:tgtEl>
-                                        <p:attrNameLst>
-                                          <p:attrName>style.visibility</p:attrName>
-                                        </p:attrNameLst>
-                                      </p:cBhvr>
-                                      <p:to>
-                                        <p:strVal val="visible"/>
-                                      </p:to>
-                                    </p:set>
-                                    <p:animEffect transition="in" filter="fade">
-                                      <p:cBhvr>
-                                        <p:cTn id="13" dur="500"/>
-                                        <p:tgtEl>
-                                          <p:spTgt spid="10"/>
-                                        </p:tgtEl>
-                                      </p:cBhvr>
-                                    </p:animEffect>
-                                  </p:childTnLst>
-                                </p:cTn>
-                              </p:par>
-                              <p:par>
-                                <p:cTn id="14" presetID="10" presetClass="entr" presetSubtype="0" fill="hold" nodeType="withEffect">
-                                  <p:stCondLst>
-                                    <p:cond delay="0"/>
-                                  </p:stCondLst>
-                                  <p:childTnLst>
-                                    <p:set>
-                                      <p:cBhvr>
-                                        <p:cTn id="15" dur="1" fill="hold">
-                                          <p:stCondLst>
-                                            <p:cond delay="0"/>
-                                          </p:stCondLst>
-                                        </p:cTn>
-                                        <p:tgtEl>
-                                          <p:spTgt spid="6"/>
-                                        </p:tgtEl>
-                                        <p:attrNameLst>
-                                          <p:attrName>style.visibility</p:attrName>
-                                        </p:attrNameLst>
-                                      </p:cBhvr>
-                                      <p:to>
-                                        <p:strVal val="visible"/>
-                                      </p:to>
-                                    </p:set>
-                                    <p:animEffect transition="in" filter="fade">
-                                      <p:cBhvr>
-                                        <p:cTn id="16" dur="500"/>
-                                        <p:tgtEl>
-                                          <p:spTgt spid="6"/>
-                                        </p:tgtEl>
-                                      </p:cBhvr>
-                                    </p:animEffect>
-                                  </p:childTnLst>
-                                </p:cTn>
-                              </p:par>
-                            </p:childTnLst>
-                          </p:cTn>
-                        </p:par>
-                      </p:childTnLst>
-                    </p:cTn>
-                  </p:par>
-                  <p:par>
-                    <p:cTn id="17" fill="hold">
-                      <p:stCondLst>
-                        <p:cond delay="indefinite"/>
-                      </p:stCondLst>
-                      <p:childTnLst>
-                        <p:par>
-                          <p:cTn id="18" fill="hold">
-                            <p:stCondLst>
-                              <p:cond delay="0"/>
-                            </p:stCondLst>
-                            <p:childTnLst>
-                              <p:par>
-                                <p:cTn id="19" presetID="10" presetClass="entr" presetSubtype="0" fill="hold" grpId="0" nodeType="clickEffect">
-                                  <p:stCondLst>
-                                    <p:cond delay="0"/>
-                                  </p:stCondLst>
-                                  <p:childTnLst>
-                                    <p:set>
-                                      <p:cBhvr>
-                                        <p:cTn id="20" dur="1" fill="hold">
+                                        <p:cTn id="34" dur="1" fill="hold">
                                           <p:stCondLst>
                                             <p:cond delay="0"/>
                                           </p:stCondLst>
@@ -17505,7 +23756,7 @@
                                         <p:tgtEl>
                                           <p:spTgt spid="2">
                                             <p:txEl>
-                                              <p:pRg st="1" end="1"/>
+                                              <p:pRg st="5" end="5"/>
                                             </p:txEl>
                                           </p:spTgt>
                                         </p:tgtEl>
@@ -17519,48 +23770,13 @@
                                     </p:set>
                                     <p:animEffect transition="in" filter="fade">
                                       <p:cBhvr>
-                                        <p:cTn id="21" dur="500"/>
+                                        <p:cTn id="35" dur="500"/>
                                         <p:tgtEl>
                                           <p:spTgt spid="2">
                                             <p:txEl>
-                                              <p:pRg st="1" end="1"/>
+                                              <p:pRg st="5" end="5"/>
                                             </p:txEl>
                                           </p:spTgt>
-                                        </p:tgtEl>
-                                      </p:cBhvr>
-                                    </p:animEffect>
-                                  </p:childTnLst>
-                                </p:cTn>
-                              </p:par>
-                              <p:par>
-                                <p:cTn id="22" presetID="10" presetClass="entr" presetSubtype="0" fill="hold" nodeType="withEffect">
-                                  <p:stCondLst>
-                                    <p:cond delay="0"/>
-                                  </p:stCondLst>
-                                  <p:childTnLst>
-                                    <p:set>
-                                      <p:cBhvr>
-                                        <p:cTn id="23" dur="1" fill="hold">
-                                          <p:stCondLst>
-                                            <p:cond delay="0"/>
-                                          </p:stCondLst>
-                                        </p:cTn>
-                                        <p:tgtEl>
-                                          <p:spTgt spid="1026"/>
-                                        </p:tgtEl>
-                                        <p:attrNameLst>
-                                          <p:attrName>style.visibility</p:attrName>
-                                        </p:attrNameLst>
-                                      </p:cBhvr>
-                                      <p:to>
-                                        <p:strVal val="visible"/>
-                                      </p:to>
-                                    </p:set>
-                                    <p:animEffect transition="in" filter="fade">
-                                      <p:cBhvr>
-                                        <p:cTn id="24" dur="500"/>
-                                        <p:tgtEl>
-                                          <p:spTgt spid="1026"/>
                                         </p:tgtEl>
                                       </p:cBhvr>
                                     </p:animEffect>
